--- a/final presentation.pptx
+++ b/final presentation.pptx
@@ -5,21 +5,22 @@
     <p:sldMasterId id="2147483648" r:id="rId1"/>
   </p:sldMasterIdLst>
   <p:notesMasterIdLst>
-    <p:notesMasterId r:id="rId11"/>
+    <p:notesMasterId r:id="rId12"/>
   </p:notesMasterIdLst>
   <p:handoutMasterIdLst>
-    <p:handoutMasterId r:id="rId12"/>
+    <p:handoutMasterId r:id="rId13"/>
   </p:handoutMasterIdLst>
   <p:sldIdLst>
     <p:sldId id="256" r:id="rId2"/>
     <p:sldId id="258" r:id="rId3"/>
     <p:sldId id="259" r:id="rId4"/>
-    <p:sldId id="261" r:id="rId5"/>
-    <p:sldId id="263" r:id="rId6"/>
-    <p:sldId id="269" r:id="rId7"/>
-    <p:sldId id="264" r:id="rId8"/>
-    <p:sldId id="266" r:id="rId9"/>
-    <p:sldId id="267" r:id="rId10"/>
+    <p:sldId id="270" r:id="rId5"/>
+    <p:sldId id="261" r:id="rId6"/>
+    <p:sldId id="263" r:id="rId7"/>
+    <p:sldId id="269" r:id="rId8"/>
+    <p:sldId id="264" r:id="rId9"/>
+    <p:sldId id="266" r:id="rId10"/>
+    <p:sldId id="267" r:id="rId11"/>
   </p:sldIdLst>
   <p:sldSz cx="12192000" cy="6858000"/>
   <p:notesSz cx="6858000" cy="9144000"/>
@@ -220,7 +221,7 @@
           <a:p>
             <a:fld id="{7B2F2B52-76C9-4592-A95B-8B34F082ACAA}" type="datetimeFigureOut">
               <a:rPr lang="de-AT" smtClean="0"/>
-              <a:t>26.01.22</a:t>
+              <a:t>27.01.2022</a:t>
             </a:fld>
             <a:endParaRPr lang="de-AT"/>
           </a:p>
@@ -298,7 +299,7 @@
           <a:p>
             <a:fld id="{BCDFE5EE-0A97-463E-8DFE-6EA46B15903A}" type="slidenum">
               <a:rPr lang="de-AT" smtClean="0"/>
-              <a:t>‹Nr.›</a:t>
+              <a:t>‹#›</a:t>
             </a:fld>
             <a:endParaRPr lang="de-AT"/>
           </a:p>
@@ -398,7 +399,7 @@
           <a:p>
             <a:fld id="{AF01A582-FFBF-457F-AF23-804C3FA76837}" type="datetimeFigureOut">
               <a:rPr lang="de-AT" smtClean="0"/>
-              <a:t>26.01.22</a:t>
+              <a:t>27.01.2022</a:t>
             </a:fld>
             <a:endParaRPr lang="de-AT"/>
           </a:p>
@@ -557,7 +558,7 @@
           <a:p>
             <a:fld id="{52F53CBB-A1EB-436A-8EE7-1F1D8572F041}" type="slidenum">
               <a:rPr lang="de-AT" smtClean="0"/>
-              <a:t>‹Nr.›</a:t>
+              <a:t>‹#›</a:t>
             </a:fld>
             <a:endParaRPr lang="de-AT"/>
           </a:p>
@@ -816,7 +817,7 @@
           <a:p>
             <a:fld id="{3948A16B-838B-46E8-AB68-467BDD7C6EAF}" type="datetime1">
               <a:rPr lang="de-AT" smtClean="0"/>
-              <a:t>26.01.22</a:t>
+              <a:t>27.01.2022</a:t>
             </a:fld>
             <a:endParaRPr lang="de-AT"/>
           </a:p>
@@ -870,7 +871,7 @@
           <a:p>
             <a:fld id="{07D37939-05EA-4A19-9D44-5A085DB3A996}" type="slidenum">
               <a:rPr lang="de-AT" smtClean="0"/>
-              <a:t>‹Nr.›</a:t>
+              <a:t>‹#›</a:t>
             </a:fld>
             <a:endParaRPr lang="de-AT"/>
           </a:p>
@@ -1016,7 +1017,7 @@
           <a:p>
             <a:fld id="{ABF9424F-41B4-40F7-B6A8-576E1FB26C7E}" type="datetime1">
               <a:rPr lang="de-AT" smtClean="0"/>
-              <a:t>26.01.22</a:t>
+              <a:t>27.01.2022</a:t>
             </a:fld>
             <a:endParaRPr lang="de-AT"/>
           </a:p>
@@ -1070,7 +1071,7 @@
           <a:p>
             <a:fld id="{07D37939-05EA-4A19-9D44-5A085DB3A996}" type="slidenum">
               <a:rPr lang="de-AT" smtClean="0"/>
-              <a:t>‹Nr.›</a:t>
+              <a:t>‹#›</a:t>
             </a:fld>
             <a:endParaRPr lang="de-AT"/>
           </a:p>
@@ -1226,7 +1227,7 @@
           <a:p>
             <a:fld id="{F54F0B72-55F6-4A30-A591-6EB1556C9E29}" type="datetime1">
               <a:rPr lang="de-AT" smtClean="0"/>
-              <a:t>26.01.22</a:t>
+              <a:t>27.01.2022</a:t>
             </a:fld>
             <a:endParaRPr lang="de-AT"/>
           </a:p>
@@ -1280,7 +1281,7 @@
           <a:p>
             <a:fld id="{07D37939-05EA-4A19-9D44-5A085DB3A996}" type="slidenum">
               <a:rPr lang="de-AT" smtClean="0"/>
-              <a:t>‹Nr.›</a:t>
+              <a:t>‹#›</a:t>
             </a:fld>
             <a:endParaRPr lang="de-AT"/>
           </a:p>
@@ -1426,7 +1427,7 @@
           <a:p>
             <a:fld id="{F3A7413F-203A-4A51-A7F3-DB37538669AB}" type="datetime1">
               <a:rPr lang="de-AT" smtClean="0"/>
-              <a:t>26.01.22</a:t>
+              <a:t>27.01.2022</a:t>
             </a:fld>
             <a:endParaRPr lang="de-AT"/>
           </a:p>
@@ -1480,7 +1481,7 @@
           <a:p>
             <a:fld id="{07D37939-05EA-4A19-9D44-5A085DB3A996}" type="slidenum">
               <a:rPr lang="de-AT" smtClean="0"/>
-              <a:t>‹Nr.›</a:t>
+              <a:t>‹#›</a:t>
             </a:fld>
             <a:endParaRPr lang="de-AT"/>
           </a:p>
@@ -1702,7 +1703,7 @@
           <a:p>
             <a:fld id="{977646DA-8F58-4379-8B3F-DBC46F63748D}" type="datetime1">
               <a:rPr lang="de-AT" smtClean="0"/>
-              <a:t>26.01.22</a:t>
+              <a:t>27.01.2022</a:t>
             </a:fld>
             <a:endParaRPr lang="de-AT"/>
           </a:p>
@@ -1756,7 +1757,7 @@
           <a:p>
             <a:fld id="{07D37939-05EA-4A19-9D44-5A085DB3A996}" type="slidenum">
               <a:rPr lang="de-AT" smtClean="0"/>
-              <a:t>‹Nr.›</a:t>
+              <a:t>‹#›</a:t>
             </a:fld>
             <a:endParaRPr lang="de-AT"/>
           </a:p>
@@ -1970,7 +1971,7 @@
           <a:p>
             <a:fld id="{7021ACA4-F542-4A1C-BF0E-7E44ED6C8408}" type="datetime1">
               <a:rPr lang="de-AT" smtClean="0"/>
-              <a:t>26.01.22</a:t>
+              <a:t>27.01.2022</a:t>
             </a:fld>
             <a:endParaRPr lang="de-AT"/>
           </a:p>
@@ -2024,7 +2025,7 @@
           <a:p>
             <a:fld id="{07D37939-05EA-4A19-9D44-5A085DB3A996}" type="slidenum">
               <a:rPr lang="de-AT" smtClean="0"/>
-              <a:t>‹Nr.›</a:t>
+              <a:t>‹#›</a:t>
             </a:fld>
             <a:endParaRPr lang="de-AT"/>
           </a:p>
@@ -2385,7 +2386,7 @@
           <a:p>
             <a:fld id="{49EE19B4-A589-4A7F-A9AB-B171FF5BD9E6}" type="datetime1">
               <a:rPr lang="de-AT" smtClean="0"/>
-              <a:t>26.01.22</a:t>
+              <a:t>27.01.2022</a:t>
             </a:fld>
             <a:endParaRPr lang="de-AT"/>
           </a:p>
@@ -2439,7 +2440,7 @@
           <a:p>
             <a:fld id="{07D37939-05EA-4A19-9D44-5A085DB3A996}" type="slidenum">
               <a:rPr lang="de-AT" smtClean="0"/>
-              <a:t>‹Nr.›</a:t>
+              <a:t>‹#›</a:t>
             </a:fld>
             <a:endParaRPr lang="de-AT"/>
           </a:p>
@@ -2527,7 +2528,7 @@
           <a:p>
             <a:fld id="{09FAA076-EAA2-4F4F-9F6B-B42209D13A94}" type="datetime1">
               <a:rPr lang="de-AT" smtClean="0"/>
-              <a:t>26.01.22</a:t>
+              <a:t>27.01.2022</a:t>
             </a:fld>
             <a:endParaRPr lang="de-AT"/>
           </a:p>
@@ -2581,7 +2582,7 @@
           <a:p>
             <a:fld id="{07D37939-05EA-4A19-9D44-5A085DB3A996}" type="slidenum">
               <a:rPr lang="de-AT" smtClean="0"/>
-              <a:t>‹Nr.›</a:t>
+              <a:t>‹#›</a:t>
             </a:fld>
             <a:endParaRPr lang="de-AT"/>
           </a:p>
@@ -2640,7 +2641,7 @@
           <a:p>
             <a:fld id="{1DA39183-104C-4DE7-A421-4A86C7A6B2C9}" type="datetime1">
               <a:rPr lang="de-AT" smtClean="0"/>
-              <a:t>26.01.22</a:t>
+              <a:t>27.01.2022</a:t>
             </a:fld>
             <a:endParaRPr lang="de-AT"/>
           </a:p>
@@ -2694,7 +2695,7 @@
           <a:p>
             <a:fld id="{07D37939-05EA-4A19-9D44-5A085DB3A996}" type="slidenum">
               <a:rPr lang="de-AT" smtClean="0"/>
-              <a:t>‹Nr.›</a:t>
+              <a:t>‹#›</a:t>
             </a:fld>
             <a:endParaRPr lang="de-AT"/>
           </a:p>
@@ -2953,7 +2954,7 @@
           <a:p>
             <a:fld id="{CEFA3801-3FF3-4E49-B860-B835A5A35994}" type="datetime1">
               <a:rPr lang="de-AT" smtClean="0"/>
-              <a:t>26.01.22</a:t>
+              <a:t>27.01.2022</a:t>
             </a:fld>
             <a:endParaRPr lang="de-AT"/>
           </a:p>
@@ -3007,7 +3008,7 @@
           <a:p>
             <a:fld id="{07D37939-05EA-4A19-9D44-5A085DB3A996}" type="slidenum">
               <a:rPr lang="de-AT" smtClean="0"/>
-              <a:t>‹Nr.›</a:t>
+              <a:t>‹#›</a:t>
             </a:fld>
             <a:endParaRPr lang="de-AT"/>
           </a:p>
@@ -3242,7 +3243,7 @@
           <a:p>
             <a:fld id="{19011210-B0AD-4109-BC80-062ABBBF42A6}" type="datetime1">
               <a:rPr lang="de-AT" smtClean="0"/>
-              <a:t>26.01.22</a:t>
+              <a:t>27.01.2022</a:t>
             </a:fld>
             <a:endParaRPr lang="de-AT"/>
           </a:p>
@@ -3296,7 +3297,7 @@
           <a:p>
             <a:fld id="{07D37939-05EA-4A19-9D44-5A085DB3A996}" type="slidenum">
               <a:rPr lang="de-AT" smtClean="0"/>
-              <a:t>‹Nr.›</a:t>
+              <a:t>‹#›</a:t>
             </a:fld>
             <a:endParaRPr lang="de-AT"/>
           </a:p>
@@ -3485,7 +3486,7 @@
           <a:p>
             <a:fld id="{81DA9BBC-7EF0-4C1E-8A04-CEA875539E51}" type="datetime1">
               <a:rPr lang="de-AT" smtClean="0"/>
-              <a:t>26.01.22</a:t>
+              <a:t>27.01.2022</a:t>
             </a:fld>
             <a:endParaRPr lang="de-AT"/>
           </a:p>
@@ -3575,7 +3576,7 @@
           <a:p>
             <a:fld id="{07D37939-05EA-4A19-9D44-5A085DB3A996}" type="slidenum">
               <a:rPr lang="de-AT" smtClean="0"/>
-              <a:t>‹Nr.›</a:t>
+              <a:t>‹#›</a:t>
             </a:fld>
             <a:endParaRPr lang="de-AT"/>
           </a:p>
@@ -3939,9 +3940,17 @@
               <a:rPr lang="de-AT" b="1" dirty="0" err="1"/>
               <a:t>Presentation</a:t>
             </a:r>
+            <a:r>
+              <a:rPr lang="de-AT" b="1" dirty="0"/>
+              <a:t/>
+            </a:r>
             <a:br>
               <a:rPr lang="de-AT" b="1" dirty="0"/>
             </a:br>
+            <a:r>
+              <a:rPr lang="de-AT" dirty="0"/>
+              <a:t/>
+            </a:r>
             <a:br>
               <a:rPr lang="de-AT" dirty="0"/>
             </a:br>
@@ -3995,8 +4004,23 @@
           <a:p>
             <a:r>
               <a:rPr lang="de-AT" sz="2000" dirty="0"/>
-              <a:t>01611822 Manuel Schieder </a:t>
-            </a:r>
+              <a:t>01611822 Manuel </a:t>
+            </a:r>
+            <a:r>
+              <a:rPr lang="de-AT" sz="2000" dirty="0" smtClean="0"/>
+              <a:t>Schieder</a:t>
+            </a:r>
+          </a:p>
+          <a:p>
+            <a:r>
+              <a:rPr lang="de-AT" sz="2000" dirty="0" smtClean="0"/>
+              <a:t>12129845 Ali Obeid</a:t>
+            </a:r>
+            <a:r>
+              <a:rPr lang="de-AT" sz="2000" dirty="0" smtClean="0"/>
+              <a:t> </a:t>
+            </a:r>
+            <a:endParaRPr lang="de-AT" sz="2000" dirty="0"/>
           </a:p>
         </p:txBody>
       </p:sp>
@@ -4093,7 +4117,7 @@
 </p:sld>
 </file>
 
-<file path=ppt/slides/slide2.xml><?xml version="1.0" encoding="utf-8"?>
+<file path=ppt/slides/slide10.xml><?xml version="1.0" encoding="utf-8"?>
 <p:sld xmlns:a="http://schemas.openxmlformats.org/drawingml/2006/main" xmlns:r="http://schemas.openxmlformats.org/officeDocument/2006/relationships" xmlns:p="http://schemas.openxmlformats.org/presentationml/2006/main">
   <p:cSld>
     <p:spTree>
@@ -4134,7 +4158,7 @@
             <a:pPr algn="ctr"/>
             <a:r>
               <a:rPr lang="de-AT" dirty="0" err="1"/>
-              <a:t>Introduction</a:t>
+              <a:t>Conclusion</a:t>
             </a:r>
             <a:endParaRPr lang="de-AT" dirty="0"/>
           </a:p>
@@ -4142,107 +4166,10 @@
       </p:sp>
       <p:sp>
         <p:nvSpPr>
-          <p:cNvPr id="3" name="Inhaltsplatzhalter 2">
-            <a:extLst>
-              <a:ext uri="{FF2B5EF4-FFF2-40B4-BE49-F238E27FC236}">
-                <a16:creationId xmlns:a16="http://schemas.microsoft.com/office/drawing/2014/main" id="{72571CD3-37A9-4B5C-B541-D64C9B9CD76D}"/>
-              </a:ext>
-            </a:extLst>
-          </p:cNvPr>
-          <p:cNvSpPr>
-            <a:spLocks noGrp="1"/>
-          </p:cNvSpPr>
-          <p:nvPr>
-            <p:ph sz="half" idx="1"/>
-          </p:nvPr>
-        </p:nvSpPr>
-        <p:spPr/>
-        <p:txBody>
-          <a:bodyPr/>
-          <a:lstStyle/>
-          <a:p>
-            <a:pPr marL="0" indent="0">
-              <a:buNone/>
-            </a:pPr>
-            <a:r>
-              <a:rPr lang="de-AT" sz="3600" b="1" dirty="0"/>
-              <a:t>HPP</a:t>
-            </a:r>
-          </a:p>
-          <a:p>
-            <a:r>
-              <a:rPr lang="de-AT" dirty="0"/>
-              <a:t>Simple Model</a:t>
-            </a:r>
-          </a:p>
-          <a:p>
-            <a:r>
-              <a:rPr lang="de-AT" dirty="0"/>
-              <a:t>Max. 4 </a:t>
-            </a:r>
-            <a:r>
-              <a:rPr lang="de-AT" dirty="0" err="1"/>
-              <a:t>Particles</a:t>
-            </a:r>
-            <a:r>
-              <a:rPr lang="de-AT" dirty="0"/>
-              <a:t>/</a:t>
-            </a:r>
-            <a:r>
-              <a:rPr lang="de-AT" dirty="0" err="1"/>
-              <a:t>Cell</a:t>
-            </a:r>
-            <a:endParaRPr lang="de-AT" dirty="0"/>
-          </a:p>
-          <a:p>
-            <a:r>
-              <a:rPr lang="de-AT" dirty="0"/>
-              <a:t>16 </a:t>
-            </a:r>
-            <a:r>
-              <a:rPr lang="de-AT" dirty="0" err="1"/>
-              <a:t>possible</a:t>
-            </a:r>
-            <a:r>
-              <a:rPr lang="de-AT" dirty="0"/>
-              <a:t> </a:t>
-            </a:r>
-            <a:r>
-              <a:rPr lang="de-AT" dirty="0" err="1"/>
-              <a:t>states</a:t>
-            </a:r>
-            <a:endParaRPr lang="de-AT" dirty="0"/>
-          </a:p>
-          <a:p>
-            <a:r>
-              <a:rPr lang="de-AT" dirty="0"/>
-              <a:t>1 </a:t>
-            </a:r>
-            <a:r>
-              <a:rPr lang="de-AT" dirty="0" err="1"/>
-              <a:t>collision</a:t>
-            </a:r>
-            <a:r>
-              <a:rPr lang="de-AT" dirty="0"/>
-              <a:t> </a:t>
-            </a:r>
-            <a:r>
-              <a:rPr lang="de-AT" dirty="0" err="1"/>
-              <a:t>rule</a:t>
-            </a:r>
-            <a:r>
-              <a:rPr lang="de-AT" dirty="0"/>
-              <a:t> </a:t>
-            </a:r>
-          </a:p>
-        </p:txBody>
-      </p:sp>
-      <p:sp>
-        <p:nvSpPr>
-          <p:cNvPr id="10" name="Inhaltsplatzhalter 9">
-            <a:extLst>
-              <a:ext uri="{FF2B5EF4-FFF2-40B4-BE49-F238E27FC236}">
-                <a16:creationId xmlns:a16="http://schemas.microsoft.com/office/drawing/2014/main" id="{D8C7C652-6244-7646-A933-B85667A68D65}"/>
+          <p:cNvPr id="12" name="Inhaltsplatzhalter 11">
+            <a:extLst>
+              <a:ext uri="{FF2B5EF4-FFF2-40B4-BE49-F238E27FC236}">
+                <a16:creationId xmlns:a16="http://schemas.microsoft.com/office/drawing/2014/main" id="{5D86C93F-944A-084F-9661-0A67641242CE}"/>
               </a:ext>
             </a:extLst>
           </p:cNvPr>
@@ -4258,118 +4185,7 @@
           <a:bodyPr/>
           <a:lstStyle/>
           <a:p>
-            <a:pPr marL="0" indent="0">
-              <a:buNone/>
-            </a:pPr>
-            <a:r>
-              <a:rPr lang="de-AT" sz="3600" b="1" dirty="0"/>
-              <a:t>FHP</a:t>
-            </a:r>
-          </a:p>
-          <a:p>
-            <a:r>
-              <a:rPr lang="de-AT" dirty="0"/>
-              <a:t>3 different Models</a:t>
-            </a:r>
-          </a:p>
-          <a:p>
-            <a:r>
-              <a:rPr lang="de-AT" dirty="0" err="1"/>
-              <a:t>Up</a:t>
-            </a:r>
-            <a:r>
-              <a:rPr lang="de-AT" dirty="0"/>
-              <a:t> </a:t>
-            </a:r>
-            <a:r>
-              <a:rPr lang="de-AT" dirty="0" err="1"/>
-              <a:t>to</a:t>
-            </a:r>
-            <a:r>
-              <a:rPr lang="de-AT" dirty="0"/>
-              <a:t> 7 </a:t>
-            </a:r>
-            <a:r>
-              <a:rPr lang="de-AT" dirty="0" err="1"/>
-              <a:t>Particles</a:t>
-            </a:r>
-            <a:r>
-              <a:rPr lang="de-AT" dirty="0"/>
-              <a:t>/</a:t>
-            </a:r>
-            <a:r>
-              <a:rPr lang="de-AT" dirty="0" err="1"/>
-              <a:t>Cell</a:t>
-            </a:r>
-            <a:endParaRPr lang="de-AT" dirty="0"/>
-          </a:p>
-          <a:p>
-            <a:r>
-              <a:rPr lang="de-AT" dirty="0" err="1"/>
-              <a:t>Up</a:t>
-            </a:r>
-            <a:r>
-              <a:rPr lang="de-AT" dirty="0"/>
-              <a:t> </a:t>
-            </a:r>
-            <a:r>
-              <a:rPr lang="de-AT" dirty="0" err="1"/>
-              <a:t>to</a:t>
-            </a:r>
-            <a:r>
-              <a:rPr lang="de-AT" dirty="0"/>
-              <a:t> 128 </a:t>
-            </a:r>
-            <a:r>
-              <a:rPr lang="de-AT" dirty="0" err="1"/>
-              <a:t>possible</a:t>
-            </a:r>
-            <a:r>
-              <a:rPr lang="de-AT" dirty="0"/>
-              <a:t> </a:t>
-            </a:r>
-            <a:r>
-              <a:rPr lang="de-AT" dirty="0" err="1"/>
-              <a:t>states</a:t>
-            </a:r>
-            <a:endParaRPr lang="de-AT" dirty="0"/>
-          </a:p>
-          <a:p>
-            <a:r>
-              <a:rPr lang="de-AT" dirty="0" err="1"/>
-              <a:t>Up</a:t>
-            </a:r>
-            <a:r>
-              <a:rPr lang="de-AT" dirty="0"/>
-              <a:t> </a:t>
-            </a:r>
-            <a:r>
-              <a:rPr lang="de-AT" dirty="0" err="1"/>
-              <a:t>to</a:t>
-            </a:r>
-            <a:r>
-              <a:rPr lang="de-AT" dirty="0"/>
-              <a:t> 7 </a:t>
-            </a:r>
-            <a:r>
-              <a:rPr lang="de-AT" dirty="0" err="1"/>
-              <a:t>collision</a:t>
-            </a:r>
-            <a:r>
-              <a:rPr lang="de-AT" dirty="0"/>
-              <a:t> </a:t>
-            </a:r>
-            <a:r>
-              <a:rPr lang="de-AT" dirty="0" err="1"/>
-              <a:t>rule</a:t>
-            </a:r>
-            <a:r>
-              <a:rPr lang="de-AT" dirty="0"/>
-              <a:t> </a:t>
-            </a:r>
-          </a:p>
-          <a:p>
-            <a:endParaRPr lang="de-DE" dirty="0"/>
+            <a:endParaRPr lang="de-DE"/>
           </a:p>
         </p:txBody>
       </p:sp>
@@ -4396,1826 +4212,7 @@
           <a:p>
             <a:fld id="{07D37939-05EA-4A19-9D44-5A085DB3A996}" type="slidenum">
               <a:rPr lang="de-AT" smtClean="0"/>
-              <a:t>2</a:t>
-            </a:fld>
-            <a:endParaRPr lang="de-AT"/>
-          </a:p>
-        </p:txBody>
-      </p:sp>
-      <p:cxnSp>
-        <p:nvCxnSpPr>
-          <p:cNvPr id="6" name="Gerader Verbinder 5">
-            <a:extLst>
-              <a:ext uri="{FF2B5EF4-FFF2-40B4-BE49-F238E27FC236}">
-                <a16:creationId xmlns:a16="http://schemas.microsoft.com/office/drawing/2014/main" id="{8C79C4A6-A48B-4A83-95FE-DA20DB4E5DED}"/>
-              </a:ext>
-            </a:extLst>
-          </p:cNvPr>
-          <p:cNvCxnSpPr>
-            <a:cxnSpLocks/>
-          </p:cNvCxnSpPr>
-          <p:nvPr/>
-        </p:nvCxnSpPr>
-        <p:spPr>
-          <a:xfrm>
-            <a:off x="518160" y="1495425"/>
-            <a:ext cx="11155680" cy="0"/>
-          </a:xfrm>
-          <a:prstGeom prst="line">
-            <a:avLst/>
-          </a:prstGeom>
-          <a:ln w="19050"/>
-        </p:spPr>
-        <p:style>
-          <a:lnRef idx="1">
-            <a:schemeClr val="accent1"/>
-          </a:lnRef>
-          <a:fillRef idx="0">
-            <a:schemeClr val="accent1"/>
-          </a:fillRef>
-          <a:effectRef idx="0">
-            <a:schemeClr val="accent1"/>
-          </a:effectRef>
-          <a:fontRef idx="minor">
-            <a:schemeClr val="tx1"/>
-          </a:fontRef>
-        </p:style>
-      </p:cxnSp>
-      <p:sp>
-        <p:nvSpPr>
-          <p:cNvPr id="5" name="Textfeld 4">
-            <a:extLst>
-              <a:ext uri="{FF2B5EF4-FFF2-40B4-BE49-F238E27FC236}">
-                <a16:creationId xmlns:a16="http://schemas.microsoft.com/office/drawing/2014/main" id="{14BD8392-B980-4F5E-BDE9-1674099FE9A1}"/>
-              </a:ext>
-            </a:extLst>
-          </p:cNvPr>
-          <p:cNvSpPr txBox="1"/>
-          <p:nvPr/>
-        </p:nvSpPr>
-        <p:spPr>
-          <a:xfrm>
-            <a:off x="518160" y="6356350"/>
-            <a:ext cx="741997" cy="369332"/>
-          </a:xfrm>
-          <a:prstGeom prst="rect">
-            <a:avLst/>
-          </a:prstGeom>
-          <a:noFill/>
-        </p:spPr>
-        <p:txBody>
-          <a:bodyPr wrap="square" rtlCol="0">
-            <a:spAutoFit/>
-          </a:bodyPr>
-          <a:lstStyle/>
-          <a:p>
-            <a:r>
-              <a:rPr lang="de-AT" dirty="0"/>
-              <a:t>[2]</a:t>
-            </a:r>
-          </a:p>
-        </p:txBody>
-      </p:sp>
-      <p:pic>
-        <p:nvPicPr>
-          <p:cNvPr id="9" name="Grafik 8" descr="Ein Bild, das Uhr enthält.&#10;&#10;Automatisch generierte Beschreibung">
-            <a:extLst>
-              <a:ext uri="{FF2B5EF4-FFF2-40B4-BE49-F238E27FC236}">
-                <a16:creationId xmlns:a16="http://schemas.microsoft.com/office/drawing/2014/main" id="{A98F3A13-BA0A-064F-AAF4-EE694678FD2F}"/>
-              </a:ext>
-            </a:extLst>
-          </p:cNvPr>
-          <p:cNvPicPr>
-            <a:picLocks noChangeAspect="1"/>
-          </p:cNvPicPr>
-          <p:nvPr/>
-        </p:nvPicPr>
-        <p:blipFill>
-          <a:blip r:embed="rId2">
-            <a:extLst>
-              <a:ext uri="{28A0092B-C50C-407E-A947-70E740481C1C}">
-                <a14:useLocalDpi xmlns:a14="http://schemas.microsoft.com/office/drawing/2010/main" val="0"/>
-              </a:ext>
-            </a:extLst>
-          </a:blip>
-          <a:stretch>
-            <a:fillRect/>
-          </a:stretch>
-        </p:blipFill>
-        <p:spPr>
-          <a:xfrm>
-            <a:off x="889158" y="4548134"/>
-            <a:ext cx="3225800" cy="977900"/>
-          </a:xfrm>
-          <a:prstGeom prst="rect">
-            <a:avLst/>
-          </a:prstGeom>
-        </p:spPr>
-      </p:pic>
-      <p:pic>
-        <p:nvPicPr>
-          <p:cNvPr id="13" name="Grafik 12" descr="Ein Bild, das Himmel, Objekt, fliegend, Militär enthält.&#10;&#10;Automatisch generierte Beschreibung">
-            <a:extLst>
-              <a:ext uri="{FF2B5EF4-FFF2-40B4-BE49-F238E27FC236}">
-                <a16:creationId xmlns:a16="http://schemas.microsoft.com/office/drawing/2014/main" id="{ABD6A4CD-214F-A947-8021-3B1B98AF2DA4}"/>
-              </a:ext>
-            </a:extLst>
-          </p:cNvPr>
-          <p:cNvPicPr>
-            <a:picLocks noChangeAspect="1"/>
-          </p:cNvPicPr>
-          <p:nvPr/>
-        </p:nvPicPr>
-        <p:blipFill>
-          <a:blip r:embed="rId3">
-            <a:extLst>
-              <a:ext uri="{28A0092B-C50C-407E-A947-70E740481C1C}">
-                <a14:useLocalDpi xmlns:a14="http://schemas.microsoft.com/office/drawing/2010/main" val="0"/>
-              </a:ext>
-            </a:extLst>
-          </a:blip>
-          <a:stretch>
-            <a:fillRect/>
-          </a:stretch>
-        </p:blipFill>
-        <p:spPr>
-          <a:xfrm>
-            <a:off x="6561083" y="4377690"/>
-            <a:ext cx="3421117" cy="2480310"/>
-          </a:xfrm>
-          <a:prstGeom prst="rect">
-            <a:avLst/>
-          </a:prstGeom>
-        </p:spPr>
-      </p:pic>
-    </p:spTree>
-    <p:extLst>
-      <p:ext uri="{BB962C8B-B14F-4D97-AF65-F5344CB8AC3E}">
-        <p14:creationId xmlns:p14="http://schemas.microsoft.com/office/powerpoint/2010/main" val="3060349954"/>
-      </p:ext>
-    </p:extLst>
-  </p:cSld>
-  <p:clrMapOvr>
-    <a:masterClrMapping/>
-  </p:clrMapOvr>
-</p:sld>
-</file>
-
-<file path=ppt/slides/slide3.xml><?xml version="1.0" encoding="utf-8"?>
-<p:sld xmlns:a="http://schemas.openxmlformats.org/drawingml/2006/main" xmlns:r="http://schemas.openxmlformats.org/officeDocument/2006/relationships" xmlns:p="http://schemas.openxmlformats.org/presentationml/2006/main">
-  <p:cSld>
-    <p:spTree>
-      <p:nvGrpSpPr>
-        <p:cNvPr id="1" name=""/>
-        <p:cNvGrpSpPr/>
-        <p:nvPr/>
-      </p:nvGrpSpPr>
-      <p:grpSpPr>
-        <a:xfrm>
-          <a:off x="0" y="0"/>
-          <a:ext cx="0" cy="0"/>
-          <a:chOff x="0" y="0"/>
-          <a:chExt cx="0" cy="0"/>
-        </a:xfrm>
-      </p:grpSpPr>
-      <p:sp>
-        <p:nvSpPr>
-          <p:cNvPr id="2" name="Titel 1">
-            <a:extLst>
-              <a:ext uri="{FF2B5EF4-FFF2-40B4-BE49-F238E27FC236}">
-                <a16:creationId xmlns:a16="http://schemas.microsoft.com/office/drawing/2014/main" id="{CD125071-366C-496B-B333-6A301847477B}"/>
-              </a:ext>
-            </a:extLst>
-          </p:cNvPr>
-          <p:cNvSpPr>
-            <a:spLocks noGrp="1"/>
-          </p:cNvSpPr>
-          <p:nvPr>
-            <p:ph type="title"/>
-          </p:nvPr>
-        </p:nvSpPr>
-        <p:spPr/>
-        <p:txBody>
-          <a:bodyPr/>
-          <a:lstStyle/>
-          <a:p>
-            <a:pPr algn="ctr"/>
-            <a:r>
-              <a:rPr lang="de-AT" dirty="0"/>
-              <a:t>Implementation</a:t>
-            </a:r>
-          </a:p>
-        </p:txBody>
-      </p:sp>
-      <p:sp>
-        <p:nvSpPr>
-          <p:cNvPr id="3" name="Inhaltsplatzhalter 2">
-            <a:extLst>
-              <a:ext uri="{FF2B5EF4-FFF2-40B4-BE49-F238E27FC236}">
-                <a16:creationId xmlns:a16="http://schemas.microsoft.com/office/drawing/2014/main" id="{72571CD3-37A9-4B5C-B541-D64C9B9CD76D}"/>
-              </a:ext>
-            </a:extLst>
-          </p:cNvPr>
-          <p:cNvSpPr>
-            <a:spLocks noGrp="1"/>
-          </p:cNvSpPr>
-          <p:nvPr>
-            <p:ph idx="1"/>
-          </p:nvPr>
-        </p:nvSpPr>
-        <p:spPr/>
-        <p:txBody>
-          <a:bodyPr/>
-          <a:lstStyle/>
-          <a:p>
-            <a:r>
-              <a:rPr lang="de-AT" dirty="0" err="1"/>
-              <a:t>Node</a:t>
-            </a:r>
-            <a:r>
-              <a:rPr lang="de-AT" dirty="0"/>
-              <a:t> </a:t>
-            </a:r>
-            <a:r>
-              <a:rPr lang="de-AT" dirty="0" err="1"/>
-              <a:t>based</a:t>
-            </a:r>
-            <a:r>
-              <a:rPr lang="de-AT" dirty="0"/>
-              <a:t> Implementation</a:t>
-            </a:r>
-          </a:p>
-          <a:p>
-            <a:pPr marL="914400" lvl="1" indent="-457200">
-              <a:buFont typeface="+mj-lt"/>
-              <a:buAutoNum type="arabicPeriod"/>
-            </a:pPr>
-            <a:r>
-              <a:rPr lang="de-AT" dirty="0" err="1"/>
-              <a:t>Apply</a:t>
-            </a:r>
-            <a:r>
-              <a:rPr lang="de-AT" dirty="0"/>
-              <a:t> </a:t>
-            </a:r>
-            <a:r>
-              <a:rPr lang="de-AT" dirty="0" err="1"/>
-              <a:t>collsion</a:t>
-            </a:r>
-            <a:r>
-              <a:rPr lang="de-AT" dirty="0"/>
-              <a:t> </a:t>
-            </a:r>
-            <a:r>
-              <a:rPr lang="de-AT" dirty="0" err="1"/>
-              <a:t>rules</a:t>
-            </a:r>
-            <a:r>
-              <a:rPr lang="de-AT" dirty="0"/>
-              <a:t> </a:t>
-            </a:r>
-            <a:r>
-              <a:rPr lang="de-AT" dirty="0" err="1"/>
-              <a:t>for</a:t>
-            </a:r>
-            <a:r>
-              <a:rPr lang="de-AT" dirty="0"/>
-              <a:t> </a:t>
-            </a:r>
-            <a:r>
-              <a:rPr lang="de-AT" dirty="0" err="1"/>
-              <a:t>particles</a:t>
-            </a:r>
-            <a:endParaRPr lang="de-AT" dirty="0"/>
-          </a:p>
-          <a:p>
-            <a:pPr marL="914400" lvl="1" indent="-457200">
-              <a:buFont typeface="+mj-lt"/>
-              <a:buAutoNum type="arabicPeriod"/>
-            </a:pPr>
-            <a:r>
-              <a:rPr lang="de-AT" dirty="0" err="1"/>
-              <a:t>Apply</a:t>
-            </a:r>
-            <a:r>
-              <a:rPr lang="de-AT" dirty="0"/>
-              <a:t> </a:t>
-            </a:r>
-            <a:r>
-              <a:rPr lang="de-AT" dirty="0" err="1"/>
-              <a:t>collision</a:t>
-            </a:r>
-            <a:r>
-              <a:rPr lang="de-AT" dirty="0"/>
-              <a:t> </a:t>
-            </a:r>
-            <a:r>
-              <a:rPr lang="de-AT" dirty="0" err="1"/>
-              <a:t>rules</a:t>
-            </a:r>
-            <a:r>
-              <a:rPr lang="de-AT" dirty="0"/>
-              <a:t> at </a:t>
-            </a:r>
-            <a:r>
-              <a:rPr lang="de-AT" dirty="0" err="1"/>
-              <a:t>Boundaries</a:t>
-            </a:r>
-            <a:r>
-              <a:rPr lang="de-AT" dirty="0"/>
-              <a:t> &amp; </a:t>
-            </a:r>
-            <a:r>
-              <a:rPr lang="de-AT" dirty="0" err="1"/>
-              <a:t>Obstacles</a:t>
-            </a:r>
-            <a:endParaRPr lang="de-AT" dirty="0"/>
-          </a:p>
-          <a:p>
-            <a:pPr marL="914400" lvl="1" indent="-457200">
-              <a:buFont typeface="+mj-lt"/>
-              <a:buAutoNum type="arabicPeriod"/>
-            </a:pPr>
-            <a:r>
-              <a:rPr lang="de-AT" dirty="0"/>
-              <a:t>Propagate </a:t>
-            </a:r>
-            <a:r>
-              <a:rPr lang="de-AT" dirty="0" err="1"/>
-              <a:t>the</a:t>
-            </a:r>
-            <a:r>
-              <a:rPr lang="de-AT" dirty="0"/>
-              <a:t> </a:t>
-            </a:r>
-            <a:r>
-              <a:rPr lang="de-AT" dirty="0" err="1"/>
-              <a:t>particles</a:t>
-            </a:r>
-            <a:endParaRPr lang="de-AT" dirty="0"/>
-          </a:p>
-          <a:p>
-            <a:pPr marL="914400" lvl="1" indent="-457200">
-              <a:buFont typeface="+mj-lt"/>
-              <a:buAutoNum type="arabicPeriod"/>
-            </a:pPr>
-            <a:r>
-              <a:rPr lang="de-AT" dirty="0"/>
-              <a:t>Average </a:t>
-            </a:r>
-            <a:r>
-              <a:rPr lang="de-AT" dirty="0" err="1"/>
-              <a:t>velocities</a:t>
-            </a:r>
-            <a:r>
-              <a:rPr lang="de-AT" dirty="0"/>
-              <a:t> </a:t>
-            </a:r>
-            <a:r>
-              <a:rPr lang="de-AT" dirty="0" err="1"/>
-              <a:t>for</a:t>
-            </a:r>
-            <a:r>
-              <a:rPr lang="de-AT" dirty="0"/>
-              <a:t> </a:t>
-            </a:r>
-            <a:r>
-              <a:rPr lang="de-AT" dirty="0" err="1"/>
-              <a:t>plotting</a:t>
-            </a:r>
-            <a:endParaRPr lang="de-AT" dirty="0"/>
-          </a:p>
-          <a:p>
-            <a:r>
-              <a:rPr lang="de-AT" dirty="0"/>
-              <a:t>Domain</a:t>
-            </a:r>
-          </a:p>
-          <a:p>
-            <a:pPr lvl="1"/>
-            <a:r>
-              <a:rPr lang="de-AT" dirty="0"/>
-              <a:t>500x200 </a:t>
-            </a:r>
-            <a:r>
-              <a:rPr lang="de-AT" dirty="0" err="1"/>
-              <a:t>nodes</a:t>
-            </a:r>
-            <a:endParaRPr lang="de-AT" dirty="0"/>
-          </a:p>
-          <a:p>
-            <a:pPr marL="457200" lvl="1" indent="0">
-              <a:buNone/>
-            </a:pPr>
-            <a:r>
-              <a:rPr lang="de-AT" dirty="0"/>
-              <a:t>	</a:t>
-            </a:r>
-          </a:p>
-        </p:txBody>
-      </p:sp>
-      <p:sp>
-        <p:nvSpPr>
-          <p:cNvPr id="4" name="Foliennummernplatzhalter 3">
-            <a:extLst>
-              <a:ext uri="{FF2B5EF4-FFF2-40B4-BE49-F238E27FC236}">
-                <a16:creationId xmlns:a16="http://schemas.microsoft.com/office/drawing/2014/main" id="{E054BE5B-2C66-468F-9D0E-E3AE828B83F1}"/>
-              </a:ext>
-            </a:extLst>
-          </p:cNvPr>
-          <p:cNvSpPr>
-            <a:spLocks noGrp="1"/>
-          </p:cNvSpPr>
-          <p:nvPr>
-            <p:ph type="sldNum" sz="quarter" idx="12"/>
-          </p:nvPr>
-        </p:nvSpPr>
-        <p:spPr/>
-        <p:txBody>
-          <a:bodyPr/>
-          <a:lstStyle/>
-          <a:p>
-            <a:fld id="{07D37939-05EA-4A19-9D44-5A085DB3A996}" type="slidenum">
-              <a:rPr lang="de-AT" smtClean="0"/>
-              <a:t>3</a:t>
-            </a:fld>
-            <a:endParaRPr lang="de-AT"/>
-          </a:p>
-        </p:txBody>
-      </p:sp>
-      <p:cxnSp>
-        <p:nvCxnSpPr>
-          <p:cNvPr id="6" name="Gerader Verbinder 5">
-            <a:extLst>
-              <a:ext uri="{FF2B5EF4-FFF2-40B4-BE49-F238E27FC236}">
-                <a16:creationId xmlns:a16="http://schemas.microsoft.com/office/drawing/2014/main" id="{8C79C4A6-A48B-4A83-95FE-DA20DB4E5DED}"/>
-              </a:ext>
-            </a:extLst>
-          </p:cNvPr>
-          <p:cNvCxnSpPr>
-            <a:cxnSpLocks/>
-          </p:cNvCxnSpPr>
-          <p:nvPr/>
-        </p:nvCxnSpPr>
-        <p:spPr>
-          <a:xfrm>
-            <a:off x="518160" y="1495425"/>
-            <a:ext cx="11155680" cy="0"/>
-          </a:xfrm>
-          <a:prstGeom prst="line">
-            <a:avLst/>
-          </a:prstGeom>
-          <a:ln w="19050"/>
-        </p:spPr>
-        <p:style>
-          <a:lnRef idx="1">
-            <a:schemeClr val="accent1"/>
-          </a:lnRef>
-          <a:fillRef idx="0">
-            <a:schemeClr val="accent1"/>
-          </a:fillRef>
-          <a:effectRef idx="0">
-            <a:schemeClr val="accent1"/>
-          </a:effectRef>
-          <a:fontRef idx="minor">
-            <a:schemeClr val="tx1"/>
-          </a:fontRef>
-        </p:style>
-      </p:cxnSp>
-      <p:sp>
-        <p:nvSpPr>
-          <p:cNvPr id="5" name="Textfeld 4">
-            <a:extLst>
-              <a:ext uri="{FF2B5EF4-FFF2-40B4-BE49-F238E27FC236}">
-                <a16:creationId xmlns:a16="http://schemas.microsoft.com/office/drawing/2014/main" id="{14BD8392-B980-4F5E-BDE9-1674099FE9A1}"/>
-              </a:ext>
-            </a:extLst>
-          </p:cNvPr>
-          <p:cNvSpPr txBox="1"/>
-          <p:nvPr/>
-        </p:nvSpPr>
-        <p:spPr>
-          <a:xfrm>
-            <a:off x="518160" y="6356350"/>
-            <a:ext cx="741997" cy="369332"/>
-          </a:xfrm>
-          <a:prstGeom prst="rect">
-            <a:avLst/>
-          </a:prstGeom>
-          <a:noFill/>
-        </p:spPr>
-        <p:txBody>
-          <a:bodyPr wrap="square" rtlCol="0">
-            <a:spAutoFit/>
-          </a:bodyPr>
-          <a:lstStyle/>
-          <a:p>
-            <a:r>
-              <a:rPr lang="de-AT" dirty="0"/>
-              <a:t>[2]</a:t>
-            </a:r>
-          </a:p>
-        </p:txBody>
-      </p:sp>
-    </p:spTree>
-    <p:extLst>
-      <p:ext uri="{BB962C8B-B14F-4D97-AF65-F5344CB8AC3E}">
-        <p14:creationId xmlns:p14="http://schemas.microsoft.com/office/powerpoint/2010/main" val="2399562198"/>
-      </p:ext>
-    </p:extLst>
-  </p:cSld>
-  <p:clrMapOvr>
-    <a:masterClrMapping/>
-  </p:clrMapOvr>
-</p:sld>
-</file>
-
-<file path=ppt/slides/slide4.xml><?xml version="1.0" encoding="utf-8"?>
-<p:sld xmlns:a="http://schemas.openxmlformats.org/drawingml/2006/main" xmlns:r="http://schemas.openxmlformats.org/officeDocument/2006/relationships" xmlns:p="http://schemas.openxmlformats.org/presentationml/2006/main">
-  <p:cSld>
-    <p:spTree>
-      <p:nvGrpSpPr>
-        <p:cNvPr id="1" name=""/>
-        <p:cNvGrpSpPr/>
-        <p:nvPr/>
-      </p:nvGrpSpPr>
-      <p:grpSpPr>
-        <a:xfrm>
-          <a:off x="0" y="0"/>
-          <a:ext cx="0" cy="0"/>
-          <a:chOff x="0" y="0"/>
-          <a:chExt cx="0" cy="0"/>
-        </a:xfrm>
-      </p:grpSpPr>
-      <p:sp>
-        <p:nvSpPr>
-          <p:cNvPr id="2" name="Titel 1">
-            <a:extLst>
-              <a:ext uri="{FF2B5EF4-FFF2-40B4-BE49-F238E27FC236}">
-                <a16:creationId xmlns:a16="http://schemas.microsoft.com/office/drawing/2014/main" id="{CD125071-366C-496B-B333-6A301847477B}"/>
-              </a:ext>
-            </a:extLst>
-          </p:cNvPr>
-          <p:cNvSpPr>
-            <a:spLocks noGrp="1"/>
-          </p:cNvSpPr>
-          <p:nvPr>
-            <p:ph type="title"/>
-          </p:nvPr>
-        </p:nvSpPr>
-        <p:spPr/>
-        <p:txBody>
-          <a:bodyPr/>
-          <a:lstStyle/>
-          <a:p>
-            <a:pPr algn="ctr"/>
-            <a:r>
-              <a:rPr lang="de-AT" dirty="0"/>
-              <a:t>Test Case</a:t>
-            </a:r>
-          </a:p>
-        </p:txBody>
-      </p:sp>
-      <p:sp>
-        <p:nvSpPr>
-          <p:cNvPr id="3" name="Inhaltsplatzhalter 2">
-            <a:extLst>
-              <a:ext uri="{FF2B5EF4-FFF2-40B4-BE49-F238E27FC236}">
-                <a16:creationId xmlns:a16="http://schemas.microsoft.com/office/drawing/2014/main" id="{72571CD3-37A9-4B5C-B541-D64C9B9CD76D}"/>
-              </a:ext>
-            </a:extLst>
-          </p:cNvPr>
-          <p:cNvSpPr>
-            <a:spLocks noGrp="1"/>
-          </p:cNvSpPr>
-          <p:nvPr>
-            <p:ph idx="1"/>
-          </p:nvPr>
-        </p:nvSpPr>
-        <p:spPr/>
-        <p:txBody>
-          <a:bodyPr/>
-          <a:lstStyle/>
-          <a:p>
-            <a:pPr marL="457200" lvl="1" indent="0">
-              <a:buNone/>
-            </a:pPr>
-            <a:r>
-              <a:rPr lang="de-AT" dirty="0"/>
-              <a:t>	</a:t>
-            </a:r>
-          </a:p>
-        </p:txBody>
-      </p:sp>
-      <p:sp>
-        <p:nvSpPr>
-          <p:cNvPr id="4" name="Foliennummernplatzhalter 3">
-            <a:extLst>
-              <a:ext uri="{FF2B5EF4-FFF2-40B4-BE49-F238E27FC236}">
-                <a16:creationId xmlns:a16="http://schemas.microsoft.com/office/drawing/2014/main" id="{E054BE5B-2C66-468F-9D0E-E3AE828B83F1}"/>
-              </a:ext>
-            </a:extLst>
-          </p:cNvPr>
-          <p:cNvSpPr>
-            <a:spLocks noGrp="1"/>
-          </p:cNvSpPr>
-          <p:nvPr>
-            <p:ph type="sldNum" sz="quarter" idx="12"/>
-          </p:nvPr>
-        </p:nvSpPr>
-        <p:spPr/>
-        <p:txBody>
-          <a:bodyPr/>
-          <a:lstStyle/>
-          <a:p>
-            <a:fld id="{07D37939-05EA-4A19-9D44-5A085DB3A996}" type="slidenum">
-              <a:rPr lang="de-AT" smtClean="0"/>
-              <a:t>4</a:t>
-            </a:fld>
-            <a:endParaRPr lang="de-AT"/>
-          </a:p>
-        </p:txBody>
-      </p:sp>
-      <p:cxnSp>
-        <p:nvCxnSpPr>
-          <p:cNvPr id="6" name="Gerader Verbinder 5">
-            <a:extLst>
-              <a:ext uri="{FF2B5EF4-FFF2-40B4-BE49-F238E27FC236}">
-                <a16:creationId xmlns:a16="http://schemas.microsoft.com/office/drawing/2014/main" id="{8C79C4A6-A48B-4A83-95FE-DA20DB4E5DED}"/>
-              </a:ext>
-            </a:extLst>
-          </p:cNvPr>
-          <p:cNvCxnSpPr>
-            <a:cxnSpLocks/>
-          </p:cNvCxnSpPr>
-          <p:nvPr/>
-        </p:nvCxnSpPr>
-        <p:spPr>
-          <a:xfrm>
-            <a:off x="518160" y="1495425"/>
-            <a:ext cx="11155680" cy="0"/>
-          </a:xfrm>
-          <a:prstGeom prst="line">
-            <a:avLst/>
-          </a:prstGeom>
-          <a:ln w="19050"/>
-        </p:spPr>
-        <p:style>
-          <a:lnRef idx="1">
-            <a:schemeClr val="accent1"/>
-          </a:lnRef>
-          <a:fillRef idx="0">
-            <a:schemeClr val="accent1"/>
-          </a:fillRef>
-          <a:effectRef idx="0">
-            <a:schemeClr val="accent1"/>
-          </a:effectRef>
-          <a:fontRef idx="minor">
-            <a:schemeClr val="tx1"/>
-          </a:fontRef>
-        </p:style>
-      </p:cxnSp>
-      <p:sp>
-        <p:nvSpPr>
-          <p:cNvPr id="5" name="Textfeld 4">
-            <a:extLst>
-              <a:ext uri="{FF2B5EF4-FFF2-40B4-BE49-F238E27FC236}">
-                <a16:creationId xmlns:a16="http://schemas.microsoft.com/office/drawing/2014/main" id="{14BD8392-B980-4F5E-BDE9-1674099FE9A1}"/>
-              </a:ext>
-            </a:extLst>
-          </p:cNvPr>
-          <p:cNvSpPr txBox="1"/>
-          <p:nvPr/>
-        </p:nvSpPr>
-        <p:spPr>
-          <a:xfrm>
-            <a:off x="518160" y="6356350"/>
-            <a:ext cx="741997" cy="369332"/>
-          </a:xfrm>
-          <a:prstGeom prst="rect">
-            <a:avLst/>
-          </a:prstGeom>
-          <a:noFill/>
-        </p:spPr>
-        <p:txBody>
-          <a:bodyPr wrap="square" rtlCol="0">
-            <a:spAutoFit/>
-          </a:bodyPr>
-          <a:lstStyle/>
-          <a:p>
-            <a:r>
-              <a:rPr lang="de-AT" dirty="0"/>
-              <a:t>[2]</a:t>
-            </a:r>
-          </a:p>
-        </p:txBody>
-      </p:sp>
-      <p:pic>
-        <p:nvPicPr>
-          <p:cNvPr id="10" name="Grafik 9">
-            <a:extLst>
-              <a:ext uri="{FF2B5EF4-FFF2-40B4-BE49-F238E27FC236}">
-                <a16:creationId xmlns:a16="http://schemas.microsoft.com/office/drawing/2014/main" id="{CD342BAE-F61A-844D-8F18-0EB610850CBC}"/>
-              </a:ext>
-            </a:extLst>
-          </p:cNvPr>
-          <p:cNvPicPr>
-            <a:picLocks noChangeAspect="1"/>
-          </p:cNvPicPr>
-          <p:nvPr/>
-        </p:nvPicPr>
-        <p:blipFill rotWithShape="1">
-          <a:blip r:embed="rId2">
-            <a:extLst>
-              <a:ext uri="{28A0092B-C50C-407E-A947-70E740481C1C}">
-                <a14:useLocalDpi xmlns:a14="http://schemas.microsoft.com/office/drawing/2010/main" val="0"/>
-              </a:ext>
-            </a:extLst>
-          </a:blip>
-          <a:srcRect l="1090" t="2985" r="1090" b="3757"/>
-          <a:stretch/>
-        </p:blipFill>
-        <p:spPr>
-          <a:xfrm>
-            <a:off x="636104" y="1825625"/>
-            <a:ext cx="10919792" cy="4216380"/>
-          </a:xfrm>
-          <a:prstGeom prst="rect">
-            <a:avLst/>
-          </a:prstGeom>
-        </p:spPr>
-      </p:pic>
-    </p:spTree>
-    <p:extLst>
-      <p:ext uri="{BB962C8B-B14F-4D97-AF65-F5344CB8AC3E}">
-        <p14:creationId xmlns:p14="http://schemas.microsoft.com/office/powerpoint/2010/main" val="3090546444"/>
-      </p:ext>
-    </p:extLst>
-  </p:cSld>
-  <p:clrMapOvr>
-    <a:masterClrMapping/>
-  </p:clrMapOvr>
-</p:sld>
-</file>
-
-<file path=ppt/slides/slide5.xml><?xml version="1.0" encoding="utf-8"?>
-<p:sld xmlns:a="http://schemas.openxmlformats.org/drawingml/2006/main" xmlns:r="http://schemas.openxmlformats.org/officeDocument/2006/relationships" xmlns:p="http://schemas.openxmlformats.org/presentationml/2006/main">
-  <p:cSld>
-    <p:spTree>
-      <p:nvGrpSpPr>
-        <p:cNvPr id="1" name=""/>
-        <p:cNvGrpSpPr/>
-        <p:nvPr/>
-      </p:nvGrpSpPr>
-      <p:grpSpPr>
-        <a:xfrm>
-          <a:off x="0" y="0"/>
-          <a:ext cx="0" cy="0"/>
-          <a:chOff x="0" y="0"/>
-          <a:chExt cx="0" cy="0"/>
-        </a:xfrm>
-      </p:grpSpPr>
-      <p:sp>
-        <p:nvSpPr>
-          <p:cNvPr id="2" name="Titel 1">
-            <a:extLst>
-              <a:ext uri="{FF2B5EF4-FFF2-40B4-BE49-F238E27FC236}">
-                <a16:creationId xmlns:a16="http://schemas.microsoft.com/office/drawing/2014/main" id="{CD125071-366C-496B-B333-6A301847477B}"/>
-              </a:ext>
-            </a:extLst>
-          </p:cNvPr>
-          <p:cNvSpPr>
-            <a:spLocks noGrp="1"/>
-          </p:cNvSpPr>
-          <p:nvPr>
-            <p:ph type="title"/>
-          </p:nvPr>
-        </p:nvSpPr>
-        <p:spPr/>
-        <p:txBody>
-          <a:bodyPr vert="horz" lIns="91440" tIns="45720" rIns="91440" bIns="45720" rtlCol="0" anchor="ctr">
-            <a:normAutofit/>
-          </a:bodyPr>
-          <a:lstStyle/>
-          <a:p>
-            <a:pPr algn="ctr"/>
-            <a:r>
-              <a:rPr lang="de-AT" dirty="0" err="1"/>
-              <a:t>Results</a:t>
-            </a:r>
-            <a:r>
-              <a:rPr lang="de-AT" dirty="0"/>
-              <a:t> HPP</a:t>
-            </a:r>
-          </a:p>
-        </p:txBody>
-      </p:sp>
-      <p:sp>
-        <p:nvSpPr>
-          <p:cNvPr id="3" name="Inhaltsplatzhalter 2">
-            <a:extLst>
-              <a:ext uri="{FF2B5EF4-FFF2-40B4-BE49-F238E27FC236}">
-                <a16:creationId xmlns:a16="http://schemas.microsoft.com/office/drawing/2014/main" id="{72571CD3-37A9-4B5C-B541-D64C9B9CD76D}"/>
-              </a:ext>
-            </a:extLst>
-          </p:cNvPr>
-          <p:cNvSpPr>
-            <a:spLocks noGrp="1"/>
-          </p:cNvSpPr>
-          <p:nvPr>
-            <p:ph idx="1"/>
-          </p:nvPr>
-        </p:nvSpPr>
-        <p:spPr/>
-        <p:txBody>
-          <a:bodyPr/>
-          <a:lstStyle/>
-          <a:p>
-            <a:pPr marL="457200" lvl="1" indent="0">
-              <a:buNone/>
-            </a:pPr>
-            <a:r>
-              <a:rPr lang="de-AT" dirty="0"/>
-              <a:t>	</a:t>
-            </a:r>
-          </a:p>
-        </p:txBody>
-      </p:sp>
-      <p:sp>
-        <p:nvSpPr>
-          <p:cNvPr id="4" name="Foliennummernplatzhalter 3">
-            <a:extLst>
-              <a:ext uri="{FF2B5EF4-FFF2-40B4-BE49-F238E27FC236}">
-                <a16:creationId xmlns:a16="http://schemas.microsoft.com/office/drawing/2014/main" id="{E054BE5B-2C66-468F-9D0E-E3AE828B83F1}"/>
-              </a:ext>
-            </a:extLst>
-          </p:cNvPr>
-          <p:cNvSpPr>
-            <a:spLocks noGrp="1"/>
-          </p:cNvSpPr>
-          <p:nvPr>
-            <p:ph type="sldNum" sz="quarter" idx="12"/>
-          </p:nvPr>
-        </p:nvSpPr>
-        <p:spPr/>
-        <p:txBody>
-          <a:bodyPr/>
-          <a:lstStyle/>
-          <a:p>
-            <a:fld id="{07D37939-05EA-4A19-9D44-5A085DB3A996}" type="slidenum">
-              <a:rPr lang="de-AT" smtClean="0"/>
-              <a:t>5</a:t>
-            </a:fld>
-            <a:endParaRPr lang="de-AT"/>
-          </a:p>
-        </p:txBody>
-      </p:sp>
-      <p:cxnSp>
-        <p:nvCxnSpPr>
-          <p:cNvPr id="6" name="Gerader Verbinder 5">
-            <a:extLst>
-              <a:ext uri="{FF2B5EF4-FFF2-40B4-BE49-F238E27FC236}">
-                <a16:creationId xmlns:a16="http://schemas.microsoft.com/office/drawing/2014/main" id="{8C79C4A6-A48B-4A83-95FE-DA20DB4E5DED}"/>
-              </a:ext>
-            </a:extLst>
-          </p:cNvPr>
-          <p:cNvCxnSpPr>
-            <a:cxnSpLocks/>
-          </p:cNvCxnSpPr>
-          <p:nvPr/>
-        </p:nvCxnSpPr>
-        <p:spPr>
-          <a:xfrm>
-            <a:off x="518160" y="1495425"/>
-            <a:ext cx="11155680" cy="0"/>
-          </a:xfrm>
-          <a:prstGeom prst="line">
-            <a:avLst/>
-          </a:prstGeom>
-          <a:ln w="19050"/>
-        </p:spPr>
-        <p:style>
-          <a:lnRef idx="1">
-            <a:schemeClr val="accent1"/>
-          </a:lnRef>
-          <a:fillRef idx="0">
-            <a:schemeClr val="accent1"/>
-          </a:fillRef>
-          <a:effectRef idx="0">
-            <a:schemeClr val="accent1"/>
-          </a:effectRef>
-          <a:fontRef idx="minor">
-            <a:schemeClr val="tx1"/>
-          </a:fontRef>
-        </p:style>
-      </p:cxnSp>
-      <p:pic>
-        <p:nvPicPr>
-          <p:cNvPr id="8" name="Grafik 7">
-            <a:extLst>
-              <a:ext uri="{FF2B5EF4-FFF2-40B4-BE49-F238E27FC236}">
-                <a16:creationId xmlns:a16="http://schemas.microsoft.com/office/drawing/2014/main" id="{BB6F7008-5927-624A-9F81-327856CF2BA4}"/>
-              </a:ext>
-            </a:extLst>
-          </p:cNvPr>
-          <p:cNvPicPr>
-            <a:picLocks noChangeAspect="1"/>
-          </p:cNvPicPr>
-          <p:nvPr/>
-        </p:nvPicPr>
-        <p:blipFill>
-          <a:blip r:embed="rId2">
-            <a:extLst>
-              <a:ext uri="{28A0092B-C50C-407E-A947-70E740481C1C}">
-                <a14:useLocalDpi xmlns:a14="http://schemas.microsoft.com/office/drawing/2010/main" val="0"/>
-              </a:ext>
-            </a:extLst>
-          </a:blip>
-          <a:stretch>
-            <a:fillRect/>
-          </a:stretch>
-        </p:blipFill>
-        <p:spPr>
-          <a:xfrm>
-            <a:off x="259080" y="2078355"/>
-            <a:ext cx="11673840" cy="4643120"/>
-          </a:xfrm>
-          <a:prstGeom prst="rect">
-            <a:avLst/>
-          </a:prstGeom>
-        </p:spPr>
-      </p:pic>
-      <p:sp>
-        <p:nvSpPr>
-          <p:cNvPr id="9" name="Textfeld 8">
-            <a:extLst>
-              <a:ext uri="{FF2B5EF4-FFF2-40B4-BE49-F238E27FC236}">
-                <a16:creationId xmlns:a16="http://schemas.microsoft.com/office/drawing/2014/main" id="{079C391C-393E-E64E-9E84-3190ACF99572}"/>
-              </a:ext>
-            </a:extLst>
-          </p:cNvPr>
-          <p:cNvSpPr txBox="1"/>
-          <p:nvPr/>
-        </p:nvSpPr>
-        <p:spPr>
-          <a:xfrm>
-            <a:off x="2388704" y="1194925"/>
-            <a:ext cx="7414591" cy="1350299"/>
-          </a:xfrm>
-          <a:prstGeom prst="rect">
-            <a:avLst/>
-          </a:prstGeom>
-        </p:spPr>
-        <p:txBody>
-          <a:bodyPr vert="horz" lIns="91440" tIns="45720" rIns="91440" bIns="45720" rtlCol="0" anchor="ctr">
-            <a:normAutofit/>
-          </a:bodyPr>
-          <a:lstStyle>
-            <a:lvl1pPr algn="ctr">
-              <a:lnSpc>
-                <a:spcPct val="90000"/>
-              </a:lnSpc>
-              <a:spcBef>
-                <a:spcPct val="0"/>
-              </a:spcBef>
-              <a:buNone/>
-              <a:defRPr sz="4400">
-                <a:latin typeface="+mj-lt"/>
-                <a:ea typeface="+mj-ea"/>
-                <a:cs typeface="+mj-cs"/>
-              </a:defRPr>
-            </a:lvl1pPr>
-          </a:lstStyle>
-          <a:p>
-            <a:r>
-              <a:rPr lang="de-DE" sz="2800" dirty="0" err="1"/>
-              <a:t>Particle</a:t>
-            </a:r>
-            <a:r>
-              <a:rPr lang="de-DE" sz="2800" dirty="0"/>
-              <a:t> </a:t>
-            </a:r>
-            <a:r>
-              <a:rPr lang="de-DE" sz="2800" dirty="0" err="1"/>
-              <a:t>density</a:t>
-            </a:r>
-            <a:r>
-              <a:rPr lang="de-DE" sz="2800" dirty="0"/>
-              <a:t> </a:t>
-            </a:r>
-            <a:r>
-              <a:rPr lang="de-DE" sz="2800" dirty="0" err="1"/>
-              <a:t>Contour</a:t>
-            </a:r>
-            <a:r>
-              <a:rPr lang="de-DE" sz="2800" dirty="0"/>
-              <a:t> </a:t>
-            </a:r>
-            <a:r>
-              <a:rPr lang="de-DE" sz="2800" dirty="0" err="1"/>
-              <a:t>with</a:t>
-            </a:r>
-            <a:r>
-              <a:rPr lang="de-DE" sz="2800" dirty="0"/>
-              <a:t> </a:t>
-            </a:r>
-            <a:r>
-              <a:rPr lang="de-DE" sz="2800" dirty="0" err="1"/>
-              <a:t>velocity</a:t>
-            </a:r>
-            <a:r>
-              <a:rPr lang="de-DE" sz="2800" dirty="0"/>
-              <a:t> </a:t>
-            </a:r>
-            <a:r>
-              <a:rPr lang="de-DE" sz="2800" dirty="0" err="1"/>
-              <a:t>vectors</a:t>
-            </a:r>
-            <a:endParaRPr lang="de-DE" sz="2800" dirty="0"/>
-          </a:p>
-        </p:txBody>
-      </p:sp>
-    </p:spTree>
-    <p:extLst>
-      <p:ext uri="{BB962C8B-B14F-4D97-AF65-F5344CB8AC3E}">
-        <p14:creationId xmlns:p14="http://schemas.microsoft.com/office/powerpoint/2010/main" val="1430022808"/>
-      </p:ext>
-    </p:extLst>
-  </p:cSld>
-  <p:clrMapOvr>
-    <a:masterClrMapping/>
-  </p:clrMapOvr>
-</p:sld>
-</file>
-
-<file path=ppt/slides/slide6.xml><?xml version="1.0" encoding="utf-8"?>
-<p:sld xmlns:a="http://schemas.openxmlformats.org/drawingml/2006/main" xmlns:r="http://schemas.openxmlformats.org/officeDocument/2006/relationships" xmlns:p="http://schemas.openxmlformats.org/presentationml/2006/main">
-  <p:cSld>
-    <p:spTree>
-      <p:nvGrpSpPr>
-        <p:cNvPr id="1" name=""/>
-        <p:cNvGrpSpPr/>
-        <p:nvPr/>
-      </p:nvGrpSpPr>
-      <p:grpSpPr>
-        <a:xfrm>
-          <a:off x="0" y="0"/>
-          <a:ext cx="0" cy="0"/>
-          <a:chOff x="0" y="0"/>
-          <a:chExt cx="0" cy="0"/>
-        </a:xfrm>
-      </p:grpSpPr>
-      <p:sp>
-        <p:nvSpPr>
-          <p:cNvPr id="2" name="Titel 1">
-            <a:extLst>
-              <a:ext uri="{FF2B5EF4-FFF2-40B4-BE49-F238E27FC236}">
-                <a16:creationId xmlns:a16="http://schemas.microsoft.com/office/drawing/2014/main" id="{CD125071-366C-496B-B333-6A301847477B}"/>
-              </a:ext>
-            </a:extLst>
-          </p:cNvPr>
-          <p:cNvSpPr>
-            <a:spLocks noGrp="1"/>
-          </p:cNvSpPr>
-          <p:nvPr>
-            <p:ph type="title"/>
-          </p:nvPr>
-        </p:nvSpPr>
-        <p:spPr/>
-        <p:txBody>
-          <a:bodyPr vert="horz" lIns="91440" tIns="45720" rIns="91440" bIns="45720" rtlCol="0" anchor="ctr">
-            <a:normAutofit/>
-          </a:bodyPr>
-          <a:lstStyle/>
-          <a:p>
-            <a:pPr algn="ctr"/>
-            <a:r>
-              <a:rPr lang="de-AT" dirty="0" err="1"/>
-              <a:t>Results</a:t>
-            </a:r>
-            <a:r>
-              <a:rPr lang="de-AT" dirty="0"/>
-              <a:t> HPP</a:t>
-            </a:r>
-          </a:p>
-        </p:txBody>
-      </p:sp>
-      <p:sp>
-        <p:nvSpPr>
-          <p:cNvPr id="3" name="Inhaltsplatzhalter 2">
-            <a:extLst>
-              <a:ext uri="{FF2B5EF4-FFF2-40B4-BE49-F238E27FC236}">
-                <a16:creationId xmlns:a16="http://schemas.microsoft.com/office/drawing/2014/main" id="{72571CD3-37A9-4B5C-B541-D64C9B9CD76D}"/>
-              </a:ext>
-            </a:extLst>
-          </p:cNvPr>
-          <p:cNvSpPr>
-            <a:spLocks noGrp="1"/>
-          </p:cNvSpPr>
-          <p:nvPr>
-            <p:ph idx="1"/>
-          </p:nvPr>
-        </p:nvSpPr>
-        <p:spPr/>
-        <p:txBody>
-          <a:bodyPr/>
-          <a:lstStyle/>
-          <a:p>
-            <a:pPr marL="457200" lvl="1" indent="0">
-              <a:buNone/>
-            </a:pPr>
-            <a:r>
-              <a:rPr lang="de-AT" dirty="0"/>
-              <a:t>	</a:t>
-            </a:r>
-          </a:p>
-        </p:txBody>
-      </p:sp>
-      <p:sp>
-        <p:nvSpPr>
-          <p:cNvPr id="4" name="Foliennummernplatzhalter 3">
-            <a:extLst>
-              <a:ext uri="{FF2B5EF4-FFF2-40B4-BE49-F238E27FC236}">
-                <a16:creationId xmlns:a16="http://schemas.microsoft.com/office/drawing/2014/main" id="{E054BE5B-2C66-468F-9D0E-E3AE828B83F1}"/>
-              </a:ext>
-            </a:extLst>
-          </p:cNvPr>
-          <p:cNvSpPr>
-            <a:spLocks noGrp="1"/>
-          </p:cNvSpPr>
-          <p:nvPr>
-            <p:ph type="sldNum" sz="quarter" idx="12"/>
-          </p:nvPr>
-        </p:nvSpPr>
-        <p:spPr/>
-        <p:txBody>
-          <a:bodyPr/>
-          <a:lstStyle/>
-          <a:p>
-            <a:fld id="{07D37939-05EA-4A19-9D44-5A085DB3A996}" type="slidenum">
-              <a:rPr lang="de-AT" smtClean="0"/>
-              <a:t>6</a:t>
-            </a:fld>
-            <a:endParaRPr lang="de-AT"/>
-          </a:p>
-        </p:txBody>
-      </p:sp>
-      <p:cxnSp>
-        <p:nvCxnSpPr>
-          <p:cNvPr id="6" name="Gerader Verbinder 5">
-            <a:extLst>
-              <a:ext uri="{FF2B5EF4-FFF2-40B4-BE49-F238E27FC236}">
-                <a16:creationId xmlns:a16="http://schemas.microsoft.com/office/drawing/2014/main" id="{8C79C4A6-A48B-4A83-95FE-DA20DB4E5DED}"/>
-              </a:ext>
-            </a:extLst>
-          </p:cNvPr>
-          <p:cNvCxnSpPr>
-            <a:cxnSpLocks/>
-          </p:cNvCxnSpPr>
-          <p:nvPr/>
-        </p:nvCxnSpPr>
-        <p:spPr>
-          <a:xfrm>
-            <a:off x="518160" y="1495425"/>
-            <a:ext cx="11155680" cy="0"/>
-          </a:xfrm>
-          <a:prstGeom prst="line">
-            <a:avLst/>
-          </a:prstGeom>
-          <a:ln w="19050"/>
-        </p:spPr>
-        <p:style>
-          <a:lnRef idx="1">
-            <a:schemeClr val="accent1"/>
-          </a:lnRef>
-          <a:fillRef idx="0">
-            <a:schemeClr val="accent1"/>
-          </a:fillRef>
-          <a:effectRef idx="0">
-            <a:schemeClr val="accent1"/>
-          </a:effectRef>
-          <a:fontRef idx="minor">
-            <a:schemeClr val="tx1"/>
-          </a:fontRef>
-        </p:style>
-      </p:cxnSp>
-      <p:sp>
-        <p:nvSpPr>
-          <p:cNvPr id="9" name="Textfeld 8">
-            <a:extLst>
-              <a:ext uri="{FF2B5EF4-FFF2-40B4-BE49-F238E27FC236}">
-                <a16:creationId xmlns:a16="http://schemas.microsoft.com/office/drawing/2014/main" id="{079C391C-393E-E64E-9E84-3190ACF99572}"/>
-              </a:ext>
-            </a:extLst>
-          </p:cNvPr>
-          <p:cNvSpPr txBox="1"/>
-          <p:nvPr/>
-        </p:nvSpPr>
-        <p:spPr>
-          <a:xfrm>
-            <a:off x="2388704" y="1194925"/>
-            <a:ext cx="7414591" cy="1350299"/>
-          </a:xfrm>
-          <a:prstGeom prst="rect">
-            <a:avLst/>
-          </a:prstGeom>
-        </p:spPr>
-        <p:txBody>
-          <a:bodyPr vert="horz" lIns="91440" tIns="45720" rIns="91440" bIns="45720" rtlCol="0" anchor="ctr">
-            <a:normAutofit/>
-          </a:bodyPr>
-          <a:lstStyle>
-            <a:lvl1pPr algn="ctr">
-              <a:lnSpc>
-                <a:spcPct val="90000"/>
-              </a:lnSpc>
-              <a:spcBef>
-                <a:spcPct val="0"/>
-              </a:spcBef>
-              <a:buNone/>
-              <a:defRPr sz="4400">
-                <a:latin typeface="+mj-lt"/>
-                <a:ea typeface="+mj-ea"/>
-                <a:cs typeface="+mj-cs"/>
-              </a:defRPr>
-            </a:lvl1pPr>
-          </a:lstStyle>
-          <a:p>
-            <a:r>
-              <a:rPr lang="de-DE" sz="2800" dirty="0" err="1"/>
-              <a:t>Velocity</a:t>
-            </a:r>
-            <a:r>
-              <a:rPr lang="de-DE" sz="2800" dirty="0"/>
-              <a:t> </a:t>
-            </a:r>
-            <a:r>
-              <a:rPr lang="de-DE" sz="2800" dirty="0" err="1"/>
-              <a:t>Contour</a:t>
-            </a:r>
-            <a:r>
-              <a:rPr lang="de-DE" sz="2800" dirty="0"/>
-              <a:t> </a:t>
-            </a:r>
-            <a:r>
-              <a:rPr lang="de-DE" sz="2800" dirty="0" err="1"/>
-              <a:t>with</a:t>
-            </a:r>
-            <a:r>
-              <a:rPr lang="de-DE" sz="2800" dirty="0"/>
-              <a:t> </a:t>
-            </a:r>
-            <a:r>
-              <a:rPr lang="de-DE" sz="2800" dirty="0" err="1"/>
-              <a:t>Streamlines</a:t>
-            </a:r>
-            <a:endParaRPr lang="de-DE" sz="2800" dirty="0"/>
-          </a:p>
-        </p:txBody>
-      </p:sp>
-      <p:pic>
-        <p:nvPicPr>
-          <p:cNvPr id="7" name="Grafik 6">
-            <a:extLst>
-              <a:ext uri="{FF2B5EF4-FFF2-40B4-BE49-F238E27FC236}">
-                <a16:creationId xmlns:a16="http://schemas.microsoft.com/office/drawing/2014/main" id="{75C5EF16-D5FE-F445-8F01-D58BBF28F084}"/>
-              </a:ext>
-            </a:extLst>
-          </p:cNvPr>
-          <p:cNvPicPr>
-            <a:picLocks noChangeAspect="1"/>
-          </p:cNvPicPr>
-          <p:nvPr/>
-        </p:nvPicPr>
-        <p:blipFill>
-          <a:blip r:embed="rId2">
-            <a:extLst>
-              <a:ext uri="{28A0092B-C50C-407E-A947-70E740481C1C}">
-                <a14:useLocalDpi xmlns:a14="http://schemas.microsoft.com/office/drawing/2010/main" val="0"/>
-              </a:ext>
-            </a:extLst>
-          </a:blip>
-          <a:stretch>
-            <a:fillRect/>
-          </a:stretch>
-        </p:blipFill>
-        <p:spPr>
-          <a:xfrm>
-            <a:off x="125895" y="2053169"/>
-            <a:ext cx="11940209" cy="4829980"/>
-          </a:xfrm>
-          <a:prstGeom prst="rect">
-            <a:avLst/>
-          </a:prstGeom>
-        </p:spPr>
-      </p:pic>
-    </p:spTree>
-    <p:extLst>
-      <p:ext uri="{BB962C8B-B14F-4D97-AF65-F5344CB8AC3E}">
-        <p14:creationId xmlns:p14="http://schemas.microsoft.com/office/powerpoint/2010/main" val="237487526"/>
-      </p:ext>
-    </p:extLst>
-  </p:cSld>
-  <p:clrMapOvr>
-    <a:masterClrMapping/>
-  </p:clrMapOvr>
-</p:sld>
-</file>
-
-<file path=ppt/slides/slide7.xml><?xml version="1.0" encoding="utf-8"?>
-<p:sld xmlns:a="http://schemas.openxmlformats.org/drawingml/2006/main" xmlns:r="http://schemas.openxmlformats.org/officeDocument/2006/relationships" xmlns:p="http://schemas.openxmlformats.org/presentationml/2006/main">
-  <p:cSld>
-    <p:spTree>
-      <p:nvGrpSpPr>
-        <p:cNvPr id="1" name=""/>
-        <p:cNvGrpSpPr/>
-        <p:nvPr/>
-      </p:nvGrpSpPr>
-      <p:grpSpPr>
-        <a:xfrm>
-          <a:off x="0" y="0"/>
-          <a:ext cx="0" cy="0"/>
-          <a:chOff x="0" y="0"/>
-          <a:chExt cx="0" cy="0"/>
-        </a:xfrm>
-      </p:grpSpPr>
-      <p:sp>
-        <p:nvSpPr>
-          <p:cNvPr id="2" name="Titel 1">
-            <a:extLst>
-              <a:ext uri="{FF2B5EF4-FFF2-40B4-BE49-F238E27FC236}">
-                <a16:creationId xmlns:a16="http://schemas.microsoft.com/office/drawing/2014/main" id="{CD125071-366C-496B-B333-6A301847477B}"/>
-              </a:ext>
-            </a:extLst>
-          </p:cNvPr>
-          <p:cNvSpPr>
-            <a:spLocks noGrp="1"/>
-          </p:cNvSpPr>
-          <p:nvPr>
-            <p:ph type="title"/>
-          </p:nvPr>
-        </p:nvSpPr>
-        <p:spPr/>
-        <p:txBody>
-          <a:bodyPr/>
-          <a:lstStyle/>
-          <a:p>
-            <a:pPr algn="ctr"/>
-            <a:r>
-              <a:rPr lang="de-AT" dirty="0" err="1"/>
-              <a:t>Results</a:t>
-            </a:r>
-            <a:r>
-              <a:rPr lang="de-AT" dirty="0"/>
-              <a:t> FHP</a:t>
-            </a:r>
-          </a:p>
-        </p:txBody>
-      </p:sp>
-      <p:sp>
-        <p:nvSpPr>
-          <p:cNvPr id="3" name="Inhaltsplatzhalter 2">
-            <a:extLst>
-              <a:ext uri="{FF2B5EF4-FFF2-40B4-BE49-F238E27FC236}">
-                <a16:creationId xmlns:a16="http://schemas.microsoft.com/office/drawing/2014/main" id="{72571CD3-37A9-4B5C-B541-D64C9B9CD76D}"/>
-              </a:ext>
-            </a:extLst>
-          </p:cNvPr>
-          <p:cNvSpPr>
-            <a:spLocks noGrp="1"/>
-          </p:cNvSpPr>
-          <p:nvPr>
-            <p:ph idx="1"/>
-          </p:nvPr>
-        </p:nvSpPr>
-        <p:spPr/>
-        <p:txBody>
-          <a:bodyPr/>
-          <a:lstStyle/>
-          <a:p>
-            <a:pPr marL="457200" lvl="1" indent="0">
-              <a:buNone/>
-            </a:pPr>
-            <a:r>
-              <a:rPr lang="de-AT" dirty="0"/>
-              <a:t>	</a:t>
-            </a:r>
-          </a:p>
-        </p:txBody>
-      </p:sp>
-      <p:sp>
-        <p:nvSpPr>
-          <p:cNvPr id="4" name="Foliennummernplatzhalter 3">
-            <a:extLst>
-              <a:ext uri="{FF2B5EF4-FFF2-40B4-BE49-F238E27FC236}">
-                <a16:creationId xmlns:a16="http://schemas.microsoft.com/office/drawing/2014/main" id="{E054BE5B-2C66-468F-9D0E-E3AE828B83F1}"/>
-              </a:ext>
-            </a:extLst>
-          </p:cNvPr>
-          <p:cNvSpPr>
-            <a:spLocks noGrp="1"/>
-          </p:cNvSpPr>
-          <p:nvPr>
-            <p:ph type="sldNum" sz="quarter" idx="12"/>
-          </p:nvPr>
-        </p:nvSpPr>
-        <p:spPr/>
-        <p:txBody>
-          <a:bodyPr/>
-          <a:lstStyle/>
-          <a:p>
-            <a:fld id="{07D37939-05EA-4A19-9D44-5A085DB3A996}" type="slidenum">
-              <a:rPr lang="de-AT" smtClean="0"/>
-              <a:t>7</a:t>
-            </a:fld>
-            <a:endParaRPr lang="de-AT"/>
-          </a:p>
-        </p:txBody>
-      </p:sp>
-      <p:cxnSp>
-        <p:nvCxnSpPr>
-          <p:cNvPr id="6" name="Gerader Verbinder 5">
-            <a:extLst>
-              <a:ext uri="{FF2B5EF4-FFF2-40B4-BE49-F238E27FC236}">
-                <a16:creationId xmlns:a16="http://schemas.microsoft.com/office/drawing/2014/main" id="{8C79C4A6-A48B-4A83-95FE-DA20DB4E5DED}"/>
-              </a:ext>
-            </a:extLst>
-          </p:cNvPr>
-          <p:cNvCxnSpPr>
-            <a:cxnSpLocks/>
-          </p:cNvCxnSpPr>
-          <p:nvPr/>
-        </p:nvCxnSpPr>
-        <p:spPr>
-          <a:xfrm>
-            <a:off x="518160" y="1495425"/>
-            <a:ext cx="11155680" cy="0"/>
-          </a:xfrm>
-          <a:prstGeom prst="line">
-            <a:avLst/>
-          </a:prstGeom>
-          <a:ln w="19050"/>
-        </p:spPr>
-        <p:style>
-          <a:lnRef idx="1">
-            <a:schemeClr val="accent1"/>
-          </a:lnRef>
-          <a:fillRef idx="0">
-            <a:schemeClr val="accent1"/>
-          </a:fillRef>
-          <a:effectRef idx="0">
-            <a:schemeClr val="accent1"/>
-          </a:effectRef>
-          <a:fontRef idx="minor">
-            <a:schemeClr val="tx1"/>
-          </a:fontRef>
-        </p:style>
-      </p:cxnSp>
-      <p:sp>
-        <p:nvSpPr>
-          <p:cNvPr id="5" name="Textfeld 4">
-            <a:extLst>
-              <a:ext uri="{FF2B5EF4-FFF2-40B4-BE49-F238E27FC236}">
-                <a16:creationId xmlns:a16="http://schemas.microsoft.com/office/drawing/2014/main" id="{14BD8392-B980-4F5E-BDE9-1674099FE9A1}"/>
-              </a:ext>
-            </a:extLst>
-          </p:cNvPr>
-          <p:cNvSpPr txBox="1"/>
-          <p:nvPr/>
-        </p:nvSpPr>
-        <p:spPr>
-          <a:xfrm>
-            <a:off x="518160" y="6356350"/>
-            <a:ext cx="741997" cy="369332"/>
-          </a:xfrm>
-          <a:prstGeom prst="rect">
-            <a:avLst/>
-          </a:prstGeom>
-          <a:noFill/>
-        </p:spPr>
-        <p:txBody>
-          <a:bodyPr wrap="square" rtlCol="0">
-            <a:spAutoFit/>
-          </a:bodyPr>
-          <a:lstStyle/>
-          <a:p>
-            <a:r>
-              <a:rPr lang="de-AT" dirty="0"/>
-              <a:t>[2]</a:t>
-            </a:r>
-          </a:p>
-        </p:txBody>
-      </p:sp>
-    </p:spTree>
-    <p:extLst>
-      <p:ext uri="{BB962C8B-B14F-4D97-AF65-F5344CB8AC3E}">
-        <p14:creationId xmlns:p14="http://schemas.microsoft.com/office/powerpoint/2010/main" val="158937242"/>
-      </p:ext>
-    </p:extLst>
-  </p:cSld>
-  <p:clrMapOvr>
-    <a:masterClrMapping/>
-  </p:clrMapOvr>
-</p:sld>
-</file>
-
-<file path=ppt/slides/slide8.xml><?xml version="1.0" encoding="utf-8"?>
-<p:sld xmlns:a="http://schemas.openxmlformats.org/drawingml/2006/main" xmlns:r="http://schemas.openxmlformats.org/officeDocument/2006/relationships" xmlns:p="http://schemas.openxmlformats.org/presentationml/2006/main">
-  <p:cSld>
-    <p:spTree>
-      <p:nvGrpSpPr>
-        <p:cNvPr id="1" name=""/>
-        <p:cNvGrpSpPr/>
-        <p:nvPr/>
-      </p:nvGrpSpPr>
-      <p:grpSpPr>
-        <a:xfrm>
-          <a:off x="0" y="0"/>
-          <a:ext cx="0" cy="0"/>
-          <a:chOff x="0" y="0"/>
-          <a:chExt cx="0" cy="0"/>
-        </a:xfrm>
-      </p:grpSpPr>
-      <p:sp>
-        <p:nvSpPr>
-          <p:cNvPr id="2" name="Titel 1">
-            <a:extLst>
-              <a:ext uri="{FF2B5EF4-FFF2-40B4-BE49-F238E27FC236}">
-                <a16:creationId xmlns:a16="http://schemas.microsoft.com/office/drawing/2014/main" id="{CD125071-366C-496B-B333-6A301847477B}"/>
-              </a:ext>
-            </a:extLst>
-          </p:cNvPr>
-          <p:cNvSpPr>
-            <a:spLocks noGrp="1"/>
-          </p:cNvSpPr>
-          <p:nvPr>
-            <p:ph type="title"/>
-          </p:nvPr>
-        </p:nvSpPr>
-        <p:spPr/>
-        <p:txBody>
-          <a:bodyPr/>
-          <a:lstStyle/>
-          <a:p>
-            <a:pPr algn="ctr"/>
-            <a:r>
-              <a:rPr lang="de-AT" dirty="0"/>
-              <a:t>Karman </a:t>
-            </a:r>
-            <a:r>
-              <a:rPr lang="de-AT" dirty="0" err="1"/>
-              <a:t>Vortex</a:t>
-            </a:r>
-            <a:r>
-              <a:rPr lang="de-AT" dirty="0"/>
-              <a:t> Street</a:t>
-            </a:r>
-          </a:p>
-        </p:txBody>
-      </p:sp>
-      <p:sp>
-        <p:nvSpPr>
-          <p:cNvPr id="3" name="Inhaltsplatzhalter 2">
-            <a:extLst>
-              <a:ext uri="{FF2B5EF4-FFF2-40B4-BE49-F238E27FC236}">
-                <a16:creationId xmlns:a16="http://schemas.microsoft.com/office/drawing/2014/main" id="{72571CD3-37A9-4B5C-B541-D64C9B9CD76D}"/>
-              </a:ext>
-            </a:extLst>
-          </p:cNvPr>
-          <p:cNvSpPr>
-            <a:spLocks noGrp="1"/>
-          </p:cNvSpPr>
-          <p:nvPr>
-            <p:ph idx="1"/>
-          </p:nvPr>
-        </p:nvSpPr>
-        <p:spPr/>
-        <p:txBody>
-          <a:bodyPr/>
-          <a:lstStyle/>
-          <a:p>
-            <a:pPr marL="457200" lvl="1" indent="0">
-              <a:buNone/>
-            </a:pPr>
-            <a:r>
-              <a:rPr lang="de-AT" dirty="0"/>
-              <a:t>	</a:t>
-            </a:r>
-          </a:p>
-        </p:txBody>
-      </p:sp>
-      <p:sp>
-        <p:nvSpPr>
-          <p:cNvPr id="4" name="Foliennummernplatzhalter 3">
-            <a:extLst>
-              <a:ext uri="{FF2B5EF4-FFF2-40B4-BE49-F238E27FC236}">
-                <a16:creationId xmlns:a16="http://schemas.microsoft.com/office/drawing/2014/main" id="{E054BE5B-2C66-468F-9D0E-E3AE828B83F1}"/>
-              </a:ext>
-            </a:extLst>
-          </p:cNvPr>
-          <p:cNvSpPr>
-            <a:spLocks noGrp="1"/>
-          </p:cNvSpPr>
-          <p:nvPr>
-            <p:ph type="sldNum" sz="quarter" idx="12"/>
-          </p:nvPr>
-        </p:nvSpPr>
-        <p:spPr/>
-        <p:txBody>
-          <a:bodyPr/>
-          <a:lstStyle/>
-          <a:p>
-            <a:fld id="{07D37939-05EA-4A19-9D44-5A085DB3A996}" type="slidenum">
-              <a:rPr lang="de-AT" smtClean="0"/>
-              <a:t>8</a:t>
-            </a:fld>
-            <a:endParaRPr lang="de-AT"/>
-          </a:p>
-        </p:txBody>
-      </p:sp>
-      <p:cxnSp>
-        <p:nvCxnSpPr>
-          <p:cNvPr id="6" name="Gerader Verbinder 5">
-            <a:extLst>
-              <a:ext uri="{FF2B5EF4-FFF2-40B4-BE49-F238E27FC236}">
-                <a16:creationId xmlns:a16="http://schemas.microsoft.com/office/drawing/2014/main" id="{8C79C4A6-A48B-4A83-95FE-DA20DB4E5DED}"/>
-              </a:ext>
-            </a:extLst>
-          </p:cNvPr>
-          <p:cNvCxnSpPr>
-            <a:cxnSpLocks/>
-          </p:cNvCxnSpPr>
-          <p:nvPr/>
-        </p:nvCxnSpPr>
-        <p:spPr>
-          <a:xfrm>
-            <a:off x="518160" y="1495425"/>
-            <a:ext cx="11155680" cy="0"/>
-          </a:xfrm>
-          <a:prstGeom prst="line">
-            <a:avLst/>
-          </a:prstGeom>
-          <a:ln w="19050"/>
-        </p:spPr>
-        <p:style>
-          <a:lnRef idx="1">
-            <a:schemeClr val="accent1"/>
-          </a:lnRef>
-          <a:fillRef idx="0">
-            <a:schemeClr val="accent1"/>
-          </a:fillRef>
-          <a:effectRef idx="0">
-            <a:schemeClr val="accent1"/>
-          </a:effectRef>
-          <a:fontRef idx="minor">
-            <a:schemeClr val="tx1"/>
-          </a:fontRef>
-        </p:style>
-      </p:cxnSp>
-      <p:sp>
-        <p:nvSpPr>
-          <p:cNvPr id="5" name="Textfeld 4">
-            <a:extLst>
-              <a:ext uri="{FF2B5EF4-FFF2-40B4-BE49-F238E27FC236}">
-                <a16:creationId xmlns:a16="http://schemas.microsoft.com/office/drawing/2014/main" id="{14BD8392-B980-4F5E-BDE9-1674099FE9A1}"/>
-              </a:ext>
-            </a:extLst>
-          </p:cNvPr>
-          <p:cNvSpPr txBox="1"/>
-          <p:nvPr/>
-        </p:nvSpPr>
-        <p:spPr>
-          <a:xfrm>
-            <a:off x="518160" y="6356350"/>
-            <a:ext cx="741997" cy="369332"/>
-          </a:xfrm>
-          <a:prstGeom prst="rect">
-            <a:avLst/>
-          </a:prstGeom>
-          <a:noFill/>
-        </p:spPr>
-        <p:txBody>
-          <a:bodyPr wrap="square" rtlCol="0">
-            <a:spAutoFit/>
-          </a:bodyPr>
-          <a:lstStyle/>
-          <a:p>
-            <a:r>
-              <a:rPr lang="de-AT" dirty="0"/>
-              <a:t>[2]</a:t>
-            </a:r>
-          </a:p>
-        </p:txBody>
-      </p:sp>
-    </p:spTree>
-    <p:extLst>
-      <p:ext uri="{BB962C8B-B14F-4D97-AF65-F5344CB8AC3E}">
-        <p14:creationId xmlns:p14="http://schemas.microsoft.com/office/powerpoint/2010/main" val="2234163290"/>
-      </p:ext>
-    </p:extLst>
-  </p:cSld>
-  <p:clrMapOvr>
-    <a:masterClrMapping/>
-  </p:clrMapOvr>
-</p:sld>
-</file>
-
-<file path=ppt/slides/slide9.xml><?xml version="1.0" encoding="utf-8"?>
-<p:sld xmlns:a="http://schemas.openxmlformats.org/drawingml/2006/main" xmlns:r="http://schemas.openxmlformats.org/officeDocument/2006/relationships" xmlns:p="http://schemas.openxmlformats.org/presentationml/2006/main">
-  <p:cSld>
-    <p:spTree>
-      <p:nvGrpSpPr>
-        <p:cNvPr id="1" name=""/>
-        <p:cNvGrpSpPr/>
-        <p:nvPr/>
-      </p:nvGrpSpPr>
-      <p:grpSpPr>
-        <a:xfrm>
-          <a:off x="0" y="0"/>
-          <a:ext cx="0" cy="0"/>
-          <a:chOff x="0" y="0"/>
-          <a:chExt cx="0" cy="0"/>
-        </a:xfrm>
-      </p:grpSpPr>
-      <p:sp>
-        <p:nvSpPr>
-          <p:cNvPr id="2" name="Titel 1">
-            <a:extLst>
-              <a:ext uri="{FF2B5EF4-FFF2-40B4-BE49-F238E27FC236}">
-                <a16:creationId xmlns:a16="http://schemas.microsoft.com/office/drawing/2014/main" id="{CD125071-366C-496B-B333-6A301847477B}"/>
-              </a:ext>
-            </a:extLst>
-          </p:cNvPr>
-          <p:cNvSpPr>
-            <a:spLocks noGrp="1"/>
-          </p:cNvSpPr>
-          <p:nvPr>
-            <p:ph type="title"/>
-          </p:nvPr>
-        </p:nvSpPr>
-        <p:spPr/>
-        <p:txBody>
-          <a:bodyPr/>
-          <a:lstStyle/>
-          <a:p>
-            <a:pPr algn="ctr"/>
-            <a:r>
-              <a:rPr lang="de-AT" dirty="0" err="1"/>
-              <a:t>Conclusion</a:t>
-            </a:r>
-            <a:endParaRPr lang="de-AT" dirty="0"/>
-          </a:p>
-        </p:txBody>
-      </p:sp>
-      <p:sp>
-        <p:nvSpPr>
-          <p:cNvPr id="12" name="Inhaltsplatzhalter 11">
-            <a:extLst>
-              <a:ext uri="{FF2B5EF4-FFF2-40B4-BE49-F238E27FC236}">
-                <a16:creationId xmlns:a16="http://schemas.microsoft.com/office/drawing/2014/main" id="{5D86C93F-944A-084F-9661-0A67641242CE}"/>
-              </a:ext>
-            </a:extLst>
-          </p:cNvPr>
-          <p:cNvSpPr>
-            <a:spLocks noGrp="1"/>
-          </p:cNvSpPr>
-          <p:nvPr>
-            <p:ph sz="half" idx="2"/>
-          </p:nvPr>
-        </p:nvSpPr>
-        <p:spPr/>
-        <p:txBody>
-          <a:bodyPr/>
-          <a:lstStyle/>
-          <a:p>
-            <a:endParaRPr lang="de-DE"/>
-          </a:p>
-        </p:txBody>
-      </p:sp>
-      <p:sp>
-        <p:nvSpPr>
-          <p:cNvPr id="4" name="Foliennummernplatzhalter 3">
-            <a:extLst>
-              <a:ext uri="{FF2B5EF4-FFF2-40B4-BE49-F238E27FC236}">
-                <a16:creationId xmlns:a16="http://schemas.microsoft.com/office/drawing/2014/main" id="{E054BE5B-2C66-468F-9D0E-E3AE828B83F1}"/>
-              </a:ext>
-            </a:extLst>
-          </p:cNvPr>
-          <p:cNvSpPr>
-            <a:spLocks noGrp="1"/>
-          </p:cNvSpPr>
-          <p:nvPr>
-            <p:ph type="sldNum" sz="quarter" idx="12"/>
-          </p:nvPr>
-        </p:nvSpPr>
-        <p:spPr/>
-        <p:txBody>
-          <a:bodyPr/>
-          <a:lstStyle/>
-          <a:p>
-            <a:fld id="{07D37939-05EA-4A19-9D44-5A085DB3A996}" type="slidenum">
-              <a:rPr lang="de-AT" smtClean="0"/>
-              <a:t>9</a:t>
+              <a:t>10</a:t>
             </a:fld>
             <a:endParaRPr lang="de-AT"/>
           </a:p>
@@ -6622,6 +4619,4616 @@
     <p:extLst>
       <p:ext uri="{BB962C8B-B14F-4D97-AF65-F5344CB8AC3E}">
         <p14:creationId xmlns:p14="http://schemas.microsoft.com/office/powerpoint/2010/main" val="2908667087"/>
+      </p:ext>
+    </p:extLst>
+  </p:cSld>
+  <p:clrMapOvr>
+    <a:masterClrMapping/>
+  </p:clrMapOvr>
+</p:sld>
+</file>
+
+<file path=ppt/slides/slide2.xml><?xml version="1.0" encoding="utf-8"?>
+<p:sld xmlns:a="http://schemas.openxmlformats.org/drawingml/2006/main" xmlns:r="http://schemas.openxmlformats.org/officeDocument/2006/relationships" xmlns:p="http://schemas.openxmlformats.org/presentationml/2006/main">
+  <p:cSld>
+    <p:spTree>
+      <p:nvGrpSpPr>
+        <p:cNvPr id="1" name=""/>
+        <p:cNvGrpSpPr/>
+        <p:nvPr/>
+      </p:nvGrpSpPr>
+      <p:grpSpPr>
+        <a:xfrm>
+          <a:off x="0" y="0"/>
+          <a:ext cx="0" cy="0"/>
+          <a:chOff x="0" y="0"/>
+          <a:chExt cx="0" cy="0"/>
+        </a:xfrm>
+      </p:grpSpPr>
+      <p:sp>
+        <p:nvSpPr>
+          <p:cNvPr id="2" name="Titel 1">
+            <a:extLst>
+              <a:ext uri="{FF2B5EF4-FFF2-40B4-BE49-F238E27FC236}">
+                <a16:creationId xmlns:a16="http://schemas.microsoft.com/office/drawing/2014/main" id="{CD125071-366C-496B-B333-6A301847477B}"/>
+              </a:ext>
+            </a:extLst>
+          </p:cNvPr>
+          <p:cNvSpPr>
+            <a:spLocks noGrp="1"/>
+          </p:cNvSpPr>
+          <p:nvPr>
+            <p:ph type="title"/>
+          </p:nvPr>
+        </p:nvSpPr>
+        <p:spPr/>
+        <p:txBody>
+          <a:bodyPr/>
+          <a:lstStyle/>
+          <a:p>
+            <a:pPr algn="ctr"/>
+            <a:r>
+              <a:rPr lang="de-AT" dirty="0" err="1"/>
+              <a:t>Introduction</a:t>
+            </a:r>
+            <a:endParaRPr lang="de-AT" dirty="0"/>
+          </a:p>
+        </p:txBody>
+      </p:sp>
+      <p:sp>
+        <p:nvSpPr>
+          <p:cNvPr id="3" name="Inhaltsplatzhalter 2">
+            <a:extLst>
+              <a:ext uri="{FF2B5EF4-FFF2-40B4-BE49-F238E27FC236}">
+                <a16:creationId xmlns:a16="http://schemas.microsoft.com/office/drawing/2014/main" id="{72571CD3-37A9-4B5C-B541-D64C9B9CD76D}"/>
+              </a:ext>
+            </a:extLst>
+          </p:cNvPr>
+          <p:cNvSpPr>
+            <a:spLocks noGrp="1"/>
+          </p:cNvSpPr>
+          <p:nvPr>
+            <p:ph sz="half" idx="1"/>
+          </p:nvPr>
+        </p:nvSpPr>
+        <p:spPr/>
+        <p:txBody>
+          <a:bodyPr/>
+          <a:lstStyle/>
+          <a:p>
+            <a:pPr marL="0" indent="0">
+              <a:buNone/>
+            </a:pPr>
+            <a:r>
+              <a:rPr lang="de-AT" sz="3600" b="1" dirty="0"/>
+              <a:t>HPP</a:t>
+            </a:r>
+          </a:p>
+          <a:p>
+            <a:r>
+              <a:rPr lang="de-AT" dirty="0"/>
+              <a:t>Simple Model</a:t>
+            </a:r>
+          </a:p>
+          <a:p>
+            <a:r>
+              <a:rPr lang="de-AT" dirty="0"/>
+              <a:t>Max. 4 </a:t>
+            </a:r>
+            <a:r>
+              <a:rPr lang="de-AT" dirty="0" err="1"/>
+              <a:t>Particles</a:t>
+            </a:r>
+            <a:r>
+              <a:rPr lang="de-AT" dirty="0"/>
+              <a:t>/</a:t>
+            </a:r>
+            <a:r>
+              <a:rPr lang="de-AT" dirty="0" err="1"/>
+              <a:t>Cell</a:t>
+            </a:r>
+            <a:endParaRPr lang="de-AT" dirty="0"/>
+          </a:p>
+          <a:p>
+            <a:r>
+              <a:rPr lang="de-AT" dirty="0"/>
+              <a:t>16 </a:t>
+            </a:r>
+            <a:r>
+              <a:rPr lang="de-AT" dirty="0" err="1"/>
+              <a:t>possible</a:t>
+            </a:r>
+            <a:r>
+              <a:rPr lang="de-AT" dirty="0"/>
+              <a:t> </a:t>
+            </a:r>
+            <a:r>
+              <a:rPr lang="de-AT" dirty="0" err="1"/>
+              <a:t>states</a:t>
+            </a:r>
+            <a:endParaRPr lang="de-AT" dirty="0"/>
+          </a:p>
+          <a:p>
+            <a:r>
+              <a:rPr lang="de-AT" dirty="0"/>
+              <a:t>1 </a:t>
+            </a:r>
+            <a:r>
+              <a:rPr lang="de-AT" dirty="0" err="1"/>
+              <a:t>collision</a:t>
+            </a:r>
+            <a:r>
+              <a:rPr lang="de-AT" dirty="0"/>
+              <a:t> </a:t>
+            </a:r>
+            <a:r>
+              <a:rPr lang="de-AT" dirty="0" err="1"/>
+              <a:t>rule</a:t>
+            </a:r>
+            <a:r>
+              <a:rPr lang="de-AT" dirty="0"/>
+              <a:t> </a:t>
+            </a:r>
+          </a:p>
+        </p:txBody>
+      </p:sp>
+      <p:sp>
+        <p:nvSpPr>
+          <p:cNvPr id="10" name="Inhaltsplatzhalter 9">
+            <a:extLst>
+              <a:ext uri="{FF2B5EF4-FFF2-40B4-BE49-F238E27FC236}">
+                <a16:creationId xmlns:a16="http://schemas.microsoft.com/office/drawing/2014/main" id="{D8C7C652-6244-7646-A933-B85667A68D65}"/>
+              </a:ext>
+            </a:extLst>
+          </p:cNvPr>
+          <p:cNvSpPr>
+            <a:spLocks noGrp="1"/>
+          </p:cNvSpPr>
+          <p:nvPr>
+            <p:ph sz="half" idx="2"/>
+          </p:nvPr>
+        </p:nvSpPr>
+        <p:spPr/>
+        <p:txBody>
+          <a:bodyPr/>
+          <a:lstStyle/>
+          <a:p>
+            <a:pPr marL="0" indent="0">
+              <a:buNone/>
+            </a:pPr>
+            <a:r>
+              <a:rPr lang="de-AT" sz="3600" b="1" dirty="0"/>
+              <a:t>FHP</a:t>
+            </a:r>
+          </a:p>
+          <a:p>
+            <a:r>
+              <a:rPr lang="de-AT" dirty="0"/>
+              <a:t>3 different Models</a:t>
+            </a:r>
+          </a:p>
+          <a:p>
+            <a:r>
+              <a:rPr lang="de-AT" dirty="0" err="1"/>
+              <a:t>Up</a:t>
+            </a:r>
+            <a:r>
+              <a:rPr lang="de-AT" dirty="0"/>
+              <a:t> </a:t>
+            </a:r>
+            <a:r>
+              <a:rPr lang="de-AT" dirty="0" err="1"/>
+              <a:t>to</a:t>
+            </a:r>
+            <a:r>
+              <a:rPr lang="de-AT" dirty="0"/>
+              <a:t> 7 </a:t>
+            </a:r>
+            <a:r>
+              <a:rPr lang="de-AT" dirty="0" err="1"/>
+              <a:t>Particles</a:t>
+            </a:r>
+            <a:r>
+              <a:rPr lang="de-AT" dirty="0"/>
+              <a:t>/</a:t>
+            </a:r>
+            <a:r>
+              <a:rPr lang="de-AT" dirty="0" err="1"/>
+              <a:t>Cell</a:t>
+            </a:r>
+            <a:endParaRPr lang="de-AT" dirty="0"/>
+          </a:p>
+          <a:p>
+            <a:r>
+              <a:rPr lang="de-AT" dirty="0" err="1"/>
+              <a:t>Up</a:t>
+            </a:r>
+            <a:r>
+              <a:rPr lang="de-AT" dirty="0"/>
+              <a:t> </a:t>
+            </a:r>
+            <a:r>
+              <a:rPr lang="de-AT" dirty="0" err="1"/>
+              <a:t>to</a:t>
+            </a:r>
+            <a:r>
+              <a:rPr lang="de-AT" dirty="0"/>
+              <a:t> 128 </a:t>
+            </a:r>
+            <a:r>
+              <a:rPr lang="de-AT" dirty="0" err="1"/>
+              <a:t>possible</a:t>
+            </a:r>
+            <a:r>
+              <a:rPr lang="de-AT" dirty="0"/>
+              <a:t> </a:t>
+            </a:r>
+            <a:r>
+              <a:rPr lang="de-AT" dirty="0" err="1"/>
+              <a:t>states</a:t>
+            </a:r>
+            <a:endParaRPr lang="de-AT" dirty="0"/>
+          </a:p>
+          <a:p>
+            <a:r>
+              <a:rPr lang="de-AT" dirty="0" err="1"/>
+              <a:t>Up</a:t>
+            </a:r>
+            <a:r>
+              <a:rPr lang="de-AT" dirty="0"/>
+              <a:t> </a:t>
+            </a:r>
+            <a:r>
+              <a:rPr lang="de-AT" dirty="0" err="1"/>
+              <a:t>to</a:t>
+            </a:r>
+            <a:r>
+              <a:rPr lang="de-AT" dirty="0"/>
+              <a:t> 7 </a:t>
+            </a:r>
+            <a:r>
+              <a:rPr lang="de-AT" dirty="0" err="1"/>
+              <a:t>collision</a:t>
+            </a:r>
+            <a:r>
+              <a:rPr lang="de-AT" dirty="0"/>
+              <a:t> </a:t>
+            </a:r>
+            <a:r>
+              <a:rPr lang="de-AT" dirty="0" err="1"/>
+              <a:t>rule</a:t>
+            </a:r>
+            <a:r>
+              <a:rPr lang="de-AT" dirty="0"/>
+              <a:t> </a:t>
+            </a:r>
+          </a:p>
+          <a:p>
+            <a:endParaRPr lang="de-DE" dirty="0"/>
+          </a:p>
+        </p:txBody>
+      </p:sp>
+      <p:sp>
+        <p:nvSpPr>
+          <p:cNvPr id="4" name="Foliennummernplatzhalter 3">
+            <a:extLst>
+              <a:ext uri="{FF2B5EF4-FFF2-40B4-BE49-F238E27FC236}">
+                <a16:creationId xmlns:a16="http://schemas.microsoft.com/office/drawing/2014/main" id="{E054BE5B-2C66-468F-9D0E-E3AE828B83F1}"/>
+              </a:ext>
+            </a:extLst>
+          </p:cNvPr>
+          <p:cNvSpPr>
+            <a:spLocks noGrp="1"/>
+          </p:cNvSpPr>
+          <p:nvPr>
+            <p:ph type="sldNum" sz="quarter" idx="12"/>
+          </p:nvPr>
+        </p:nvSpPr>
+        <p:spPr/>
+        <p:txBody>
+          <a:bodyPr/>
+          <a:lstStyle/>
+          <a:p>
+            <a:fld id="{07D37939-05EA-4A19-9D44-5A085DB3A996}" type="slidenum">
+              <a:rPr lang="de-AT" smtClean="0"/>
+              <a:t>2</a:t>
+            </a:fld>
+            <a:endParaRPr lang="de-AT"/>
+          </a:p>
+        </p:txBody>
+      </p:sp>
+      <p:cxnSp>
+        <p:nvCxnSpPr>
+          <p:cNvPr id="6" name="Gerader Verbinder 5">
+            <a:extLst>
+              <a:ext uri="{FF2B5EF4-FFF2-40B4-BE49-F238E27FC236}">
+                <a16:creationId xmlns:a16="http://schemas.microsoft.com/office/drawing/2014/main" id="{8C79C4A6-A48B-4A83-95FE-DA20DB4E5DED}"/>
+              </a:ext>
+            </a:extLst>
+          </p:cNvPr>
+          <p:cNvCxnSpPr>
+            <a:cxnSpLocks/>
+          </p:cNvCxnSpPr>
+          <p:nvPr/>
+        </p:nvCxnSpPr>
+        <p:spPr>
+          <a:xfrm>
+            <a:off x="518160" y="1495425"/>
+            <a:ext cx="11155680" cy="0"/>
+          </a:xfrm>
+          <a:prstGeom prst="line">
+            <a:avLst/>
+          </a:prstGeom>
+          <a:ln w="19050"/>
+        </p:spPr>
+        <p:style>
+          <a:lnRef idx="1">
+            <a:schemeClr val="accent1"/>
+          </a:lnRef>
+          <a:fillRef idx="0">
+            <a:schemeClr val="accent1"/>
+          </a:fillRef>
+          <a:effectRef idx="0">
+            <a:schemeClr val="accent1"/>
+          </a:effectRef>
+          <a:fontRef idx="minor">
+            <a:schemeClr val="tx1"/>
+          </a:fontRef>
+        </p:style>
+      </p:cxnSp>
+      <p:sp>
+        <p:nvSpPr>
+          <p:cNvPr id="5" name="Textfeld 4">
+            <a:extLst>
+              <a:ext uri="{FF2B5EF4-FFF2-40B4-BE49-F238E27FC236}">
+                <a16:creationId xmlns:a16="http://schemas.microsoft.com/office/drawing/2014/main" id="{14BD8392-B980-4F5E-BDE9-1674099FE9A1}"/>
+              </a:ext>
+            </a:extLst>
+          </p:cNvPr>
+          <p:cNvSpPr txBox="1"/>
+          <p:nvPr/>
+        </p:nvSpPr>
+        <p:spPr>
+          <a:xfrm>
+            <a:off x="518160" y="6356350"/>
+            <a:ext cx="741997" cy="369332"/>
+          </a:xfrm>
+          <a:prstGeom prst="rect">
+            <a:avLst/>
+          </a:prstGeom>
+          <a:noFill/>
+        </p:spPr>
+        <p:txBody>
+          <a:bodyPr wrap="square" rtlCol="0">
+            <a:spAutoFit/>
+          </a:bodyPr>
+          <a:lstStyle/>
+          <a:p>
+            <a:r>
+              <a:rPr lang="de-AT" dirty="0"/>
+              <a:t>[2]</a:t>
+            </a:r>
+          </a:p>
+        </p:txBody>
+      </p:sp>
+      <p:pic>
+        <p:nvPicPr>
+          <p:cNvPr id="9" name="Grafik 8" descr="Ein Bild, das Uhr enthält.&#10;&#10;Automatisch generierte Beschreibung">
+            <a:extLst>
+              <a:ext uri="{FF2B5EF4-FFF2-40B4-BE49-F238E27FC236}">
+                <a16:creationId xmlns:a16="http://schemas.microsoft.com/office/drawing/2014/main" id="{A98F3A13-BA0A-064F-AAF4-EE694678FD2F}"/>
+              </a:ext>
+            </a:extLst>
+          </p:cNvPr>
+          <p:cNvPicPr>
+            <a:picLocks noChangeAspect="1"/>
+          </p:cNvPicPr>
+          <p:nvPr/>
+        </p:nvPicPr>
+        <p:blipFill>
+          <a:blip r:embed="rId2">
+            <a:extLst>
+              <a:ext uri="{28A0092B-C50C-407E-A947-70E740481C1C}">
+                <a14:useLocalDpi xmlns:a14="http://schemas.microsoft.com/office/drawing/2010/main" val="0"/>
+              </a:ext>
+            </a:extLst>
+          </a:blip>
+          <a:stretch>
+            <a:fillRect/>
+          </a:stretch>
+        </p:blipFill>
+        <p:spPr>
+          <a:xfrm>
+            <a:off x="889158" y="4548134"/>
+            <a:ext cx="3225800" cy="977900"/>
+          </a:xfrm>
+          <a:prstGeom prst="rect">
+            <a:avLst/>
+          </a:prstGeom>
+        </p:spPr>
+      </p:pic>
+      <p:pic>
+        <p:nvPicPr>
+          <p:cNvPr id="13" name="Grafik 12" descr="Ein Bild, das Himmel, Objekt, fliegend, Militär enthält.&#10;&#10;Automatisch generierte Beschreibung">
+            <a:extLst>
+              <a:ext uri="{FF2B5EF4-FFF2-40B4-BE49-F238E27FC236}">
+                <a16:creationId xmlns:a16="http://schemas.microsoft.com/office/drawing/2014/main" id="{ABD6A4CD-214F-A947-8021-3B1B98AF2DA4}"/>
+              </a:ext>
+            </a:extLst>
+          </p:cNvPr>
+          <p:cNvPicPr>
+            <a:picLocks noChangeAspect="1"/>
+          </p:cNvPicPr>
+          <p:nvPr/>
+        </p:nvPicPr>
+        <p:blipFill>
+          <a:blip r:embed="rId3">
+            <a:extLst>
+              <a:ext uri="{28A0092B-C50C-407E-A947-70E740481C1C}">
+                <a14:useLocalDpi xmlns:a14="http://schemas.microsoft.com/office/drawing/2010/main" val="0"/>
+              </a:ext>
+            </a:extLst>
+          </a:blip>
+          <a:stretch>
+            <a:fillRect/>
+          </a:stretch>
+        </p:blipFill>
+        <p:spPr>
+          <a:xfrm>
+            <a:off x="6561083" y="4377690"/>
+            <a:ext cx="3421117" cy="2480310"/>
+          </a:xfrm>
+          <a:prstGeom prst="rect">
+            <a:avLst/>
+          </a:prstGeom>
+        </p:spPr>
+      </p:pic>
+    </p:spTree>
+    <p:extLst>
+      <p:ext uri="{BB962C8B-B14F-4D97-AF65-F5344CB8AC3E}">
+        <p14:creationId xmlns:p14="http://schemas.microsoft.com/office/powerpoint/2010/main" val="3060349954"/>
+      </p:ext>
+    </p:extLst>
+  </p:cSld>
+  <p:clrMapOvr>
+    <a:masterClrMapping/>
+  </p:clrMapOvr>
+</p:sld>
+</file>
+
+<file path=ppt/slides/slide3.xml><?xml version="1.0" encoding="utf-8"?>
+<p:sld xmlns:a="http://schemas.openxmlformats.org/drawingml/2006/main" xmlns:r="http://schemas.openxmlformats.org/officeDocument/2006/relationships" xmlns:p="http://schemas.openxmlformats.org/presentationml/2006/main">
+  <p:cSld>
+    <p:spTree>
+      <p:nvGrpSpPr>
+        <p:cNvPr id="1" name=""/>
+        <p:cNvGrpSpPr/>
+        <p:nvPr/>
+      </p:nvGrpSpPr>
+      <p:grpSpPr>
+        <a:xfrm>
+          <a:off x="0" y="0"/>
+          <a:ext cx="0" cy="0"/>
+          <a:chOff x="0" y="0"/>
+          <a:chExt cx="0" cy="0"/>
+        </a:xfrm>
+      </p:grpSpPr>
+      <p:sp>
+        <p:nvSpPr>
+          <p:cNvPr id="2" name="Titel 1">
+            <a:extLst>
+              <a:ext uri="{FF2B5EF4-FFF2-40B4-BE49-F238E27FC236}">
+                <a16:creationId xmlns:a16="http://schemas.microsoft.com/office/drawing/2014/main" id="{CD125071-366C-496B-B333-6A301847477B}"/>
+              </a:ext>
+            </a:extLst>
+          </p:cNvPr>
+          <p:cNvSpPr>
+            <a:spLocks noGrp="1"/>
+          </p:cNvSpPr>
+          <p:nvPr>
+            <p:ph type="title"/>
+          </p:nvPr>
+        </p:nvSpPr>
+        <p:spPr/>
+        <p:txBody>
+          <a:bodyPr/>
+          <a:lstStyle/>
+          <a:p>
+            <a:pPr algn="ctr"/>
+            <a:r>
+              <a:rPr lang="de-AT" dirty="0"/>
+              <a:t>Implementation</a:t>
+            </a:r>
+          </a:p>
+        </p:txBody>
+      </p:sp>
+      <p:sp>
+        <p:nvSpPr>
+          <p:cNvPr id="3" name="Inhaltsplatzhalter 2">
+            <a:extLst>
+              <a:ext uri="{FF2B5EF4-FFF2-40B4-BE49-F238E27FC236}">
+                <a16:creationId xmlns:a16="http://schemas.microsoft.com/office/drawing/2014/main" id="{72571CD3-37A9-4B5C-B541-D64C9B9CD76D}"/>
+              </a:ext>
+            </a:extLst>
+          </p:cNvPr>
+          <p:cNvSpPr>
+            <a:spLocks noGrp="1"/>
+          </p:cNvSpPr>
+          <p:nvPr>
+            <p:ph idx="1"/>
+          </p:nvPr>
+        </p:nvSpPr>
+        <p:spPr/>
+        <p:txBody>
+          <a:bodyPr/>
+          <a:lstStyle/>
+          <a:p>
+            <a:r>
+              <a:rPr lang="de-AT" dirty="0" err="1"/>
+              <a:t>Node</a:t>
+            </a:r>
+            <a:r>
+              <a:rPr lang="de-AT" dirty="0"/>
+              <a:t> </a:t>
+            </a:r>
+            <a:r>
+              <a:rPr lang="de-AT" dirty="0" err="1"/>
+              <a:t>based</a:t>
+            </a:r>
+            <a:r>
+              <a:rPr lang="de-AT" dirty="0"/>
+              <a:t> Implementation</a:t>
+            </a:r>
+          </a:p>
+          <a:p>
+            <a:pPr marL="914400" lvl="1" indent="-457200">
+              <a:buFont typeface="+mj-lt"/>
+              <a:buAutoNum type="arabicPeriod"/>
+            </a:pPr>
+            <a:r>
+              <a:rPr lang="de-AT" dirty="0" err="1"/>
+              <a:t>Apply</a:t>
+            </a:r>
+            <a:r>
+              <a:rPr lang="de-AT" dirty="0"/>
+              <a:t> </a:t>
+            </a:r>
+            <a:r>
+              <a:rPr lang="de-AT" dirty="0" err="1"/>
+              <a:t>collsion</a:t>
+            </a:r>
+            <a:r>
+              <a:rPr lang="de-AT" dirty="0"/>
+              <a:t> </a:t>
+            </a:r>
+            <a:r>
+              <a:rPr lang="de-AT" dirty="0" err="1"/>
+              <a:t>rules</a:t>
+            </a:r>
+            <a:r>
+              <a:rPr lang="de-AT" dirty="0"/>
+              <a:t> </a:t>
+            </a:r>
+            <a:r>
+              <a:rPr lang="de-AT" dirty="0" err="1"/>
+              <a:t>for</a:t>
+            </a:r>
+            <a:r>
+              <a:rPr lang="de-AT" dirty="0"/>
+              <a:t> </a:t>
+            </a:r>
+            <a:r>
+              <a:rPr lang="de-AT" dirty="0" err="1"/>
+              <a:t>particles</a:t>
+            </a:r>
+            <a:endParaRPr lang="de-AT" dirty="0"/>
+          </a:p>
+          <a:p>
+            <a:pPr marL="914400" lvl="1" indent="-457200">
+              <a:buFont typeface="+mj-lt"/>
+              <a:buAutoNum type="arabicPeriod"/>
+            </a:pPr>
+            <a:r>
+              <a:rPr lang="de-AT" dirty="0" err="1"/>
+              <a:t>Apply</a:t>
+            </a:r>
+            <a:r>
+              <a:rPr lang="de-AT" dirty="0"/>
+              <a:t> </a:t>
+            </a:r>
+            <a:r>
+              <a:rPr lang="de-AT" dirty="0" err="1"/>
+              <a:t>collision</a:t>
+            </a:r>
+            <a:r>
+              <a:rPr lang="de-AT" dirty="0"/>
+              <a:t> </a:t>
+            </a:r>
+            <a:r>
+              <a:rPr lang="de-AT" dirty="0" err="1"/>
+              <a:t>rules</a:t>
+            </a:r>
+            <a:r>
+              <a:rPr lang="de-AT" dirty="0"/>
+              <a:t> at </a:t>
+            </a:r>
+            <a:r>
+              <a:rPr lang="de-AT" dirty="0" err="1"/>
+              <a:t>Boundaries</a:t>
+            </a:r>
+            <a:r>
+              <a:rPr lang="de-AT" dirty="0"/>
+              <a:t> &amp; </a:t>
+            </a:r>
+            <a:r>
+              <a:rPr lang="de-AT" dirty="0" err="1"/>
+              <a:t>Obstacles</a:t>
+            </a:r>
+            <a:endParaRPr lang="de-AT" dirty="0"/>
+          </a:p>
+          <a:p>
+            <a:pPr marL="914400" lvl="1" indent="-457200">
+              <a:buFont typeface="+mj-lt"/>
+              <a:buAutoNum type="arabicPeriod"/>
+            </a:pPr>
+            <a:r>
+              <a:rPr lang="de-AT" dirty="0"/>
+              <a:t>Propagate </a:t>
+            </a:r>
+            <a:r>
+              <a:rPr lang="de-AT" dirty="0" err="1"/>
+              <a:t>the</a:t>
+            </a:r>
+            <a:r>
+              <a:rPr lang="de-AT" dirty="0"/>
+              <a:t> </a:t>
+            </a:r>
+            <a:r>
+              <a:rPr lang="de-AT" dirty="0" err="1"/>
+              <a:t>particles</a:t>
+            </a:r>
+            <a:endParaRPr lang="de-AT" dirty="0"/>
+          </a:p>
+          <a:p>
+            <a:pPr marL="914400" lvl="1" indent="-457200">
+              <a:buFont typeface="+mj-lt"/>
+              <a:buAutoNum type="arabicPeriod"/>
+            </a:pPr>
+            <a:r>
+              <a:rPr lang="de-AT" dirty="0"/>
+              <a:t>Average </a:t>
+            </a:r>
+            <a:r>
+              <a:rPr lang="de-AT" dirty="0" err="1"/>
+              <a:t>velocities</a:t>
+            </a:r>
+            <a:r>
+              <a:rPr lang="de-AT" dirty="0"/>
+              <a:t> </a:t>
+            </a:r>
+            <a:r>
+              <a:rPr lang="de-AT" dirty="0" err="1"/>
+              <a:t>for</a:t>
+            </a:r>
+            <a:r>
+              <a:rPr lang="de-AT" dirty="0"/>
+              <a:t> </a:t>
+            </a:r>
+            <a:r>
+              <a:rPr lang="de-AT" dirty="0" err="1"/>
+              <a:t>plotting</a:t>
+            </a:r>
+            <a:endParaRPr lang="de-AT" dirty="0"/>
+          </a:p>
+          <a:p>
+            <a:r>
+              <a:rPr lang="de-AT" dirty="0"/>
+              <a:t>Domain</a:t>
+            </a:r>
+          </a:p>
+          <a:p>
+            <a:pPr lvl="1"/>
+            <a:r>
+              <a:rPr lang="de-AT" dirty="0"/>
+              <a:t>500x200 </a:t>
+            </a:r>
+            <a:r>
+              <a:rPr lang="de-AT" dirty="0" err="1"/>
+              <a:t>nodes</a:t>
+            </a:r>
+            <a:endParaRPr lang="de-AT" dirty="0"/>
+          </a:p>
+          <a:p>
+            <a:pPr marL="457200" lvl="1" indent="0">
+              <a:buNone/>
+            </a:pPr>
+            <a:r>
+              <a:rPr lang="de-AT" dirty="0"/>
+              <a:t>	</a:t>
+            </a:r>
+          </a:p>
+        </p:txBody>
+      </p:sp>
+      <p:sp>
+        <p:nvSpPr>
+          <p:cNvPr id="4" name="Foliennummernplatzhalter 3">
+            <a:extLst>
+              <a:ext uri="{FF2B5EF4-FFF2-40B4-BE49-F238E27FC236}">
+                <a16:creationId xmlns:a16="http://schemas.microsoft.com/office/drawing/2014/main" id="{E054BE5B-2C66-468F-9D0E-E3AE828B83F1}"/>
+              </a:ext>
+            </a:extLst>
+          </p:cNvPr>
+          <p:cNvSpPr>
+            <a:spLocks noGrp="1"/>
+          </p:cNvSpPr>
+          <p:nvPr>
+            <p:ph type="sldNum" sz="quarter" idx="12"/>
+          </p:nvPr>
+        </p:nvSpPr>
+        <p:spPr/>
+        <p:txBody>
+          <a:bodyPr/>
+          <a:lstStyle/>
+          <a:p>
+            <a:fld id="{07D37939-05EA-4A19-9D44-5A085DB3A996}" type="slidenum">
+              <a:rPr lang="de-AT" smtClean="0"/>
+              <a:t>3</a:t>
+            </a:fld>
+            <a:endParaRPr lang="de-AT"/>
+          </a:p>
+        </p:txBody>
+      </p:sp>
+      <p:cxnSp>
+        <p:nvCxnSpPr>
+          <p:cNvPr id="6" name="Gerader Verbinder 5">
+            <a:extLst>
+              <a:ext uri="{FF2B5EF4-FFF2-40B4-BE49-F238E27FC236}">
+                <a16:creationId xmlns:a16="http://schemas.microsoft.com/office/drawing/2014/main" id="{8C79C4A6-A48B-4A83-95FE-DA20DB4E5DED}"/>
+              </a:ext>
+            </a:extLst>
+          </p:cNvPr>
+          <p:cNvCxnSpPr>
+            <a:cxnSpLocks/>
+          </p:cNvCxnSpPr>
+          <p:nvPr/>
+        </p:nvCxnSpPr>
+        <p:spPr>
+          <a:xfrm>
+            <a:off x="518160" y="1495425"/>
+            <a:ext cx="11155680" cy="0"/>
+          </a:xfrm>
+          <a:prstGeom prst="line">
+            <a:avLst/>
+          </a:prstGeom>
+          <a:ln w="19050"/>
+        </p:spPr>
+        <p:style>
+          <a:lnRef idx="1">
+            <a:schemeClr val="accent1"/>
+          </a:lnRef>
+          <a:fillRef idx="0">
+            <a:schemeClr val="accent1"/>
+          </a:fillRef>
+          <a:effectRef idx="0">
+            <a:schemeClr val="accent1"/>
+          </a:effectRef>
+          <a:fontRef idx="minor">
+            <a:schemeClr val="tx1"/>
+          </a:fontRef>
+        </p:style>
+      </p:cxnSp>
+      <p:sp>
+        <p:nvSpPr>
+          <p:cNvPr id="5" name="Textfeld 4">
+            <a:extLst>
+              <a:ext uri="{FF2B5EF4-FFF2-40B4-BE49-F238E27FC236}">
+                <a16:creationId xmlns:a16="http://schemas.microsoft.com/office/drawing/2014/main" id="{14BD8392-B980-4F5E-BDE9-1674099FE9A1}"/>
+              </a:ext>
+            </a:extLst>
+          </p:cNvPr>
+          <p:cNvSpPr txBox="1"/>
+          <p:nvPr/>
+        </p:nvSpPr>
+        <p:spPr>
+          <a:xfrm>
+            <a:off x="518160" y="6356350"/>
+            <a:ext cx="741997" cy="369332"/>
+          </a:xfrm>
+          <a:prstGeom prst="rect">
+            <a:avLst/>
+          </a:prstGeom>
+          <a:noFill/>
+        </p:spPr>
+        <p:txBody>
+          <a:bodyPr wrap="square" rtlCol="0">
+            <a:spAutoFit/>
+          </a:bodyPr>
+          <a:lstStyle/>
+          <a:p>
+            <a:r>
+              <a:rPr lang="de-AT" dirty="0"/>
+              <a:t>[2]</a:t>
+            </a:r>
+          </a:p>
+        </p:txBody>
+      </p:sp>
+    </p:spTree>
+    <p:extLst>
+      <p:ext uri="{BB962C8B-B14F-4D97-AF65-F5344CB8AC3E}">
+        <p14:creationId xmlns:p14="http://schemas.microsoft.com/office/powerpoint/2010/main" val="2399562198"/>
+      </p:ext>
+    </p:extLst>
+  </p:cSld>
+  <p:clrMapOvr>
+    <a:masterClrMapping/>
+  </p:clrMapOvr>
+  <p:timing>
+    <p:tnLst>
+      <p:par>
+        <p:cTn id="1" dur="indefinite" restart="never" nodeType="tmRoot"/>
+      </p:par>
+    </p:tnLst>
+  </p:timing>
+</p:sld>
+</file>
+
+<file path=ppt/slides/slide4.xml><?xml version="1.0" encoding="utf-8"?>
+<p:sld xmlns:a="http://schemas.openxmlformats.org/drawingml/2006/main" xmlns:r="http://schemas.openxmlformats.org/officeDocument/2006/relationships" xmlns:p="http://schemas.openxmlformats.org/presentationml/2006/main">
+  <p:cSld>
+    <p:spTree>
+      <p:nvGrpSpPr>
+        <p:cNvPr id="1" name=""/>
+        <p:cNvGrpSpPr/>
+        <p:nvPr/>
+      </p:nvGrpSpPr>
+      <p:grpSpPr>
+        <a:xfrm>
+          <a:off x="0" y="0"/>
+          <a:ext cx="0" cy="0"/>
+          <a:chOff x="0" y="0"/>
+          <a:chExt cx="0" cy="0"/>
+        </a:xfrm>
+      </p:grpSpPr>
+      <p:sp>
+        <p:nvSpPr>
+          <p:cNvPr id="2" name="Titel 1">
+            <a:extLst>
+              <a:ext uri="{FF2B5EF4-FFF2-40B4-BE49-F238E27FC236}">
+                <a16:creationId xmlns:a16="http://schemas.microsoft.com/office/drawing/2014/main" id="{CD125071-366C-496B-B333-6A301847477B}"/>
+              </a:ext>
+            </a:extLst>
+          </p:cNvPr>
+          <p:cNvSpPr>
+            <a:spLocks noGrp="1"/>
+          </p:cNvSpPr>
+          <p:nvPr>
+            <p:ph type="title"/>
+          </p:nvPr>
+        </p:nvSpPr>
+        <p:spPr/>
+        <p:txBody>
+          <a:bodyPr/>
+          <a:lstStyle/>
+          <a:p>
+            <a:pPr algn="ctr"/>
+            <a:r>
+              <a:rPr lang="de-AT" dirty="0"/>
+              <a:t>Implementation</a:t>
+            </a:r>
+          </a:p>
+        </p:txBody>
+      </p:sp>
+      <p:sp>
+        <p:nvSpPr>
+          <p:cNvPr id="4" name="Foliennummernplatzhalter 3">
+            <a:extLst>
+              <a:ext uri="{FF2B5EF4-FFF2-40B4-BE49-F238E27FC236}">
+                <a16:creationId xmlns:a16="http://schemas.microsoft.com/office/drawing/2014/main" id="{E054BE5B-2C66-468F-9D0E-E3AE828B83F1}"/>
+              </a:ext>
+            </a:extLst>
+          </p:cNvPr>
+          <p:cNvSpPr>
+            <a:spLocks noGrp="1"/>
+          </p:cNvSpPr>
+          <p:nvPr>
+            <p:ph type="sldNum" sz="quarter" idx="12"/>
+          </p:nvPr>
+        </p:nvSpPr>
+        <p:spPr/>
+        <p:txBody>
+          <a:bodyPr/>
+          <a:lstStyle/>
+          <a:p>
+            <a:fld id="{07D37939-05EA-4A19-9D44-5A085DB3A996}" type="slidenum">
+              <a:rPr lang="de-AT" smtClean="0"/>
+              <a:t>4</a:t>
+            </a:fld>
+            <a:endParaRPr lang="de-AT"/>
+          </a:p>
+        </p:txBody>
+      </p:sp>
+      <p:cxnSp>
+        <p:nvCxnSpPr>
+          <p:cNvPr id="6" name="Gerader Verbinder 5">
+            <a:extLst>
+              <a:ext uri="{FF2B5EF4-FFF2-40B4-BE49-F238E27FC236}">
+                <a16:creationId xmlns:a16="http://schemas.microsoft.com/office/drawing/2014/main" id="{8C79C4A6-A48B-4A83-95FE-DA20DB4E5DED}"/>
+              </a:ext>
+            </a:extLst>
+          </p:cNvPr>
+          <p:cNvCxnSpPr>
+            <a:cxnSpLocks/>
+          </p:cNvCxnSpPr>
+          <p:nvPr/>
+        </p:nvCxnSpPr>
+        <p:spPr>
+          <a:xfrm>
+            <a:off x="518160" y="1495425"/>
+            <a:ext cx="11155680" cy="0"/>
+          </a:xfrm>
+          <a:prstGeom prst="line">
+            <a:avLst/>
+          </a:prstGeom>
+          <a:ln w="19050"/>
+        </p:spPr>
+        <p:style>
+          <a:lnRef idx="1">
+            <a:schemeClr val="accent1"/>
+          </a:lnRef>
+          <a:fillRef idx="0">
+            <a:schemeClr val="accent1"/>
+          </a:fillRef>
+          <a:effectRef idx="0">
+            <a:schemeClr val="accent1"/>
+          </a:effectRef>
+          <a:fontRef idx="minor">
+            <a:schemeClr val="tx1"/>
+          </a:fontRef>
+        </p:style>
+      </p:cxnSp>
+      <p:sp>
+        <p:nvSpPr>
+          <p:cNvPr id="5" name="Textfeld 4">
+            <a:extLst>
+              <a:ext uri="{FF2B5EF4-FFF2-40B4-BE49-F238E27FC236}">
+                <a16:creationId xmlns:a16="http://schemas.microsoft.com/office/drawing/2014/main" id="{14BD8392-B980-4F5E-BDE9-1674099FE9A1}"/>
+              </a:ext>
+            </a:extLst>
+          </p:cNvPr>
+          <p:cNvSpPr txBox="1"/>
+          <p:nvPr/>
+        </p:nvSpPr>
+        <p:spPr>
+          <a:xfrm>
+            <a:off x="518160" y="6356350"/>
+            <a:ext cx="741997" cy="369332"/>
+          </a:xfrm>
+          <a:prstGeom prst="rect">
+            <a:avLst/>
+          </a:prstGeom>
+          <a:noFill/>
+        </p:spPr>
+        <p:txBody>
+          <a:bodyPr wrap="square" rtlCol="0">
+            <a:spAutoFit/>
+          </a:bodyPr>
+          <a:lstStyle/>
+          <a:p>
+            <a:r>
+              <a:rPr lang="de-AT" dirty="0"/>
+              <a:t>[2]</a:t>
+            </a:r>
+          </a:p>
+        </p:txBody>
+      </p:sp>
+      <p:sp>
+        <p:nvSpPr>
+          <p:cNvPr id="8" name="Oval 2"/>
+          <p:cNvSpPr>
+            <a:spLocks noChangeArrowheads="1"/>
+          </p:cNvSpPr>
+          <p:nvPr/>
+        </p:nvSpPr>
+        <p:spPr bwMode="auto">
+          <a:xfrm>
+            <a:off x="2285167" y="1559464"/>
+            <a:ext cx="1096963" cy="622300"/>
+          </a:xfrm>
+          <a:prstGeom prst="ellipse">
+            <a:avLst/>
+          </a:prstGeom>
+          <a:solidFill>
+            <a:srgbClr val="E3F9DA"/>
+          </a:solidFill>
+          <a:ln>
+            <a:noFill/>
+          </a:ln>
+          <a:effectLst/>
+          <a:extLst>
+            <a:ext uri="{91240B29-F687-4F45-9708-019B960494DF}">
+              <a14:hiddenLine xmlns:a14="http://schemas.microsoft.com/office/drawing/2010/main" w="25400" algn="ctr">
+                <a:solidFill>
+                  <a:srgbClr val="000000"/>
+                </a:solidFill>
+                <a:round/>
+                <a:headEnd/>
+                <a:tailEnd/>
+              </a14:hiddenLine>
+            </a:ext>
+            <a:ext uri="{AF507438-7753-43E0-B8FC-AC1667EBCBE1}">
+              <a14:hiddenEffects xmlns:a14="http://schemas.microsoft.com/office/drawing/2010/main">
+                <a:effectLst>
+                  <a:outerShdw dist="35921" dir="2700000" algn="ctr" rotWithShape="0">
+                    <a:srgbClr val="CCCCCC"/>
+                  </a:outerShdw>
+                </a:effectLst>
+              </a14:hiddenEffects>
+            </a:ext>
+          </a:extLst>
+        </p:spPr>
+        <p:txBody>
+          <a:bodyPr vert="horz" wrap="square" lIns="36576" tIns="36576" rIns="36576" bIns="36576" numCol="1" anchor="t" anchorCtr="0" compatLnSpc="1">
+            <a:prstTxWarp prst="textNoShape">
+              <a:avLst/>
+            </a:prstTxWarp>
+          </a:bodyPr>
+          <a:lstStyle/>
+          <a:p>
+            <a:pPr marL="0" marR="0" lvl="0" indent="0" algn="ctr" defTabSz="914400" rtl="0" eaLnBrk="0" fontAlgn="base" latinLnBrk="0" hangingPunct="0">
+              <a:lnSpc>
+                <a:spcPct val="100000"/>
+              </a:lnSpc>
+              <a:spcBef>
+                <a:spcPct val="0"/>
+              </a:spcBef>
+              <a:spcAft>
+                <a:spcPct val="0"/>
+              </a:spcAft>
+              <a:buClrTx/>
+              <a:buSzTx/>
+              <a:buFontTx/>
+              <a:buNone/>
+              <a:tabLst/>
+            </a:pPr>
+            <a:r>
+              <a:rPr kumimoji="0" lang="en-GB" altLang="en-US" sz="1000" b="0" i="0" u="none" strike="noStrike" cap="none" normalizeH="0" baseline="0" dirty="0" smtClean="0">
+                <a:ln>
+                  <a:noFill/>
+                </a:ln>
+                <a:solidFill>
+                  <a:srgbClr val="000000"/>
+                </a:solidFill>
+                <a:effectLst/>
+                <a:latin typeface="Times New Roman" panose="02020603050405020304" pitchFamily="18" charset="0"/>
+              </a:rPr>
+              <a:t>Start</a:t>
+            </a:r>
+            <a:endParaRPr kumimoji="0" lang="en-US" altLang="en-US" sz="1800" b="0" i="0" u="none" strike="noStrike" cap="none" normalizeH="0" baseline="0" dirty="0" smtClean="0">
+              <a:ln>
+                <a:noFill/>
+              </a:ln>
+              <a:solidFill>
+                <a:schemeClr val="tx1"/>
+              </a:solidFill>
+              <a:effectLst/>
+              <a:latin typeface="Arial" panose="020B0604020202020204" pitchFamily="34" charset="0"/>
+            </a:endParaRPr>
+          </a:p>
+        </p:txBody>
+      </p:sp>
+      <p:sp>
+        <p:nvSpPr>
+          <p:cNvPr id="9" name="Oval 3"/>
+          <p:cNvSpPr>
+            <a:spLocks noChangeArrowheads="1"/>
+          </p:cNvSpPr>
+          <p:nvPr/>
+        </p:nvSpPr>
+        <p:spPr bwMode="auto">
+          <a:xfrm>
+            <a:off x="8602456" y="6240207"/>
+            <a:ext cx="1057615" cy="528808"/>
+          </a:xfrm>
+          <a:prstGeom prst="ellipse">
+            <a:avLst/>
+          </a:prstGeom>
+          <a:solidFill>
+            <a:srgbClr val="E3F9DA"/>
+          </a:solidFill>
+          <a:ln>
+            <a:noFill/>
+          </a:ln>
+          <a:effectLst/>
+          <a:extLst>
+            <a:ext uri="{91240B29-F687-4F45-9708-019B960494DF}">
+              <a14:hiddenLine xmlns:a14="http://schemas.microsoft.com/office/drawing/2010/main" w="25400" algn="ctr">
+                <a:solidFill>
+                  <a:srgbClr val="000000"/>
+                </a:solidFill>
+                <a:round/>
+                <a:headEnd/>
+                <a:tailEnd/>
+              </a14:hiddenLine>
+            </a:ext>
+            <a:ext uri="{AF507438-7753-43E0-B8FC-AC1667EBCBE1}">
+              <a14:hiddenEffects xmlns:a14="http://schemas.microsoft.com/office/drawing/2010/main">
+                <a:effectLst>
+                  <a:outerShdw dist="35921" dir="2700000" algn="ctr" rotWithShape="0">
+                    <a:srgbClr val="CCCCCC"/>
+                  </a:outerShdw>
+                </a:effectLst>
+              </a14:hiddenEffects>
+            </a:ext>
+          </a:extLst>
+        </p:spPr>
+        <p:txBody>
+          <a:bodyPr vert="horz" wrap="square" lIns="36576" tIns="36576" rIns="36576" bIns="36576" numCol="1" anchor="t" anchorCtr="0" compatLnSpc="1">
+            <a:prstTxWarp prst="textNoShape">
+              <a:avLst/>
+            </a:prstTxWarp>
+          </a:bodyPr>
+          <a:lstStyle/>
+          <a:p>
+            <a:pPr marL="0" marR="0" lvl="0" indent="0" algn="ctr" defTabSz="914400" rtl="0" eaLnBrk="0" fontAlgn="base" latinLnBrk="0" hangingPunct="0">
+              <a:lnSpc>
+                <a:spcPct val="100000"/>
+              </a:lnSpc>
+              <a:spcBef>
+                <a:spcPct val="0"/>
+              </a:spcBef>
+              <a:spcAft>
+                <a:spcPct val="0"/>
+              </a:spcAft>
+              <a:buClrTx/>
+              <a:buSzTx/>
+              <a:buFontTx/>
+              <a:buNone/>
+              <a:tabLst/>
+            </a:pPr>
+            <a:r>
+              <a:rPr kumimoji="0" lang="en-GB" altLang="en-US" sz="1000" b="0" i="0" u="none" strike="noStrike" cap="none" normalizeH="0" baseline="0" smtClean="0">
+                <a:ln>
+                  <a:noFill/>
+                </a:ln>
+                <a:solidFill>
+                  <a:srgbClr val="000000"/>
+                </a:solidFill>
+                <a:effectLst/>
+                <a:latin typeface="Times New Roman" panose="02020603050405020304" pitchFamily="18" charset="0"/>
+              </a:rPr>
+              <a:t>End</a:t>
+            </a:r>
+            <a:endParaRPr kumimoji="0" lang="en-US" altLang="en-US" sz="1800" b="0" i="0" u="none" strike="noStrike" cap="none" normalizeH="0" baseline="0" smtClean="0">
+              <a:ln>
+                <a:noFill/>
+              </a:ln>
+              <a:solidFill>
+                <a:schemeClr val="tx1"/>
+              </a:solidFill>
+              <a:effectLst/>
+              <a:latin typeface="Arial" panose="020B0604020202020204" pitchFamily="34" charset="0"/>
+            </a:endParaRPr>
+          </a:p>
+        </p:txBody>
+      </p:sp>
+      <p:sp>
+        <p:nvSpPr>
+          <p:cNvPr id="10" name="AutoShape 4"/>
+          <p:cNvSpPr>
+            <a:spLocks noChangeArrowheads="1"/>
+          </p:cNvSpPr>
+          <p:nvPr/>
+        </p:nvSpPr>
+        <p:spPr bwMode="auto">
+          <a:xfrm>
+            <a:off x="426205" y="2361152"/>
+            <a:ext cx="4816475" cy="1344612"/>
+          </a:xfrm>
+          <a:prstGeom prst="parallelogram">
+            <a:avLst>
+              <a:gd name="adj" fmla="val 89551"/>
+            </a:avLst>
+          </a:prstGeom>
+          <a:solidFill>
+            <a:srgbClr val="B2E8FB"/>
+          </a:solidFill>
+          <a:ln>
+            <a:noFill/>
+          </a:ln>
+          <a:effectLst/>
+          <a:extLst>
+            <a:ext uri="{91240B29-F687-4F45-9708-019B960494DF}">
+              <a14:hiddenLine xmlns:a14="http://schemas.microsoft.com/office/drawing/2010/main" w="25400" algn="ctr">
+                <a:solidFill>
+                  <a:srgbClr val="000000"/>
+                </a:solidFill>
+                <a:miter lim="800000"/>
+                <a:headEnd/>
+                <a:tailEnd/>
+              </a14:hiddenLine>
+            </a:ext>
+            <a:ext uri="{AF507438-7753-43E0-B8FC-AC1667EBCBE1}">
+              <a14:hiddenEffects xmlns:a14="http://schemas.microsoft.com/office/drawing/2010/main">
+                <a:effectLst>
+                  <a:outerShdw dist="35921" dir="2700000" algn="ctr" rotWithShape="0">
+                    <a:srgbClr val="CCCCCC"/>
+                  </a:outerShdw>
+                </a:effectLst>
+              </a14:hiddenEffects>
+            </a:ext>
+          </a:extLst>
+        </p:spPr>
+        <p:txBody>
+          <a:bodyPr vert="horz" wrap="square" lIns="36576" tIns="36576" rIns="36576" bIns="36576" numCol="1" anchor="t" anchorCtr="0" compatLnSpc="1">
+            <a:prstTxWarp prst="textNoShape">
+              <a:avLst/>
+            </a:prstTxWarp>
+          </a:bodyPr>
+          <a:lstStyle/>
+          <a:p>
+            <a:pPr marL="0" marR="0" lvl="0" indent="0" algn="ctr" defTabSz="914400" rtl="0" eaLnBrk="0" fontAlgn="base" latinLnBrk="0" hangingPunct="0">
+              <a:lnSpc>
+                <a:spcPct val="100000"/>
+              </a:lnSpc>
+              <a:spcBef>
+                <a:spcPct val="0"/>
+              </a:spcBef>
+              <a:spcAft>
+                <a:spcPct val="0"/>
+              </a:spcAft>
+              <a:buClrTx/>
+              <a:buSzTx/>
+              <a:buFontTx/>
+              <a:buNone/>
+              <a:tabLst/>
+            </a:pPr>
+            <a:r>
+              <a:rPr kumimoji="0" lang="en-GB" altLang="en-US" sz="1000" b="0" i="0" u="none" strike="noStrike" cap="none" normalizeH="0" baseline="0" smtClean="0">
+                <a:ln>
+                  <a:noFill/>
+                </a:ln>
+                <a:solidFill>
+                  <a:srgbClr val="000000"/>
+                </a:solidFill>
+                <a:effectLst/>
+                <a:latin typeface="Times New Roman" panose="02020603050405020304" pitchFamily="18" charset="0"/>
+              </a:rPr>
+              <a:t>Grid Size</a:t>
+            </a:r>
+          </a:p>
+          <a:p>
+            <a:pPr marL="0" marR="0" lvl="0" indent="0" algn="ctr" defTabSz="914400" rtl="0" eaLnBrk="0" fontAlgn="base" latinLnBrk="0" hangingPunct="0">
+              <a:lnSpc>
+                <a:spcPct val="100000"/>
+              </a:lnSpc>
+              <a:spcBef>
+                <a:spcPct val="0"/>
+              </a:spcBef>
+              <a:spcAft>
+                <a:spcPct val="0"/>
+              </a:spcAft>
+              <a:buClrTx/>
+              <a:buSzTx/>
+              <a:buFontTx/>
+              <a:buNone/>
+              <a:tabLst/>
+            </a:pPr>
+            <a:r>
+              <a:rPr kumimoji="0" lang="en-GB" altLang="en-US" sz="1000" b="0" i="0" u="none" strike="noStrike" cap="none" normalizeH="0" baseline="0" smtClean="0">
+                <a:ln>
+                  <a:noFill/>
+                </a:ln>
+                <a:solidFill>
+                  <a:srgbClr val="000000"/>
+                </a:solidFill>
+                <a:effectLst/>
+                <a:latin typeface="Times New Roman" panose="02020603050405020304" pitchFamily="18" charset="0"/>
+              </a:rPr>
+              <a:t>Time steps</a:t>
+            </a:r>
+          </a:p>
+          <a:p>
+            <a:pPr marL="0" marR="0" lvl="0" indent="0" algn="ctr" defTabSz="914400" rtl="0" eaLnBrk="0" fontAlgn="base" latinLnBrk="0" hangingPunct="0">
+              <a:lnSpc>
+                <a:spcPct val="100000"/>
+              </a:lnSpc>
+              <a:spcBef>
+                <a:spcPct val="0"/>
+              </a:spcBef>
+              <a:spcAft>
+                <a:spcPct val="0"/>
+              </a:spcAft>
+              <a:buClrTx/>
+              <a:buSzTx/>
+              <a:buFontTx/>
+              <a:buNone/>
+              <a:tabLst/>
+            </a:pPr>
+            <a:r>
+              <a:rPr kumimoji="0" lang="en-GB" altLang="en-US" sz="1000" b="0" i="0" u="none" strike="noStrike" cap="none" normalizeH="0" baseline="0" smtClean="0">
+                <a:ln>
+                  <a:noFill/>
+                </a:ln>
+                <a:solidFill>
+                  <a:srgbClr val="000000"/>
+                </a:solidFill>
+                <a:effectLst/>
+                <a:latin typeface="Times New Roman" panose="02020603050405020304" pitchFamily="18" charset="0"/>
+              </a:rPr>
+              <a:t>Empty array for particles except in right direction</a:t>
+            </a:r>
+          </a:p>
+          <a:p>
+            <a:pPr marL="0" marR="0" lvl="0" indent="0" algn="ctr" defTabSz="914400" rtl="0" eaLnBrk="0" fontAlgn="base" latinLnBrk="0" hangingPunct="0">
+              <a:lnSpc>
+                <a:spcPct val="100000"/>
+              </a:lnSpc>
+              <a:spcBef>
+                <a:spcPct val="0"/>
+              </a:spcBef>
+              <a:spcAft>
+                <a:spcPct val="0"/>
+              </a:spcAft>
+              <a:buClrTx/>
+              <a:buSzTx/>
+              <a:buFontTx/>
+              <a:buNone/>
+              <a:tabLst/>
+            </a:pPr>
+            <a:r>
+              <a:rPr kumimoji="0" lang="en-GB" altLang="en-US" sz="1000" b="0" i="0" u="none" strike="noStrike" cap="none" normalizeH="0" baseline="0" smtClean="0">
+                <a:ln>
+                  <a:noFill/>
+                </a:ln>
+                <a:solidFill>
+                  <a:srgbClr val="000000"/>
+                </a:solidFill>
+                <a:effectLst/>
+                <a:latin typeface="Times New Roman" panose="02020603050405020304" pitchFamily="18" charset="0"/>
+              </a:rPr>
+              <a:t>Obstacle location</a:t>
+            </a:r>
+            <a:endParaRPr kumimoji="0" lang="en-US" altLang="en-US" sz="1800" b="0" i="0" u="none" strike="noStrike" cap="none" normalizeH="0" baseline="0" smtClean="0">
+              <a:ln>
+                <a:noFill/>
+              </a:ln>
+              <a:solidFill>
+                <a:schemeClr val="tx1"/>
+              </a:solidFill>
+              <a:effectLst/>
+              <a:latin typeface="Arial" panose="020B0604020202020204" pitchFamily="34" charset="0"/>
+            </a:endParaRPr>
+          </a:p>
+        </p:txBody>
+      </p:sp>
+      <p:sp>
+        <p:nvSpPr>
+          <p:cNvPr id="11" name="Rectangle 5"/>
+          <p:cNvSpPr>
+            <a:spLocks noChangeArrowheads="1"/>
+          </p:cNvSpPr>
+          <p:nvPr/>
+        </p:nvSpPr>
+        <p:spPr bwMode="auto">
+          <a:xfrm>
+            <a:off x="1754942" y="4129627"/>
+            <a:ext cx="2159000" cy="1165225"/>
+          </a:xfrm>
+          <a:prstGeom prst="rect">
+            <a:avLst/>
+          </a:prstGeom>
+          <a:solidFill>
+            <a:srgbClr val="FFF0B2"/>
+          </a:solidFill>
+          <a:ln>
+            <a:noFill/>
+          </a:ln>
+          <a:effectLst/>
+          <a:extLst>
+            <a:ext uri="{91240B29-F687-4F45-9708-019B960494DF}">
+              <a14:hiddenLine xmlns:a14="http://schemas.microsoft.com/office/drawing/2010/main" w="25400" algn="ctr">
+                <a:solidFill>
+                  <a:srgbClr val="000000"/>
+                </a:solidFill>
+                <a:miter lim="800000"/>
+                <a:headEnd/>
+                <a:tailEnd/>
+              </a14:hiddenLine>
+            </a:ext>
+            <a:ext uri="{AF507438-7753-43E0-B8FC-AC1667EBCBE1}">
+              <a14:hiddenEffects xmlns:a14="http://schemas.microsoft.com/office/drawing/2010/main">
+                <a:effectLst>
+                  <a:outerShdw dist="35921" dir="2700000" algn="ctr" rotWithShape="0">
+                    <a:srgbClr val="CCCCCC"/>
+                  </a:outerShdw>
+                </a:effectLst>
+              </a14:hiddenEffects>
+            </a:ext>
+          </a:extLst>
+        </p:spPr>
+        <p:txBody>
+          <a:bodyPr vert="horz" wrap="square" lIns="36576" tIns="36576" rIns="36576" bIns="36576" numCol="1" anchor="t" anchorCtr="0" compatLnSpc="1">
+            <a:prstTxWarp prst="textNoShape">
+              <a:avLst/>
+            </a:prstTxWarp>
+          </a:bodyPr>
+          <a:lstStyle/>
+          <a:p>
+            <a:pPr marL="0" marR="0" lvl="0" indent="0" algn="ctr" defTabSz="914400" rtl="0" eaLnBrk="0" fontAlgn="base" latinLnBrk="0" hangingPunct="0">
+              <a:lnSpc>
+                <a:spcPct val="100000"/>
+              </a:lnSpc>
+              <a:spcBef>
+                <a:spcPct val="0"/>
+              </a:spcBef>
+              <a:spcAft>
+                <a:spcPct val="0"/>
+              </a:spcAft>
+              <a:buClrTx/>
+              <a:buSzTx/>
+              <a:buFontTx/>
+              <a:buNone/>
+              <a:tabLst/>
+            </a:pPr>
+            <a:r>
+              <a:rPr kumimoji="0" lang="en-GB" altLang="en-US" sz="1000" b="0" i="0" u="none" strike="noStrike" cap="none" normalizeH="0" baseline="0" smtClean="0">
+                <a:ln>
+                  <a:noFill/>
+                </a:ln>
+                <a:solidFill>
+                  <a:srgbClr val="000000"/>
+                </a:solidFill>
+                <a:effectLst/>
+                <a:latin typeface="Times New Roman" panose="02020603050405020304" pitchFamily="18" charset="0"/>
+              </a:rPr>
+              <a:t>Particles collide at non-boundary cells</a:t>
+            </a:r>
+          </a:p>
+          <a:p>
+            <a:pPr marL="0" marR="0" lvl="0" indent="0" algn="ctr" defTabSz="914400" rtl="0" eaLnBrk="0" fontAlgn="base" latinLnBrk="0" hangingPunct="0">
+              <a:lnSpc>
+                <a:spcPct val="100000"/>
+              </a:lnSpc>
+              <a:spcBef>
+                <a:spcPct val="0"/>
+              </a:spcBef>
+              <a:spcAft>
+                <a:spcPct val="0"/>
+              </a:spcAft>
+              <a:buClrTx/>
+              <a:buSzTx/>
+              <a:buFontTx/>
+              <a:buNone/>
+              <a:tabLst/>
+            </a:pPr>
+            <a:r>
+              <a:rPr kumimoji="0" lang="en-GB" altLang="en-US" sz="1000" b="0" i="0" u="none" strike="noStrike" cap="none" normalizeH="0" baseline="0" smtClean="0">
+                <a:ln>
+                  <a:noFill/>
+                </a:ln>
+                <a:solidFill>
+                  <a:srgbClr val="000000"/>
+                </a:solidFill>
+                <a:effectLst/>
+                <a:latin typeface="Times New Roman" panose="02020603050405020304" pitchFamily="18" charset="0"/>
+              </a:rPr>
+              <a:t>Particles collide at boundary cells</a:t>
+            </a:r>
+          </a:p>
+          <a:p>
+            <a:pPr marL="0" marR="0" lvl="0" indent="0" algn="ctr" defTabSz="914400" rtl="0" eaLnBrk="0" fontAlgn="base" latinLnBrk="0" hangingPunct="0">
+              <a:lnSpc>
+                <a:spcPct val="100000"/>
+              </a:lnSpc>
+              <a:spcBef>
+                <a:spcPct val="0"/>
+              </a:spcBef>
+              <a:spcAft>
+                <a:spcPct val="0"/>
+              </a:spcAft>
+              <a:buClrTx/>
+              <a:buSzTx/>
+              <a:buFontTx/>
+              <a:buNone/>
+              <a:tabLst/>
+            </a:pPr>
+            <a:r>
+              <a:rPr kumimoji="0" lang="en-GB" altLang="en-US" sz="1000" b="0" i="0" u="none" strike="noStrike" cap="none" normalizeH="0" baseline="0" smtClean="0">
+                <a:ln>
+                  <a:noFill/>
+                </a:ln>
+                <a:solidFill>
+                  <a:srgbClr val="000000"/>
+                </a:solidFill>
+                <a:effectLst/>
+                <a:latin typeface="Times New Roman" panose="02020603050405020304" pitchFamily="18" charset="0"/>
+              </a:rPr>
+              <a:t>Particles collide at obstacle cells</a:t>
+            </a:r>
+          </a:p>
+          <a:p>
+            <a:pPr marL="0" marR="0" lvl="0" indent="0" algn="ctr" defTabSz="914400" rtl="0" eaLnBrk="0" fontAlgn="base" latinLnBrk="0" hangingPunct="0">
+              <a:lnSpc>
+                <a:spcPct val="100000"/>
+              </a:lnSpc>
+              <a:spcBef>
+                <a:spcPct val="0"/>
+              </a:spcBef>
+              <a:spcAft>
+                <a:spcPct val="0"/>
+              </a:spcAft>
+              <a:buClrTx/>
+              <a:buSzTx/>
+              <a:buFontTx/>
+              <a:buNone/>
+              <a:tabLst/>
+            </a:pPr>
+            <a:endParaRPr kumimoji="0" lang="en-GB" altLang="en-US" sz="1000" b="0" i="0" u="none" strike="noStrike" cap="none" normalizeH="0" baseline="0" smtClean="0">
+              <a:ln>
+                <a:noFill/>
+              </a:ln>
+              <a:solidFill>
+                <a:srgbClr val="000000"/>
+              </a:solidFill>
+              <a:effectLst/>
+              <a:latin typeface="Times New Roman" panose="02020603050405020304" pitchFamily="18" charset="0"/>
+            </a:endParaRPr>
+          </a:p>
+          <a:p>
+            <a:pPr marL="0" marR="0" lvl="0" indent="0" algn="ctr" defTabSz="914400" rtl="0" eaLnBrk="0" fontAlgn="base" latinLnBrk="0" hangingPunct="0">
+              <a:lnSpc>
+                <a:spcPct val="100000"/>
+              </a:lnSpc>
+              <a:spcBef>
+                <a:spcPct val="0"/>
+              </a:spcBef>
+              <a:spcAft>
+                <a:spcPct val="0"/>
+              </a:spcAft>
+              <a:buClrTx/>
+              <a:buSzTx/>
+              <a:buFontTx/>
+              <a:buNone/>
+              <a:tabLst/>
+            </a:pPr>
+            <a:r>
+              <a:rPr kumimoji="0" lang="en-GB" altLang="en-US" sz="1000" b="0" i="0" u="none" strike="noStrike" cap="none" normalizeH="0" baseline="0" smtClean="0">
+                <a:ln>
+                  <a:noFill/>
+                </a:ln>
+                <a:solidFill>
+                  <a:srgbClr val="000000"/>
+                </a:solidFill>
+                <a:effectLst/>
+                <a:latin typeface="Times New Roman" panose="02020603050405020304" pitchFamily="18" charset="0"/>
+              </a:rPr>
+              <a:t>Propagate to next cell in each direction</a:t>
+            </a:r>
+            <a:endParaRPr kumimoji="0" lang="en-US" altLang="en-US" sz="1800" b="0" i="0" u="none" strike="noStrike" cap="none" normalizeH="0" baseline="0" smtClean="0">
+              <a:ln>
+                <a:noFill/>
+              </a:ln>
+              <a:solidFill>
+                <a:schemeClr val="tx1"/>
+              </a:solidFill>
+              <a:effectLst/>
+              <a:latin typeface="Arial" panose="020B0604020202020204" pitchFamily="34" charset="0"/>
+            </a:endParaRPr>
+          </a:p>
+        </p:txBody>
+      </p:sp>
+      <p:sp>
+        <p:nvSpPr>
+          <p:cNvPr id="12" name="AutoShape 6"/>
+          <p:cNvSpPr>
+            <a:spLocks noChangeArrowheads="1"/>
+          </p:cNvSpPr>
+          <p:nvPr/>
+        </p:nvSpPr>
+        <p:spPr bwMode="auto">
+          <a:xfrm>
+            <a:off x="2029580" y="5509164"/>
+            <a:ext cx="1609725" cy="1073150"/>
+          </a:xfrm>
+          <a:prstGeom prst="flowChartDecision">
+            <a:avLst/>
+          </a:prstGeom>
+          <a:solidFill>
+            <a:srgbClr val="F7DAF2"/>
+          </a:solidFill>
+          <a:ln>
+            <a:noFill/>
+          </a:ln>
+          <a:effectLst/>
+          <a:extLst>
+            <a:ext uri="{91240B29-F687-4F45-9708-019B960494DF}">
+              <a14:hiddenLine xmlns:a14="http://schemas.microsoft.com/office/drawing/2010/main" w="25400" algn="ctr">
+                <a:solidFill>
+                  <a:srgbClr val="000000"/>
+                </a:solidFill>
+                <a:miter lim="800000"/>
+                <a:headEnd/>
+                <a:tailEnd/>
+              </a14:hiddenLine>
+            </a:ext>
+            <a:ext uri="{AF507438-7753-43E0-B8FC-AC1667EBCBE1}">
+              <a14:hiddenEffects xmlns:a14="http://schemas.microsoft.com/office/drawing/2010/main">
+                <a:effectLst>
+                  <a:outerShdw dist="35921" dir="2700000" algn="ctr" rotWithShape="0">
+                    <a:srgbClr val="CCCCCC"/>
+                  </a:outerShdw>
+                </a:effectLst>
+              </a14:hiddenEffects>
+            </a:ext>
+          </a:extLst>
+        </p:spPr>
+        <p:txBody>
+          <a:bodyPr vert="horz" wrap="square" lIns="36576" tIns="36576" rIns="36576" bIns="36576" numCol="1" anchor="t" anchorCtr="0" compatLnSpc="1">
+            <a:prstTxWarp prst="textNoShape">
+              <a:avLst/>
+            </a:prstTxWarp>
+          </a:bodyPr>
+          <a:lstStyle/>
+          <a:p>
+            <a:pPr marL="0" marR="0" lvl="0" indent="0" algn="ctr" defTabSz="914400" rtl="0" eaLnBrk="0" fontAlgn="base" latinLnBrk="0" hangingPunct="0">
+              <a:lnSpc>
+                <a:spcPct val="100000"/>
+              </a:lnSpc>
+              <a:spcBef>
+                <a:spcPct val="0"/>
+              </a:spcBef>
+              <a:spcAft>
+                <a:spcPct val="0"/>
+              </a:spcAft>
+              <a:buClrTx/>
+              <a:buSzTx/>
+              <a:buFontTx/>
+              <a:buNone/>
+              <a:tabLst/>
+            </a:pPr>
+            <a:r>
+              <a:rPr kumimoji="0" lang="en-GB" altLang="en-US" sz="1000" b="0" i="0" u="none" strike="noStrike" cap="none" normalizeH="0" baseline="0" dirty="0" smtClean="0">
+                <a:ln>
+                  <a:noFill/>
+                </a:ln>
+                <a:solidFill>
+                  <a:srgbClr val="000000"/>
+                </a:solidFill>
+                <a:effectLst/>
+                <a:latin typeface="Times New Roman" panose="02020603050405020304" pitchFamily="18" charset="0"/>
+              </a:rPr>
+              <a:t>Is J &lt; number of columns</a:t>
+            </a:r>
+            <a:endParaRPr kumimoji="0" lang="en-US" altLang="en-US" sz="1800" b="0" i="0" u="none" strike="noStrike" cap="none" normalizeH="0" baseline="0" dirty="0" smtClean="0">
+              <a:ln>
+                <a:noFill/>
+              </a:ln>
+              <a:solidFill>
+                <a:schemeClr val="tx1"/>
+              </a:solidFill>
+              <a:effectLst/>
+              <a:latin typeface="Arial" panose="020B0604020202020204" pitchFamily="34" charset="0"/>
+            </a:endParaRPr>
+          </a:p>
+        </p:txBody>
+      </p:sp>
+      <p:sp>
+        <p:nvSpPr>
+          <p:cNvPr id="13" name="AutoShape 7"/>
+          <p:cNvSpPr>
+            <a:spLocks noChangeArrowheads="1"/>
+          </p:cNvSpPr>
+          <p:nvPr/>
+        </p:nvSpPr>
+        <p:spPr bwMode="auto">
+          <a:xfrm>
+            <a:off x="8343069" y="1637507"/>
+            <a:ext cx="1609725" cy="1073150"/>
+          </a:xfrm>
+          <a:prstGeom prst="flowChartDecision">
+            <a:avLst/>
+          </a:prstGeom>
+          <a:solidFill>
+            <a:srgbClr val="F7DAF2"/>
+          </a:solidFill>
+          <a:ln>
+            <a:noFill/>
+          </a:ln>
+          <a:effectLst/>
+          <a:extLst>
+            <a:ext uri="{91240B29-F687-4F45-9708-019B960494DF}">
+              <a14:hiddenLine xmlns:a14="http://schemas.microsoft.com/office/drawing/2010/main" w="25400" algn="ctr">
+                <a:solidFill>
+                  <a:srgbClr val="000000"/>
+                </a:solidFill>
+                <a:miter lim="800000"/>
+                <a:headEnd/>
+                <a:tailEnd/>
+              </a14:hiddenLine>
+            </a:ext>
+            <a:ext uri="{AF507438-7753-43E0-B8FC-AC1667EBCBE1}">
+              <a14:hiddenEffects xmlns:a14="http://schemas.microsoft.com/office/drawing/2010/main">
+                <a:effectLst>
+                  <a:outerShdw dist="35921" dir="2700000" algn="ctr" rotWithShape="0">
+                    <a:srgbClr val="CCCCCC"/>
+                  </a:outerShdw>
+                </a:effectLst>
+              </a14:hiddenEffects>
+            </a:ext>
+          </a:extLst>
+        </p:spPr>
+        <p:txBody>
+          <a:bodyPr vert="horz" wrap="square" lIns="36576" tIns="36576" rIns="36576" bIns="36576" numCol="1" anchor="t" anchorCtr="0" compatLnSpc="1">
+            <a:prstTxWarp prst="textNoShape">
+              <a:avLst/>
+            </a:prstTxWarp>
+          </a:bodyPr>
+          <a:lstStyle/>
+          <a:p>
+            <a:pPr marL="0" marR="0" lvl="0" indent="0" algn="ctr" defTabSz="914400" rtl="0" eaLnBrk="0" fontAlgn="base" latinLnBrk="0" hangingPunct="0">
+              <a:lnSpc>
+                <a:spcPct val="100000"/>
+              </a:lnSpc>
+              <a:spcBef>
+                <a:spcPct val="0"/>
+              </a:spcBef>
+              <a:spcAft>
+                <a:spcPct val="0"/>
+              </a:spcAft>
+              <a:buClrTx/>
+              <a:buSzTx/>
+              <a:buFontTx/>
+              <a:buNone/>
+              <a:tabLst/>
+            </a:pPr>
+            <a:r>
+              <a:rPr kumimoji="0" lang="en-GB" altLang="en-US" sz="1000" b="0" i="0" u="none" strike="noStrike" cap="none" normalizeH="0" baseline="0" dirty="0" smtClean="0">
+                <a:ln>
+                  <a:noFill/>
+                </a:ln>
+                <a:solidFill>
+                  <a:srgbClr val="000000"/>
+                </a:solidFill>
+                <a:effectLst/>
+                <a:latin typeface="Times New Roman" panose="02020603050405020304" pitchFamily="18" charset="0"/>
+              </a:rPr>
+              <a:t>Is I</a:t>
+            </a:r>
+            <a:r>
+              <a:rPr lang="en-GB" altLang="en-US" sz="1000" dirty="0" smtClean="0">
+                <a:solidFill>
+                  <a:srgbClr val="000000"/>
+                </a:solidFill>
+                <a:latin typeface="Times New Roman" panose="02020603050405020304" pitchFamily="18" charset="0"/>
+              </a:rPr>
+              <a:t> &lt;</a:t>
+            </a:r>
+            <a:r>
+              <a:rPr kumimoji="0" lang="en-GB" altLang="en-US" sz="1000" b="0" i="0" u="none" strike="noStrike" cap="none" normalizeH="0" baseline="0" dirty="0" smtClean="0">
+                <a:ln>
+                  <a:noFill/>
+                </a:ln>
+                <a:solidFill>
+                  <a:srgbClr val="000000"/>
+                </a:solidFill>
+                <a:effectLst/>
+                <a:latin typeface="Times New Roman" panose="02020603050405020304" pitchFamily="18" charset="0"/>
+              </a:rPr>
+              <a:t> number of rows</a:t>
+            </a:r>
+            <a:endParaRPr kumimoji="0" lang="en-US" altLang="en-US" sz="1800" b="0" i="0" u="none" strike="noStrike" cap="none" normalizeH="0" baseline="0" dirty="0" smtClean="0">
+              <a:ln>
+                <a:noFill/>
+              </a:ln>
+              <a:solidFill>
+                <a:schemeClr val="tx1"/>
+              </a:solidFill>
+              <a:effectLst/>
+              <a:latin typeface="Arial" panose="020B0604020202020204" pitchFamily="34" charset="0"/>
+            </a:endParaRPr>
+          </a:p>
+        </p:txBody>
+      </p:sp>
+      <p:sp>
+        <p:nvSpPr>
+          <p:cNvPr id="14" name="AutoShape 8"/>
+          <p:cNvSpPr>
+            <a:spLocks noChangeArrowheads="1"/>
+          </p:cNvSpPr>
+          <p:nvPr/>
+        </p:nvSpPr>
+        <p:spPr bwMode="auto">
+          <a:xfrm>
+            <a:off x="8350214" y="2915982"/>
+            <a:ext cx="1609725" cy="1073150"/>
+          </a:xfrm>
+          <a:prstGeom prst="flowChartDecision">
+            <a:avLst/>
+          </a:prstGeom>
+          <a:solidFill>
+            <a:srgbClr val="F7DAF2"/>
+          </a:solidFill>
+          <a:ln>
+            <a:noFill/>
+          </a:ln>
+          <a:effectLst/>
+          <a:extLst>
+            <a:ext uri="{91240B29-F687-4F45-9708-019B960494DF}">
+              <a14:hiddenLine xmlns:a14="http://schemas.microsoft.com/office/drawing/2010/main" w="25400" algn="ctr">
+                <a:solidFill>
+                  <a:srgbClr val="000000"/>
+                </a:solidFill>
+                <a:miter lim="800000"/>
+                <a:headEnd/>
+                <a:tailEnd/>
+              </a14:hiddenLine>
+            </a:ext>
+            <a:ext uri="{AF507438-7753-43E0-B8FC-AC1667EBCBE1}">
+              <a14:hiddenEffects xmlns:a14="http://schemas.microsoft.com/office/drawing/2010/main">
+                <a:effectLst>
+                  <a:outerShdw dist="35921" dir="2700000" algn="ctr" rotWithShape="0">
+                    <a:srgbClr val="CCCCCC"/>
+                  </a:outerShdw>
+                </a:effectLst>
+              </a14:hiddenEffects>
+            </a:ext>
+          </a:extLst>
+        </p:spPr>
+        <p:txBody>
+          <a:bodyPr vert="horz" wrap="square" lIns="36576" tIns="36576" rIns="36576" bIns="36576" numCol="1" anchor="t" anchorCtr="0" compatLnSpc="1">
+            <a:prstTxWarp prst="textNoShape">
+              <a:avLst/>
+            </a:prstTxWarp>
+          </a:bodyPr>
+          <a:lstStyle/>
+          <a:p>
+            <a:pPr marL="0" marR="0" lvl="0" indent="0" algn="ctr" defTabSz="914400" rtl="0" eaLnBrk="0" fontAlgn="base" latinLnBrk="0" hangingPunct="0">
+              <a:lnSpc>
+                <a:spcPct val="100000"/>
+              </a:lnSpc>
+              <a:spcBef>
+                <a:spcPct val="0"/>
+              </a:spcBef>
+              <a:spcAft>
+                <a:spcPct val="0"/>
+              </a:spcAft>
+              <a:buClrTx/>
+              <a:buSzTx/>
+              <a:buFontTx/>
+              <a:buNone/>
+              <a:tabLst/>
+            </a:pPr>
+            <a:r>
+              <a:rPr kumimoji="0" lang="en-GB" altLang="en-US" sz="1000" b="0" i="0" u="none" strike="noStrike" cap="none" normalizeH="0" baseline="0" dirty="0" smtClean="0">
+                <a:ln>
+                  <a:noFill/>
+                </a:ln>
+                <a:solidFill>
+                  <a:srgbClr val="000000"/>
+                </a:solidFill>
+                <a:effectLst/>
+                <a:latin typeface="Times New Roman" panose="02020603050405020304" pitchFamily="18" charset="0"/>
+              </a:rPr>
+              <a:t>Is t &lt; number of time-steps</a:t>
+            </a:r>
+            <a:endParaRPr kumimoji="0" lang="en-US" altLang="en-US" sz="1800" b="0" i="0" u="none" strike="noStrike" cap="none" normalizeH="0" baseline="0" dirty="0" smtClean="0">
+              <a:ln>
+                <a:noFill/>
+              </a:ln>
+              <a:solidFill>
+                <a:schemeClr val="tx1"/>
+              </a:solidFill>
+              <a:effectLst/>
+              <a:latin typeface="Arial" panose="020B0604020202020204" pitchFamily="34" charset="0"/>
+            </a:endParaRPr>
+          </a:p>
+        </p:txBody>
+      </p:sp>
+      <p:sp>
+        <p:nvSpPr>
+          <p:cNvPr id="15" name="Rectangle 9"/>
+          <p:cNvSpPr>
+            <a:spLocks noChangeArrowheads="1"/>
+          </p:cNvSpPr>
+          <p:nvPr/>
+        </p:nvSpPr>
+        <p:spPr bwMode="auto">
+          <a:xfrm>
+            <a:off x="8077164" y="4205032"/>
+            <a:ext cx="2159000" cy="630238"/>
+          </a:xfrm>
+          <a:prstGeom prst="rect">
+            <a:avLst/>
+          </a:prstGeom>
+          <a:solidFill>
+            <a:srgbClr val="FFF0B2"/>
+          </a:solidFill>
+          <a:ln>
+            <a:noFill/>
+          </a:ln>
+          <a:effectLst/>
+          <a:extLst>
+            <a:ext uri="{91240B29-F687-4F45-9708-019B960494DF}">
+              <a14:hiddenLine xmlns:a14="http://schemas.microsoft.com/office/drawing/2010/main" w="25400" algn="ctr">
+                <a:solidFill>
+                  <a:srgbClr val="000000"/>
+                </a:solidFill>
+                <a:miter lim="800000"/>
+                <a:headEnd/>
+                <a:tailEnd/>
+              </a14:hiddenLine>
+            </a:ext>
+            <a:ext uri="{AF507438-7753-43E0-B8FC-AC1667EBCBE1}">
+              <a14:hiddenEffects xmlns:a14="http://schemas.microsoft.com/office/drawing/2010/main">
+                <a:effectLst>
+                  <a:outerShdw dist="35921" dir="2700000" algn="ctr" rotWithShape="0">
+                    <a:srgbClr val="CCCCCC"/>
+                  </a:outerShdw>
+                </a:effectLst>
+              </a14:hiddenEffects>
+            </a:ext>
+          </a:extLst>
+        </p:spPr>
+        <p:txBody>
+          <a:bodyPr vert="horz" wrap="square" lIns="36576" tIns="36576" rIns="36576" bIns="36576" numCol="1" anchor="t" anchorCtr="0" compatLnSpc="1">
+            <a:prstTxWarp prst="textNoShape">
+              <a:avLst/>
+            </a:prstTxWarp>
+          </a:bodyPr>
+          <a:lstStyle/>
+          <a:p>
+            <a:pPr marL="0" marR="0" lvl="0" indent="0" algn="ctr" defTabSz="914400" rtl="0" eaLnBrk="0" fontAlgn="base" latinLnBrk="0" hangingPunct="0">
+              <a:lnSpc>
+                <a:spcPct val="100000"/>
+              </a:lnSpc>
+              <a:spcBef>
+                <a:spcPct val="0"/>
+              </a:spcBef>
+              <a:spcAft>
+                <a:spcPct val="0"/>
+              </a:spcAft>
+              <a:buClrTx/>
+              <a:buSzTx/>
+              <a:buFontTx/>
+              <a:buNone/>
+              <a:tabLst/>
+            </a:pPr>
+            <a:r>
+              <a:rPr kumimoji="0" lang="en-GB" altLang="en-US" sz="1000" b="0" i="0" u="none" strike="noStrike" cap="none" normalizeH="0" baseline="0" smtClean="0">
+                <a:ln>
+                  <a:noFill/>
+                </a:ln>
+                <a:solidFill>
+                  <a:srgbClr val="000000"/>
+                </a:solidFill>
+                <a:effectLst/>
+                <a:latin typeface="Times New Roman" panose="02020603050405020304" pitchFamily="18" charset="0"/>
+              </a:rPr>
+              <a:t>Average the velocity over subdomains</a:t>
+            </a:r>
+            <a:endParaRPr kumimoji="0" lang="en-US" altLang="en-US" sz="1800" b="0" i="0" u="none" strike="noStrike" cap="none" normalizeH="0" baseline="0" smtClean="0">
+              <a:ln>
+                <a:noFill/>
+              </a:ln>
+              <a:solidFill>
+                <a:schemeClr val="tx1"/>
+              </a:solidFill>
+              <a:effectLst/>
+              <a:latin typeface="Arial" panose="020B0604020202020204" pitchFamily="34" charset="0"/>
+            </a:endParaRPr>
+          </a:p>
+        </p:txBody>
+      </p:sp>
+      <p:sp>
+        <p:nvSpPr>
+          <p:cNvPr id="16" name="AutoShape 10"/>
+          <p:cNvSpPr>
+            <a:spLocks noChangeArrowheads="1"/>
+          </p:cNvSpPr>
+          <p:nvPr/>
+        </p:nvSpPr>
+        <p:spPr bwMode="auto">
+          <a:xfrm>
+            <a:off x="7524714" y="5025770"/>
+            <a:ext cx="3246437" cy="966787"/>
+          </a:xfrm>
+          <a:prstGeom prst="parallelogram">
+            <a:avLst>
+              <a:gd name="adj" fmla="val 83949"/>
+            </a:avLst>
+          </a:prstGeom>
+          <a:solidFill>
+            <a:srgbClr val="B2E8FB"/>
+          </a:solidFill>
+          <a:ln>
+            <a:noFill/>
+          </a:ln>
+          <a:effectLst/>
+          <a:extLst>
+            <a:ext uri="{91240B29-F687-4F45-9708-019B960494DF}">
+              <a14:hiddenLine xmlns:a14="http://schemas.microsoft.com/office/drawing/2010/main" w="25400" algn="ctr">
+                <a:solidFill>
+                  <a:srgbClr val="000000"/>
+                </a:solidFill>
+                <a:miter lim="800000"/>
+                <a:headEnd/>
+                <a:tailEnd/>
+              </a14:hiddenLine>
+            </a:ext>
+            <a:ext uri="{AF507438-7753-43E0-B8FC-AC1667EBCBE1}">
+              <a14:hiddenEffects xmlns:a14="http://schemas.microsoft.com/office/drawing/2010/main">
+                <a:effectLst>
+                  <a:outerShdw dist="35921" dir="2700000" algn="ctr" rotWithShape="0">
+                    <a:srgbClr val="CCCCCC"/>
+                  </a:outerShdw>
+                </a:effectLst>
+              </a14:hiddenEffects>
+            </a:ext>
+          </a:extLst>
+        </p:spPr>
+        <p:txBody>
+          <a:bodyPr vert="horz" wrap="square" lIns="36576" tIns="36576" rIns="36576" bIns="36576" numCol="1" anchor="t" anchorCtr="0" compatLnSpc="1">
+            <a:prstTxWarp prst="textNoShape">
+              <a:avLst/>
+            </a:prstTxWarp>
+          </a:bodyPr>
+          <a:lstStyle/>
+          <a:p>
+            <a:pPr marL="0" marR="0" lvl="0" indent="0" algn="ctr" defTabSz="914400" rtl="0" eaLnBrk="0" fontAlgn="base" latinLnBrk="0" hangingPunct="0">
+              <a:lnSpc>
+                <a:spcPct val="100000"/>
+              </a:lnSpc>
+              <a:spcBef>
+                <a:spcPct val="0"/>
+              </a:spcBef>
+              <a:spcAft>
+                <a:spcPct val="0"/>
+              </a:spcAft>
+              <a:buClrTx/>
+              <a:buSzTx/>
+              <a:buFontTx/>
+              <a:buNone/>
+              <a:tabLst/>
+            </a:pPr>
+            <a:r>
+              <a:rPr kumimoji="0" lang="en-GB" altLang="en-US" sz="1000" b="0" i="0" u="none" strike="noStrike" cap="none" normalizeH="0" baseline="0" smtClean="0">
+                <a:ln>
+                  <a:noFill/>
+                </a:ln>
+                <a:solidFill>
+                  <a:srgbClr val="000000"/>
+                </a:solidFill>
+                <a:effectLst/>
+                <a:latin typeface="Times New Roman" panose="02020603050405020304" pitchFamily="18" charset="0"/>
+              </a:rPr>
+              <a:t>Velocity vector graph</a:t>
+            </a:r>
+          </a:p>
+          <a:p>
+            <a:pPr marL="0" marR="0" lvl="0" indent="0" algn="ctr" defTabSz="914400" rtl="0" eaLnBrk="0" fontAlgn="base" latinLnBrk="0" hangingPunct="0">
+              <a:lnSpc>
+                <a:spcPct val="100000"/>
+              </a:lnSpc>
+              <a:spcBef>
+                <a:spcPct val="0"/>
+              </a:spcBef>
+              <a:spcAft>
+                <a:spcPct val="0"/>
+              </a:spcAft>
+              <a:buClrTx/>
+              <a:buSzTx/>
+              <a:buFontTx/>
+              <a:buNone/>
+              <a:tabLst/>
+            </a:pPr>
+            <a:r>
+              <a:rPr kumimoji="0" lang="en-GB" altLang="en-US" sz="1000" b="0" i="0" u="none" strike="noStrike" cap="none" normalizeH="0" baseline="0" smtClean="0">
+                <a:ln>
+                  <a:noFill/>
+                </a:ln>
+                <a:solidFill>
+                  <a:srgbClr val="000000"/>
+                </a:solidFill>
+                <a:effectLst/>
+                <a:latin typeface="Times New Roman" panose="02020603050405020304" pitchFamily="18" charset="0"/>
+              </a:rPr>
+              <a:t>Contour of particles number</a:t>
+            </a:r>
+            <a:endParaRPr kumimoji="0" lang="en-US" altLang="en-US" sz="1800" b="0" i="0" u="none" strike="noStrike" cap="none" normalizeH="0" baseline="0" smtClean="0">
+              <a:ln>
+                <a:noFill/>
+              </a:ln>
+              <a:solidFill>
+                <a:schemeClr val="tx1"/>
+              </a:solidFill>
+              <a:effectLst/>
+              <a:latin typeface="Arial" panose="020B0604020202020204" pitchFamily="34" charset="0"/>
+            </a:endParaRPr>
+          </a:p>
+        </p:txBody>
+      </p:sp>
+      <p:cxnSp>
+        <p:nvCxnSpPr>
+          <p:cNvPr id="17" name="AutoShape 11"/>
+          <p:cNvCxnSpPr>
+            <a:cxnSpLocks noChangeShapeType="1"/>
+          </p:cNvCxnSpPr>
+          <p:nvPr/>
+        </p:nvCxnSpPr>
+        <p:spPr bwMode="auto">
+          <a:xfrm>
+            <a:off x="2828092" y="2178589"/>
+            <a:ext cx="6350" cy="204788"/>
+          </a:xfrm>
+          <a:prstGeom prst="straightConnector1">
+            <a:avLst/>
+          </a:prstGeom>
+          <a:noFill/>
+          <a:ln w="25400">
+            <a:solidFill>
+              <a:srgbClr val="000000"/>
+            </a:solidFill>
+            <a:round/>
+            <a:headEnd/>
+            <a:tailEnd type="triangle" w="med" len="med"/>
+          </a:ln>
+          <a:effectLst/>
+          <a:extLst>
+            <a:ext uri="{909E8E84-426E-40DD-AFC4-6F175D3DCCD1}">
+              <a14:hiddenFill xmlns:a14="http://schemas.microsoft.com/office/drawing/2010/main">
+                <a:noFill/>
+              </a14:hiddenFill>
+            </a:ext>
+            <a:ext uri="{AF507438-7753-43E0-B8FC-AC1667EBCBE1}">
+              <a14:hiddenEffects xmlns:a14="http://schemas.microsoft.com/office/drawing/2010/main">
+                <a:effectLst>
+                  <a:outerShdw dist="35921" dir="2700000" algn="ctr" rotWithShape="0">
+                    <a:srgbClr val="CCCCCC"/>
+                  </a:outerShdw>
+                </a:effectLst>
+              </a14:hiddenEffects>
+            </a:ext>
+          </a:extLst>
+        </p:spPr>
+      </p:cxnSp>
+      <p:cxnSp>
+        <p:nvCxnSpPr>
+          <p:cNvPr id="18" name="AutoShape 12"/>
+          <p:cNvCxnSpPr>
+            <a:cxnSpLocks noChangeShapeType="1"/>
+          </p:cNvCxnSpPr>
+          <p:nvPr/>
+        </p:nvCxnSpPr>
+        <p:spPr bwMode="auto">
+          <a:xfrm>
+            <a:off x="2840792" y="3689889"/>
+            <a:ext cx="6350" cy="430213"/>
+          </a:xfrm>
+          <a:prstGeom prst="straightConnector1">
+            <a:avLst/>
+          </a:prstGeom>
+          <a:noFill/>
+          <a:ln w="25400" algn="ctr">
+            <a:solidFill>
+              <a:srgbClr val="000000"/>
+            </a:solidFill>
+            <a:round/>
+            <a:headEnd/>
+            <a:tailEnd type="triangle" w="med" len="med"/>
+          </a:ln>
+          <a:effectLst/>
+          <a:extLst>
+            <a:ext uri="{909E8E84-426E-40DD-AFC4-6F175D3DCCD1}">
+              <a14:hiddenFill xmlns:a14="http://schemas.microsoft.com/office/drawing/2010/main">
+                <a:noFill/>
+              </a14:hiddenFill>
+            </a:ext>
+            <a:ext uri="{AF507438-7753-43E0-B8FC-AC1667EBCBE1}">
+              <a14:hiddenEffects xmlns:a14="http://schemas.microsoft.com/office/drawing/2010/main">
+                <a:effectLst>
+                  <a:outerShdw dist="35921" dir="2700000" algn="ctr" rotWithShape="0">
+                    <a:srgbClr val="CCCCCC"/>
+                  </a:outerShdw>
+                </a:effectLst>
+              </a14:hiddenEffects>
+            </a:ext>
+          </a:extLst>
+        </p:spPr>
+      </p:cxnSp>
+      <p:cxnSp>
+        <p:nvCxnSpPr>
+          <p:cNvPr id="19" name="AutoShape 13"/>
+          <p:cNvCxnSpPr>
+            <a:cxnSpLocks noChangeShapeType="1"/>
+          </p:cNvCxnSpPr>
+          <p:nvPr/>
+        </p:nvCxnSpPr>
+        <p:spPr bwMode="auto">
+          <a:xfrm>
+            <a:off x="2840792" y="5293264"/>
+            <a:ext cx="1588" cy="192088"/>
+          </a:xfrm>
+          <a:prstGeom prst="straightConnector1">
+            <a:avLst/>
+          </a:prstGeom>
+          <a:noFill/>
+          <a:ln w="25400" algn="ctr">
+            <a:solidFill>
+              <a:srgbClr val="000000"/>
+            </a:solidFill>
+            <a:round/>
+            <a:headEnd/>
+            <a:tailEnd type="triangle" w="med" len="med"/>
+          </a:ln>
+          <a:effectLst/>
+          <a:extLst>
+            <a:ext uri="{909E8E84-426E-40DD-AFC4-6F175D3DCCD1}">
+              <a14:hiddenFill xmlns:a14="http://schemas.microsoft.com/office/drawing/2010/main">
+                <a:noFill/>
+              </a14:hiddenFill>
+            </a:ext>
+            <a:ext uri="{AF507438-7753-43E0-B8FC-AC1667EBCBE1}">
+              <a14:hiddenEffects xmlns:a14="http://schemas.microsoft.com/office/drawing/2010/main">
+                <a:effectLst>
+                  <a:outerShdw dist="35921" dir="2700000" algn="ctr" rotWithShape="0">
+                    <a:srgbClr val="CCCCCC"/>
+                  </a:outerShdw>
+                </a:effectLst>
+              </a14:hiddenEffects>
+            </a:ext>
+          </a:extLst>
+        </p:spPr>
+      </p:cxnSp>
+      <p:cxnSp>
+        <p:nvCxnSpPr>
+          <p:cNvPr id="20" name="AutoShape 14"/>
+          <p:cNvCxnSpPr>
+            <a:cxnSpLocks noChangeShapeType="1"/>
+          </p:cNvCxnSpPr>
+          <p:nvPr/>
+        </p:nvCxnSpPr>
+        <p:spPr bwMode="auto">
+          <a:xfrm>
+            <a:off x="2842380" y="6545802"/>
+            <a:ext cx="0" cy="312198"/>
+          </a:xfrm>
+          <a:prstGeom prst="straightConnector1">
+            <a:avLst/>
+          </a:prstGeom>
+          <a:noFill/>
+          <a:ln w="25400" algn="ctr">
+            <a:solidFill>
+              <a:srgbClr val="000000"/>
+            </a:solidFill>
+            <a:round/>
+            <a:headEnd/>
+            <a:tailEnd type="triangle" w="med" len="med"/>
+          </a:ln>
+          <a:effectLst/>
+          <a:extLst>
+            <a:ext uri="{909E8E84-426E-40DD-AFC4-6F175D3DCCD1}">
+              <a14:hiddenFill xmlns:a14="http://schemas.microsoft.com/office/drawing/2010/main">
+                <a:noFill/>
+              </a14:hiddenFill>
+            </a:ext>
+            <a:ext uri="{AF507438-7753-43E0-B8FC-AC1667EBCBE1}">
+              <a14:hiddenEffects xmlns:a14="http://schemas.microsoft.com/office/drawing/2010/main">
+                <a:effectLst>
+                  <a:outerShdw dist="35921" dir="2700000" algn="ctr" rotWithShape="0">
+                    <a:srgbClr val="CCCCCC"/>
+                  </a:outerShdw>
+                </a:effectLst>
+              </a14:hiddenEffects>
+            </a:ext>
+          </a:extLst>
+        </p:spPr>
+      </p:cxnSp>
+      <p:cxnSp>
+        <p:nvCxnSpPr>
+          <p:cNvPr id="21" name="AutoShape 15"/>
+          <p:cNvCxnSpPr>
+            <a:cxnSpLocks noChangeShapeType="1"/>
+          </p:cNvCxnSpPr>
+          <p:nvPr/>
+        </p:nvCxnSpPr>
+        <p:spPr bwMode="auto">
+          <a:xfrm flipH="1">
+            <a:off x="9147932" y="2682082"/>
+            <a:ext cx="7144" cy="233900"/>
+          </a:xfrm>
+          <a:prstGeom prst="straightConnector1">
+            <a:avLst/>
+          </a:prstGeom>
+          <a:noFill/>
+          <a:ln w="25400" algn="ctr">
+            <a:solidFill>
+              <a:srgbClr val="000000"/>
+            </a:solidFill>
+            <a:round/>
+            <a:headEnd/>
+            <a:tailEnd type="triangle" w="med" len="med"/>
+          </a:ln>
+          <a:effectLst/>
+          <a:extLst>
+            <a:ext uri="{909E8E84-426E-40DD-AFC4-6F175D3DCCD1}">
+              <a14:hiddenFill xmlns:a14="http://schemas.microsoft.com/office/drawing/2010/main">
+                <a:noFill/>
+              </a14:hiddenFill>
+            </a:ext>
+            <a:ext uri="{AF507438-7753-43E0-B8FC-AC1667EBCBE1}">
+              <a14:hiddenEffects xmlns:a14="http://schemas.microsoft.com/office/drawing/2010/main">
+                <a:effectLst>
+                  <a:outerShdw dist="35921" dir="2700000" algn="ctr" rotWithShape="0">
+                    <a:srgbClr val="CCCCCC"/>
+                  </a:outerShdw>
+                </a:effectLst>
+              </a14:hiddenEffects>
+            </a:ext>
+          </a:extLst>
+        </p:spPr>
+      </p:cxnSp>
+      <p:cxnSp>
+        <p:nvCxnSpPr>
+          <p:cNvPr id="22" name="AutoShape 16"/>
+          <p:cNvCxnSpPr>
+            <a:cxnSpLocks noChangeShapeType="1"/>
+          </p:cNvCxnSpPr>
+          <p:nvPr/>
+        </p:nvCxnSpPr>
+        <p:spPr bwMode="auto">
+          <a:xfrm>
+            <a:off x="9161426" y="3989132"/>
+            <a:ext cx="1588" cy="211138"/>
+          </a:xfrm>
+          <a:prstGeom prst="straightConnector1">
+            <a:avLst/>
+          </a:prstGeom>
+          <a:noFill/>
+          <a:ln w="25400" algn="ctr">
+            <a:solidFill>
+              <a:srgbClr val="000000"/>
+            </a:solidFill>
+            <a:round/>
+            <a:headEnd/>
+            <a:tailEnd type="triangle" w="med" len="med"/>
+          </a:ln>
+          <a:effectLst/>
+          <a:extLst>
+            <a:ext uri="{909E8E84-426E-40DD-AFC4-6F175D3DCCD1}">
+              <a14:hiddenFill xmlns:a14="http://schemas.microsoft.com/office/drawing/2010/main">
+                <a:noFill/>
+              </a14:hiddenFill>
+            </a:ext>
+            <a:ext uri="{AF507438-7753-43E0-B8FC-AC1667EBCBE1}">
+              <a14:hiddenEffects xmlns:a14="http://schemas.microsoft.com/office/drawing/2010/main">
+                <a:effectLst>
+                  <a:outerShdw dist="35921" dir="2700000" algn="ctr" rotWithShape="0">
+                    <a:srgbClr val="CCCCCC"/>
+                  </a:outerShdw>
+                </a:effectLst>
+              </a14:hiddenEffects>
+            </a:ext>
+          </a:extLst>
+        </p:spPr>
+      </p:cxnSp>
+      <p:cxnSp>
+        <p:nvCxnSpPr>
+          <p:cNvPr id="23" name="AutoShape 17"/>
+          <p:cNvCxnSpPr>
+            <a:cxnSpLocks noChangeShapeType="1"/>
+          </p:cNvCxnSpPr>
+          <p:nvPr/>
+        </p:nvCxnSpPr>
+        <p:spPr bwMode="auto">
+          <a:xfrm>
+            <a:off x="9131264" y="4814632"/>
+            <a:ext cx="1587" cy="211138"/>
+          </a:xfrm>
+          <a:prstGeom prst="straightConnector1">
+            <a:avLst/>
+          </a:prstGeom>
+          <a:noFill/>
+          <a:ln w="25400" algn="ctr">
+            <a:solidFill>
+              <a:srgbClr val="000000"/>
+            </a:solidFill>
+            <a:round/>
+            <a:headEnd/>
+            <a:tailEnd type="triangle" w="med" len="med"/>
+          </a:ln>
+          <a:effectLst/>
+          <a:extLst>
+            <a:ext uri="{909E8E84-426E-40DD-AFC4-6F175D3DCCD1}">
+              <a14:hiddenFill xmlns:a14="http://schemas.microsoft.com/office/drawing/2010/main">
+                <a:noFill/>
+              </a14:hiddenFill>
+            </a:ext>
+            <a:ext uri="{AF507438-7753-43E0-B8FC-AC1667EBCBE1}">
+              <a14:hiddenEffects xmlns:a14="http://schemas.microsoft.com/office/drawing/2010/main">
+                <a:effectLst>
+                  <a:outerShdw dist="35921" dir="2700000" algn="ctr" rotWithShape="0">
+                    <a:srgbClr val="CCCCCC"/>
+                  </a:outerShdw>
+                </a:effectLst>
+              </a14:hiddenEffects>
+            </a:ext>
+          </a:extLst>
+        </p:spPr>
+      </p:cxnSp>
+      <p:cxnSp>
+        <p:nvCxnSpPr>
+          <p:cNvPr id="24" name="AutoShape 18"/>
+          <p:cNvCxnSpPr>
+            <a:cxnSpLocks noChangeShapeType="1"/>
+          </p:cNvCxnSpPr>
+          <p:nvPr/>
+        </p:nvCxnSpPr>
+        <p:spPr bwMode="auto">
+          <a:xfrm>
+            <a:off x="9131264" y="6029070"/>
+            <a:ext cx="1587" cy="211137"/>
+          </a:xfrm>
+          <a:prstGeom prst="straightConnector1">
+            <a:avLst/>
+          </a:prstGeom>
+          <a:noFill/>
+          <a:ln w="25400" algn="ctr">
+            <a:solidFill>
+              <a:srgbClr val="000000"/>
+            </a:solidFill>
+            <a:round/>
+            <a:headEnd/>
+            <a:tailEnd type="triangle" w="med" len="med"/>
+          </a:ln>
+          <a:effectLst/>
+          <a:extLst>
+            <a:ext uri="{909E8E84-426E-40DD-AFC4-6F175D3DCCD1}">
+              <a14:hiddenFill xmlns:a14="http://schemas.microsoft.com/office/drawing/2010/main">
+                <a:noFill/>
+              </a14:hiddenFill>
+            </a:ext>
+            <a:ext uri="{AF507438-7753-43E0-B8FC-AC1667EBCBE1}">
+              <a14:hiddenEffects xmlns:a14="http://schemas.microsoft.com/office/drawing/2010/main">
+                <a:effectLst>
+                  <a:outerShdw dist="35921" dir="2700000" algn="ctr" rotWithShape="0">
+                    <a:srgbClr val="CCCCCC"/>
+                  </a:outerShdw>
+                </a:effectLst>
+              </a14:hiddenEffects>
+            </a:ext>
+          </a:extLst>
+        </p:spPr>
+      </p:cxnSp>
+      <p:cxnSp>
+        <p:nvCxnSpPr>
+          <p:cNvPr id="25" name="AutoShape 19"/>
+          <p:cNvCxnSpPr>
+            <a:cxnSpLocks noChangeShapeType="1"/>
+            <a:stCxn id="12" idx="3"/>
+          </p:cNvCxnSpPr>
+          <p:nvPr/>
+        </p:nvCxnSpPr>
+        <p:spPr bwMode="auto">
+          <a:xfrm flipH="1" flipV="1">
+            <a:off x="2867781" y="3962940"/>
+            <a:ext cx="771524" cy="2082799"/>
+          </a:xfrm>
+          <a:prstGeom prst="curvedConnector4">
+            <a:avLst>
+              <a:gd name="adj1" fmla="val -122075"/>
+              <a:gd name="adj2" fmla="val 98881"/>
+            </a:avLst>
+          </a:prstGeom>
+          <a:noFill/>
+          <a:ln w="25400">
+            <a:solidFill>
+              <a:srgbClr val="000000"/>
+            </a:solidFill>
+            <a:round/>
+            <a:headEnd/>
+            <a:tailEnd type="triangle" w="med" len="med"/>
+          </a:ln>
+          <a:effectLst/>
+          <a:extLst>
+            <a:ext uri="{909E8E84-426E-40DD-AFC4-6F175D3DCCD1}">
+              <a14:hiddenFill xmlns:a14="http://schemas.microsoft.com/office/drawing/2010/main">
+                <a:noFill/>
+              </a14:hiddenFill>
+            </a:ext>
+            <a:ext uri="{AF507438-7753-43E0-B8FC-AC1667EBCBE1}">
+              <a14:hiddenEffects xmlns:a14="http://schemas.microsoft.com/office/drawing/2010/main">
+                <a:effectLst>
+                  <a:outerShdw dist="35921" dir="2700000" algn="ctr" rotWithShape="0">
+                    <a:srgbClr val="CCCCCC"/>
+                  </a:outerShdw>
+                </a:effectLst>
+              </a14:hiddenEffects>
+            </a:ext>
+          </a:extLst>
+        </p:spPr>
+      </p:cxnSp>
+      <p:cxnSp>
+        <p:nvCxnSpPr>
+          <p:cNvPr id="27" name="AutoShape 21"/>
+          <p:cNvCxnSpPr>
+            <a:cxnSpLocks noChangeShapeType="1"/>
+          </p:cNvCxnSpPr>
+          <p:nvPr/>
+        </p:nvCxnSpPr>
+        <p:spPr bwMode="auto">
+          <a:xfrm rot="10800000" flipV="1">
+            <a:off x="2867784" y="2817412"/>
+            <a:ext cx="6160748" cy="1021699"/>
+          </a:xfrm>
+          <a:prstGeom prst="curvedConnector3">
+            <a:avLst>
+              <a:gd name="adj1" fmla="val 50000"/>
+            </a:avLst>
+          </a:prstGeom>
+          <a:noFill/>
+          <a:ln w="25400" algn="ctr">
+            <a:solidFill>
+              <a:srgbClr val="000000"/>
+            </a:solidFill>
+            <a:round/>
+            <a:headEnd/>
+            <a:tailEnd type="triangle" w="med" len="med"/>
+          </a:ln>
+          <a:effectLst/>
+          <a:extLst>
+            <a:ext uri="{909E8E84-426E-40DD-AFC4-6F175D3DCCD1}">
+              <a14:hiddenFill xmlns:a14="http://schemas.microsoft.com/office/drawing/2010/main">
+                <a:noFill/>
+              </a14:hiddenFill>
+            </a:ext>
+            <a:ext uri="{AF507438-7753-43E0-B8FC-AC1667EBCBE1}">
+              <a14:hiddenEffects xmlns:a14="http://schemas.microsoft.com/office/drawing/2010/main">
+                <a:effectLst>
+                  <a:outerShdw dist="35921" dir="2700000" algn="ctr" rotWithShape="0">
+                    <a:srgbClr val="CCCCCC"/>
+                  </a:outerShdw>
+                </a:effectLst>
+              </a14:hiddenEffects>
+            </a:ext>
+          </a:extLst>
+        </p:spPr>
+      </p:cxnSp>
+      <p:sp>
+        <p:nvSpPr>
+          <p:cNvPr id="28" name="Text Box 22"/>
+          <p:cNvSpPr txBox="1">
+            <a:spLocks noChangeArrowheads="1"/>
+          </p:cNvSpPr>
+          <p:nvPr/>
+        </p:nvSpPr>
+        <p:spPr bwMode="auto">
+          <a:xfrm>
+            <a:off x="8381022" y="2809228"/>
+            <a:ext cx="519112" cy="431800"/>
+          </a:xfrm>
+          <a:prstGeom prst="rect">
+            <a:avLst/>
+          </a:prstGeom>
+          <a:noFill/>
+          <a:ln>
+            <a:noFill/>
+          </a:ln>
+          <a:effectLst/>
+          <a:extLst>
+            <a:ext uri="{909E8E84-426E-40DD-AFC4-6F175D3DCCD1}">
+              <a14:hiddenFill xmlns:a14="http://schemas.microsoft.com/office/drawing/2010/main">
+                <a:solidFill>
+                  <a:srgbClr val="FFFFFF"/>
+                </a:solidFill>
+              </a14:hiddenFill>
+            </a:ext>
+            <a:ext uri="{91240B29-F687-4F45-9708-019B960494DF}">
+              <a14:hiddenLine xmlns:a14="http://schemas.microsoft.com/office/drawing/2010/main" w="25400" algn="ctr">
+                <a:solidFill>
+                  <a:srgbClr val="000000"/>
+                </a:solidFill>
+                <a:miter lim="800000"/>
+                <a:headEnd/>
+                <a:tailEnd/>
+              </a14:hiddenLine>
+            </a:ext>
+            <a:ext uri="{AF507438-7753-43E0-B8FC-AC1667EBCBE1}">
+              <a14:hiddenEffects xmlns:a14="http://schemas.microsoft.com/office/drawing/2010/main">
+                <a:effectLst>
+                  <a:outerShdw dist="35921" dir="2700000" algn="ctr" rotWithShape="0">
+                    <a:srgbClr val="CCCCCC"/>
+                  </a:outerShdw>
+                </a:effectLst>
+              </a14:hiddenEffects>
+            </a:ext>
+          </a:extLst>
+        </p:spPr>
+        <p:txBody>
+          <a:bodyPr vert="horz" wrap="square" lIns="36576" tIns="36576" rIns="36576" bIns="36576" numCol="1" anchor="t" anchorCtr="0" compatLnSpc="1">
+            <a:prstTxWarp prst="textNoShape">
+              <a:avLst/>
+            </a:prstTxWarp>
+          </a:bodyPr>
+          <a:lstStyle/>
+          <a:p>
+            <a:pPr marL="0" marR="0" lvl="0" indent="0" algn="l" defTabSz="914400" rtl="0" eaLnBrk="0" fontAlgn="base" latinLnBrk="0" hangingPunct="0">
+              <a:lnSpc>
+                <a:spcPct val="100000"/>
+              </a:lnSpc>
+              <a:spcBef>
+                <a:spcPct val="0"/>
+              </a:spcBef>
+              <a:spcAft>
+                <a:spcPct val="0"/>
+              </a:spcAft>
+              <a:buClrTx/>
+              <a:buSzTx/>
+              <a:buFontTx/>
+              <a:buNone/>
+              <a:tabLst/>
+            </a:pPr>
+            <a:r>
+              <a:rPr kumimoji="0" lang="en-GB" altLang="en-US" sz="1000" b="0" i="0" u="none" strike="noStrike" cap="none" normalizeH="0" baseline="0" dirty="0" smtClean="0">
+                <a:ln>
+                  <a:noFill/>
+                </a:ln>
+                <a:solidFill>
+                  <a:srgbClr val="000000"/>
+                </a:solidFill>
+                <a:effectLst/>
+                <a:latin typeface="Times New Roman" panose="02020603050405020304" pitchFamily="18" charset="0"/>
+              </a:rPr>
+              <a:t>Yes,</a:t>
+            </a:r>
+          </a:p>
+          <a:p>
+            <a:pPr marL="0" marR="0" lvl="0" indent="0" algn="l" defTabSz="914400" rtl="0" eaLnBrk="0" fontAlgn="base" latinLnBrk="0" hangingPunct="0">
+              <a:lnSpc>
+                <a:spcPct val="100000"/>
+              </a:lnSpc>
+              <a:spcBef>
+                <a:spcPct val="0"/>
+              </a:spcBef>
+              <a:spcAft>
+                <a:spcPct val="0"/>
+              </a:spcAft>
+              <a:buClrTx/>
+              <a:buSzTx/>
+              <a:buFontTx/>
+              <a:buNone/>
+              <a:tabLst/>
+            </a:pPr>
+            <a:r>
+              <a:rPr kumimoji="0" lang="en-GB" altLang="en-US" sz="1000" b="0" i="0" u="none" strike="noStrike" cap="none" normalizeH="0" baseline="0" dirty="0" smtClean="0">
+                <a:ln>
+                  <a:noFill/>
+                </a:ln>
+                <a:solidFill>
+                  <a:srgbClr val="000000"/>
+                </a:solidFill>
+                <a:effectLst/>
+                <a:latin typeface="Times New Roman" panose="02020603050405020304" pitchFamily="18" charset="0"/>
+              </a:rPr>
+              <a:t>t+1</a:t>
+            </a:r>
+            <a:endParaRPr kumimoji="0" lang="en-US" altLang="en-US" sz="1800" b="0" i="0" u="none" strike="noStrike" cap="none" normalizeH="0" baseline="0" dirty="0" smtClean="0">
+              <a:ln>
+                <a:noFill/>
+              </a:ln>
+              <a:solidFill>
+                <a:schemeClr val="tx1"/>
+              </a:solidFill>
+              <a:effectLst/>
+              <a:latin typeface="Arial" panose="020B0604020202020204" pitchFamily="34" charset="0"/>
+            </a:endParaRPr>
+          </a:p>
+        </p:txBody>
+      </p:sp>
+      <p:sp>
+        <p:nvSpPr>
+          <p:cNvPr id="29" name="Text Box 23"/>
+          <p:cNvSpPr txBox="1">
+            <a:spLocks noChangeArrowheads="1"/>
+          </p:cNvSpPr>
+          <p:nvPr/>
+        </p:nvSpPr>
+        <p:spPr bwMode="auto">
+          <a:xfrm>
+            <a:off x="2923783" y="6580726"/>
+            <a:ext cx="519113" cy="431800"/>
+          </a:xfrm>
+          <a:prstGeom prst="rect">
+            <a:avLst/>
+          </a:prstGeom>
+          <a:noFill/>
+          <a:ln>
+            <a:noFill/>
+          </a:ln>
+          <a:effectLst/>
+          <a:extLst>
+            <a:ext uri="{909E8E84-426E-40DD-AFC4-6F175D3DCCD1}">
+              <a14:hiddenFill xmlns:a14="http://schemas.microsoft.com/office/drawing/2010/main">
+                <a:solidFill>
+                  <a:srgbClr val="FFFFFF"/>
+                </a:solidFill>
+              </a14:hiddenFill>
+            </a:ext>
+            <a:ext uri="{91240B29-F687-4F45-9708-019B960494DF}">
+              <a14:hiddenLine xmlns:a14="http://schemas.microsoft.com/office/drawing/2010/main" w="25400" algn="ctr">
+                <a:solidFill>
+                  <a:srgbClr val="000000"/>
+                </a:solidFill>
+                <a:miter lim="800000"/>
+                <a:headEnd/>
+                <a:tailEnd/>
+              </a14:hiddenLine>
+            </a:ext>
+            <a:ext uri="{AF507438-7753-43E0-B8FC-AC1667EBCBE1}">
+              <a14:hiddenEffects xmlns:a14="http://schemas.microsoft.com/office/drawing/2010/main">
+                <a:effectLst>
+                  <a:outerShdw dist="35921" dir="2700000" algn="ctr" rotWithShape="0">
+                    <a:srgbClr val="CCCCCC"/>
+                  </a:outerShdw>
+                </a:effectLst>
+              </a14:hiddenEffects>
+            </a:ext>
+          </a:extLst>
+        </p:spPr>
+        <p:txBody>
+          <a:bodyPr vert="horz" wrap="square" lIns="36576" tIns="36576" rIns="36576" bIns="36576" numCol="1" anchor="t" anchorCtr="0" compatLnSpc="1">
+            <a:prstTxWarp prst="textNoShape">
+              <a:avLst/>
+            </a:prstTxWarp>
+          </a:bodyPr>
+          <a:lstStyle/>
+          <a:p>
+            <a:pPr marL="0" marR="0" lvl="0" indent="0" algn="l" defTabSz="914400" rtl="0" eaLnBrk="0" fontAlgn="base" latinLnBrk="0" hangingPunct="0">
+              <a:lnSpc>
+                <a:spcPct val="100000"/>
+              </a:lnSpc>
+              <a:spcBef>
+                <a:spcPct val="0"/>
+              </a:spcBef>
+              <a:spcAft>
+                <a:spcPct val="0"/>
+              </a:spcAft>
+              <a:buClrTx/>
+              <a:buSzTx/>
+              <a:buFontTx/>
+              <a:buNone/>
+              <a:tabLst/>
+            </a:pPr>
+            <a:r>
+              <a:rPr kumimoji="0" lang="en-GB" altLang="en-US" sz="1000" b="0" i="0" u="none" strike="noStrike" cap="none" normalizeH="0" baseline="0" dirty="0" smtClean="0">
+                <a:ln>
+                  <a:noFill/>
+                </a:ln>
+                <a:solidFill>
+                  <a:srgbClr val="000000"/>
+                </a:solidFill>
+                <a:effectLst/>
+                <a:latin typeface="Times New Roman" panose="02020603050405020304" pitchFamily="18" charset="0"/>
+              </a:rPr>
+              <a:t>No</a:t>
+            </a:r>
+            <a:endParaRPr kumimoji="0" lang="en-US" altLang="en-US" sz="1800" b="0" i="0" u="none" strike="noStrike" cap="none" normalizeH="0" baseline="0" dirty="0" smtClean="0">
+              <a:ln>
+                <a:noFill/>
+              </a:ln>
+              <a:solidFill>
+                <a:schemeClr val="tx1"/>
+              </a:solidFill>
+              <a:effectLst/>
+              <a:latin typeface="Arial" panose="020B0604020202020204" pitchFamily="34" charset="0"/>
+            </a:endParaRPr>
+          </a:p>
+        </p:txBody>
+      </p:sp>
+      <p:sp>
+        <p:nvSpPr>
+          <p:cNvPr id="30" name="Text Box 24"/>
+          <p:cNvSpPr txBox="1">
+            <a:spLocks noChangeArrowheads="1"/>
+          </p:cNvSpPr>
+          <p:nvPr/>
+        </p:nvSpPr>
+        <p:spPr bwMode="auto">
+          <a:xfrm>
+            <a:off x="3654385" y="5613939"/>
+            <a:ext cx="519113" cy="431800"/>
+          </a:xfrm>
+          <a:prstGeom prst="rect">
+            <a:avLst/>
+          </a:prstGeom>
+          <a:noFill/>
+          <a:ln>
+            <a:noFill/>
+          </a:ln>
+          <a:effectLst/>
+          <a:extLst>
+            <a:ext uri="{909E8E84-426E-40DD-AFC4-6F175D3DCCD1}">
+              <a14:hiddenFill xmlns:a14="http://schemas.microsoft.com/office/drawing/2010/main">
+                <a:solidFill>
+                  <a:srgbClr val="FFFFFF"/>
+                </a:solidFill>
+              </a14:hiddenFill>
+            </a:ext>
+            <a:ext uri="{91240B29-F687-4F45-9708-019B960494DF}">
+              <a14:hiddenLine xmlns:a14="http://schemas.microsoft.com/office/drawing/2010/main" w="25400" algn="ctr">
+                <a:solidFill>
+                  <a:srgbClr val="000000"/>
+                </a:solidFill>
+                <a:miter lim="800000"/>
+                <a:headEnd/>
+                <a:tailEnd/>
+              </a14:hiddenLine>
+            </a:ext>
+            <a:ext uri="{AF507438-7753-43E0-B8FC-AC1667EBCBE1}">
+              <a14:hiddenEffects xmlns:a14="http://schemas.microsoft.com/office/drawing/2010/main">
+                <a:effectLst>
+                  <a:outerShdw dist="35921" dir="2700000" algn="ctr" rotWithShape="0">
+                    <a:srgbClr val="CCCCCC"/>
+                  </a:outerShdw>
+                </a:effectLst>
+              </a14:hiddenEffects>
+            </a:ext>
+          </a:extLst>
+        </p:spPr>
+        <p:txBody>
+          <a:bodyPr vert="horz" wrap="square" lIns="36576" tIns="36576" rIns="36576" bIns="36576" numCol="1" anchor="t" anchorCtr="0" compatLnSpc="1">
+            <a:prstTxWarp prst="textNoShape">
+              <a:avLst/>
+            </a:prstTxWarp>
+          </a:bodyPr>
+          <a:lstStyle/>
+          <a:p>
+            <a:pPr marL="0" marR="0" lvl="0" indent="0" algn="l" defTabSz="914400" rtl="0" eaLnBrk="0" fontAlgn="base" latinLnBrk="0" hangingPunct="0">
+              <a:lnSpc>
+                <a:spcPct val="100000"/>
+              </a:lnSpc>
+              <a:spcBef>
+                <a:spcPct val="0"/>
+              </a:spcBef>
+              <a:spcAft>
+                <a:spcPct val="0"/>
+              </a:spcAft>
+              <a:buClrTx/>
+              <a:buSzTx/>
+              <a:buFontTx/>
+              <a:buNone/>
+              <a:tabLst/>
+            </a:pPr>
+            <a:r>
+              <a:rPr kumimoji="0" lang="en-GB" altLang="en-US" sz="1000" b="0" i="0" u="none" strike="noStrike" cap="none" normalizeH="0" baseline="0" dirty="0" smtClean="0">
+                <a:ln>
+                  <a:noFill/>
+                </a:ln>
+                <a:solidFill>
+                  <a:srgbClr val="000000"/>
+                </a:solidFill>
+                <a:effectLst/>
+                <a:latin typeface="Times New Roman" panose="02020603050405020304" pitchFamily="18" charset="0"/>
+              </a:rPr>
+              <a:t>Yes,</a:t>
+            </a:r>
+          </a:p>
+          <a:p>
+            <a:pPr marL="0" marR="0" lvl="0" indent="0" algn="l" defTabSz="914400" rtl="0" eaLnBrk="0" fontAlgn="base" latinLnBrk="0" hangingPunct="0">
+              <a:lnSpc>
+                <a:spcPct val="100000"/>
+              </a:lnSpc>
+              <a:spcBef>
+                <a:spcPct val="0"/>
+              </a:spcBef>
+              <a:spcAft>
+                <a:spcPct val="0"/>
+              </a:spcAft>
+              <a:buClrTx/>
+              <a:buSzTx/>
+              <a:buFontTx/>
+              <a:buNone/>
+              <a:tabLst/>
+            </a:pPr>
+            <a:r>
+              <a:rPr kumimoji="0" lang="en-GB" altLang="en-US" sz="1000" b="0" i="0" u="none" strike="noStrike" cap="none" normalizeH="0" baseline="0" dirty="0" smtClean="0">
+                <a:ln>
+                  <a:noFill/>
+                </a:ln>
+                <a:solidFill>
+                  <a:srgbClr val="000000"/>
+                </a:solidFill>
+                <a:effectLst/>
+                <a:latin typeface="Times New Roman" panose="02020603050405020304" pitchFamily="18" charset="0"/>
+              </a:rPr>
+              <a:t>J+1</a:t>
+            </a:r>
+            <a:endParaRPr kumimoji="0" lang="en-US" altLang="en-US" sz="1800" b="0" i="0" u="none" strike="noStrike" cap="none" normalizeH="0" baseline="0" dirty="0" smtClean="0">
+              <a:ln>
+                <a:noFill/>
+              </a:ln>
+              <a:solidFill>
+                <a:schemeClr val="tx1"/>
+              </a:solidFill>
+              <a:effectLst/>
+              <a:latin typeface="Arial" panose="020B0604020202020204" pitchFamily="34" charset="0"/>
+            </a:endParaRPr>
+          </a:p>
+        </p:txBody>
+      </p:sp>
+      <p:sp>
+        <p:nvSpPr>
+          <p:cNvPr id="31" name="Text Box 25"/>
+          <p:cNvSpPr txBox="1">
+            <a:spLocks noChangeArrowheads="1"/>
+          </p:cNvSpPr>
+          <p:nvPr/>
+        </p:nvSpPr>
+        <p:spPr bwMode="auto">
+          <a:xfrm>
+            <a:off x="8070020" y="1797444"/>
+            <a:ext cx="519112" cy="430213"/>
+          </a:xfrm>
+          <a:prstGeom prst="rect">
+            <a:avLst/>
+          </a:prstGeom>
+          <a:noFill/>
+          <a:ln>
+            <a:noFill/>
+          </a:ln>
+          <a:effectLst/>
+          <a:extLst>
+            <a:ext uri="{909E8E84-426E-40DD-AFC4-6F175D3DCCD1}">
+              <a14:hiddenFill xmlns:a14="http://schemas.microsoft.com/office/drawing/2010/main">
+                <a:solidFill>
+                  <a:srgbClr val="FFFFFF"/>
+                </a:solidFill>
+              </a14:hiddenFill>
+            </a:ext>
+            <a:ext uri="{91240B29-F687-4F45-9708-019B960494DF}">
+              <a14:hiddenLine xmlns:a14="http://schemas.microsoft.com/office/drawing/2010/main" w="25400" algn="ctr">
+                <a:solidFill>
+                  <a:srgbClr val="000000"/>
+                </a:solidFill>
+                <a:miter lim="800000"/>
+                <a:headEnd/>
+                <a:tailEnd/>
+              </a14:hiddenLine>
+            </a:ext>
+            <a:ext uri="{AF507438-7753-43E0-B8FC-AC1667EBCBE1}">
+              <a14:hiddenEffects xmlns:a14="http://schemas.microsoft.com/office/drawing/2010/main">
+                <a:effectLst>
+                  <a:outerShdw dist="35921" dir="2700000" algn="ctr" rotWithShape="0">
+                    <a:srgbClr val="CCCCCC"/>
+                  </a:outerShdw>
+                </a:effectLst>
+              </a14:hiddenEffects>
+            </a:ext>
+          </a:extLst>
+        </p:spPr>
+        <p:txBody>
+          <a:bodyPr vert="horz" wrap="square" lIns="36576" tIns="36576" rIns="36576" bIns="36576" numCol="1" anchor="t" anchorCtr="0" compatLnSpc="1">
+            <a:prstTxWarp prst="textNoShape">
+              <a:avLst/>
+            </a:prstTxWarp>
+          </a:bodyPr>
+          <a:lstStyle/>
+          <a:p>
+            <a:pPr marL="0" marR="0" lvl="0" indent="0" algn="l" defTabSz="914400" rtl="0" eaLnBrk="0" fontAlgn="base" latinLnBrk="0" hangingPunct="0">
+              <a:lnSpc>
+                <a:spcPct val="100000"/>
+              </a:lnSpc>
+              <a:spcBef>
+                <a:spcPct val="0"/>
+              </a:spcBef>
+              <a:spcAft>
+                <a:spcPct val="0"/>
+              </a:spcAft>
+              <a:buClrTx/>
+              <a:buSzTx/>
+              <a:buFontTx/>
+              <a:buNone/>
+              <a:tabLst/>
+            </a:pPr>
+            <a:r>
+              <a:rPr kumimoji="0" lang="en-GB" altLang="en-US" sz="1000" b="0" i="0" u="none" strike="noStrike" cap="none" normalizeH="0" baseline="0" dirty="0" smtClean="0">
+                <a:ln>
+                  <a:noFill/>
+                </a:ln>
+                <a:solidFill>
+                  <a:srgbClr val="000000"/>
+                </a:solidFill>
+                <a:effectLst/>
+                <a:latin typeface="Times New Roman" panose="02020603050405020304" pitchFamily="18" charset="0"/>
+              </a:rPr>
+              <a:t>Yes,</a:t>
+            </a:r>
+          </a:p>
+          <a:p>
+            <a:pPr marL="0" marR="0" lvl="0" indent="0" algn="l" defTabSz="914400" rtl="0" eaLnBrk="0" fontAlgn="base" latinLnBrk="0" hangingPunct="0">
+              <a:lnSpc>
+                <a:spcPct val="100000"/>
+              </a:lnSpc>
+              <a:spcBef>
+                <a:spcPct val="0"/>
+              </a:spcBef>
+              <a:spcAft>
+                <a:spcPct val="0"/>
+              </a:spcAft>
+              <a:buClrTx/>
+              <a:buSzTx/>
+              <a:buFontTx/>
+              <a:buNone/>
+              <a:tabLst/>
+            </a:pPr>
+            <a:r>
+              <a:rPr kumimoji="0" lang="en-GB" altLang="en-US" sz="1000" b="0" i="0" u="none" strike="noStrike" cap="none" normalizeH="0" baseline="0" dirty="0" smtClean="0">
+                <a:ln>
+                  <a:noFill/>
+                </a:ln>
+                <a:solidFill>
+                  <a:srgbClr val="000000"/>
+                </a:solidFill>
+                <a:effectLst/>
+                <a:latin typeface="Times New Roman" panose="02020603050405020304" pitchFamily="18" charset="0"/>
+              </a:rPr>
+              <a:t>i+1</a:t>
+            </a:r>
+            <a:endParaRPr kumimoji="0" lang="en-US" altLang="en-US" sz="1800" b="0" i="0" u="none" strike="noStrike" cap="none" normalizeH="0" baseline="0" dirty="0" smtClean="0">
+              <a:ln>
+                <a:noFill/>
+              </a:ln>
+              <a:solidFill>
+                <a:schemeClr val="tx1"/>
+              </a:solidFill>
+              <a:effectLst/>
+              <a:latin typeface="Arial" panose="020B0604020202020204" pitchFamily="34" charset="0"/>
+            </a:endParaRPr>
+          </a:p>
+        </p:txBody>
+      </p:sp>
+      <p:sp>
+        <p:nvSpPr>
+          <p:cNvPr id="32" name="Text Box 26"/>
+          <p:cNvSpPr txBox="1">
+            <a:spLocks noChangeArrowheads="1"/>
+          </p:cNvSpPr>
+          <p:nvPr/>
+        </p:nvSpPr>
+        <p:spPr bwMode="auto">
+          <a:xfrm>
+            <a:off x="2990017" y="7734839"/>
+            <a:ext cx="519113" cy="431800"/>
+          </a:xfrm>
+          <a:prstGeom prst="rect">
+            <a:avLst/>
+          </a:prstGeom>
+          <a:noFill/>
+          <a:ln>
+            <a:noFill/>
+          </a:ln>
+          <a:effectLst/>
+          <a:extLst>
+            <a:ext uri="{909E8E84-426E-40DD-AFC4-6F175D3DCCD1}">
+              <a14:hiddenFill xmlns:a14="http://schemas.microsoft.com/office/drawing/2010/main">
+                <a:solidFill>
+                  <a:srgbClr val="FFFFFF"/>
+                </a:solidFill>
+              </a14:hiddenFill>
+            </a:ext>
+            <a:ext uri="{91240B29-F687-4F45-9708-019B960494DF}">
+              <a14:hiddenLine xmlns:a14="http://schemas.microsoft.com/office/drawing/2010/main" w="25400" algn="ctr">
+                <a:solidFill>
+                  <a:srgbClr val="000000"/>
+                </a:solidFill>
+                <a:miter lim="800000"/>
+                <a:headEnd/>
+                <a:tailEnd/>
+              </a14:hiddenLine>
+            </a:ext>
+            <a:ext uri="{AF507438-7753-43E0-B8FC-AC1667EBCBE1}">
+              <a14:hiddenEffects xmlns:a14="http://schemas.microsoft.com/office/drawing/2010/main">
+                <a:effectLst>
+                  <a:outerShdw dist="35921" dir="2700000" algn="ctr" rotWithShape="0">
+                    <a:srgbClr val="CCCCCC"/>
+                  </a:outerShdw>
+                </a:effectLst>
+              </a14:hiddenEffects>
+            </a:ext>
+          </a:extLst>
+        </p:spPr>
+        <p:txBody>
+          <a:bodyPr vert="horz" wrap="square" lIns="36576" tIns="36576" rIns="36576" bIns="36576" numCol="1" anchor="t" anchorCtr="0" compatLnSpc="1">
+            <a:prstTxWarp prst="textNoShape">
+              <a:avLst/>
+            </a:prstTxWarp>
+          </a:bodyPr>
+          <a:lstStyle/>
+          <a:p>
+            <a:pPr marL="0" marR="0" lvl="0" indent="0" algn="l" defTabSz="914400" rtl="0" eaLnBrk="0" fontAlgn="base" latinLnBrk="0" hangingPunct="0">
+              <a:lnSpc>
+                <a:spcPct val="100000"/>
+              </a:lnSpc>
+              <a:spcBef>
+                <a:spcPct val="0"/>
+              </a:spcBef>
+              <a:spcAft>
+                <a:spcPct val="0"/>
+              </a:spcAft>
+              <a:buClrTx/>
+              <a:buSzTx/>
+              <a:buFontTx/>
+              <a:buNone/>
+              <a:tabLst/>
+            </a:pPr>
+            <a:r>
+              <a:rPr kumimoji="0" lang="en-GB" altLang="en-US" sz="1000" b="0" i="0" u="none" strike="noStrike" cap="none" normalizeH="0" baseline="0" smtClean="0">
+                <a:ln>
+                  <a:noFill/>
+                </a:ln>
+                <a:solidFill>
+                  <a:srgbClr val="000000"/>
+                </a:solidFill>
+                <a:effectLst/>
+                <a:latin typeface="Times New Roman" panose="02020603050405020304" pitchFamily="18" charset="0"/>
+              </a:rPr>
+              <a:t>No</a:t>
+            </a:r>
+            <a:endParaRPr kumimoji="0" lang="en-US" altLang="en-US" sz="1800" b="0" i="0" u="none" strike="noStrike" cap="none" normalizeH="0" baseline="0" smtClean="0">
+              <a:ln>
+                <a:noFill/>
+              </a:ln>
+              <a:solidFill>
+                <a:schemeClr val="tx1"/>
+              </a:solidFill>
+              <a:effectLst/>
+              <a:latin typeface="Arial" panose="020B0604020202020204" pitchFamily="34" charset="0"/>
+            </a:endParaRPr>
+          </a:p>
+        </p:txBody>
+      </p:sp>
+      <p:sp>
+        <p:nvSpPr>
+          <p:cNvPr id="33" name="Text Box 27"/>
+          <p:cNvSpPr txBox="1">
+            <a:spLocks noChangeArrowheads="1"/>
+          </p:cNvSpPr>
+          <p:nvPr/>
+        </p:nvSpPr>
+        <p:spPr bwMode="auto">
+          <a:xfrm>
+            <a:off x="9304301" y="3984370"/>
+            <a:ext cx="519113" cy="431800"/>
+          </a:xfrm>
+          <a:prstGeom prst="rect">
+            <a:avLst/>
+          </a:prstGeom>
+          <a:noFill/>
+          <a:ln>
+            <a:noFill/>
+          </a:ln>
+          <a:effectLst/>
+          <a:extLst>
+            <a:ext uri="{909E8E84-426E-40DD-AFC4-6F175D3DCCD1}">
+              <a14:hiddenFill xmlns:a14="http://schemas.microsoft.com/office/drawing/2010/main">
+                <a:solidFill>
+                  <a:srgbClr val="FFFFFF"/>
+                </a:solidFill>
+              </a14:hiddenFill>
+            </a:ext>
+            <a:ext uri="{91240B29-F687-4F45-9708-019B960494DF}">
+              <a14:hiddenLine xmlns:a14="http://schemas.microsoft.com/office/drawing/2010/main" w="25400" algn="ctr">
+                <a:solidFill>
+                  <a:srgbClr val="000000"/>
+                </a:solidFill>
+                <a:miter lim="800000"/>
+                <a:headEnd/>
+                <a:tailEnd/>
+              </a14:hiddenLine>
+            </a:ext>
+            <a:ext uri="{AF507438-7753-43E0-B8FC-AC1667EBCBE1}">
+              <a14:hiddenEffects xmlns:a14="http://schemas.microsoft.com/office/drawing/2010/main">
+                <a:effectLst>
+                  <a:outerShdw dist="35921" dir="2700000" algn="ctr" rotWithShape="0">
+                    <a:srgbClr val="CCCCCC"/>
+                  </a:outerShdw>
+                </a:effectLst>
+              </a14:hiddenEffects>
+            </a:ext>
+          </a:extLst>
+        </p:spPr>
+        <p:txBody>
+          <a:bodyPr vert="horz" wrap="square" lIns="36576" tIns="36576" rIns="36576" bIns="36576" numCol="1" anchor="t" anchorCtr="0" compatLnSpc="1">
+            <a:prstTxWarp prst="textNoShape">
+              <a:avLst/>
+            </a:prstTxWarp>
+          </a:bodyPr>
+          <a:lstStyle/>
+          <a:p>
+            <a:pPr marL="0" marR="0" lvl="0" indent="0" algn="l" defTabSz="914400" rtl="0" eaLnBrk="0" fontAlgn="base" latinLnBrk="0" hangingPunct="0">
+              <a:lnSpc>
+                <a:spcPct val="100000"/>
+              </a:lnSpc>
+              <a:spcBef>
+                <a:spcPct val="0"/>
+              </a:spcBef>
+              <a:spcAft>
+                <a:spcPct val="0"/>
+              </a:spcAft>
+              <a:buClrTx/>
+              <a:buSzTx/>
+              <a:buFontTx/>
+              <a:buNone/>
+              <a:tabLst/>
+            </a:pPr>
+            <a:r>
+              <a:rPr kumimoji="0" lang="en-GB" altLang="en-US" sz="1000" b="0" i="0" u="none" strike="noStrike" cap="none" normalizeH="0" baseline="0" smtClean="0">
+                <a:ln>
+                  <a:noFill/>
+                </a:ln>
+                <a:solidFill>
+                  <a:srgbClr val="000000"/>
+                </a:solidFill>
+                <a:effectLst/>
+                <a:latin typeface="Times New Roman" panose="02020603050405020304" pitchFamily="18" charset="0"/>
+              </a:rPr>
+              <a:t>No</a:t>
+            </a:r>
+            <a:endParaRPr kumimoji="0" lang="en-US" altLang="en-US" sz="1800" b="0" i="0" u="none" strike="noStrike" cap="none" normalizeH="0" baseline="0" smtClean="0">
+              <a:ln>
+                <a:noFill/>
+              </a:ln>
+              <a:solidFill>
+                <a:schemeClr val="tx1"/>
+              </a:solidFill>
+              <a:effectLst/>
+              <a:latin typeface="Arial" panose="020B0604020202020204" pitchFamily="34" charset="0"/>
+            </a:endParaRPr>
+          </a:p>
+        </p:txBody>
+      </p:sp>
+      <p:cxnSp>
+        <p:nvCxnSpPr>
+          <p:cNvPr id="34" name="AutoShape 15"/>
+          <p:cNvCxnSpPr>
+            <a:cxnSpLocks noChangeShapeType="1"/>
+          </p:cNvCxnSpPr>
+          <p:nvPr/>
+        </p:nvCxnSpPr>
+        <p:spPr bwMode="auto">
+          <a:xfrm flipH="1">
+            <a:off x="2847142" y="7734839"/>
+            <a:ext cx="7366" cy="581025"/>
+          </a:xfrm>
+          <a:prstGeom prst="straightConnector1">
+            <a:avLst/>
+          </a:prstGeom>
+          <a:noFill/>
+          <a:ln w="25400" algn="ctr">
+            <a:solidFill>
+              <a:srgbClr val="000000"/>
+            </a:solidFill>
+            <a:round/>
+            <a:headEnd/>
+            <a:tailEnd type="triangle" w="med" len="med"/>
+          </a:ln>
+          <a:effectLst/>
+          <a:extLst>
+            <a:ext uri="{909E8E84-426E-40DD-AFC4-6F175D3DCCD1}">
+              <a14:hiddenFill xmlns:a14="http://schemas.microsoft.com/office/drawing/2010/main">
+                <a:noFill/>
+              </a14:hiddenFill>
+            </a:ext>
+            <a:ext uri="{AF507438-7753-43E0-B8FC-AC1667EBCBE1}">
+              <a14:hiddenEffects xmlns:a14="http://schemas.microsoft.com/office/drawing/2010/main">
+                <a:effectLst>
+                  <a:outerShdw dist="35921" dir="2700000" algn="ctr" rotWithShape="0">
+                    <a:srgbClr val="CCCCCC"/>
+                  </a:outerShdw>
+                </a:effectLst>
+              </a14:hiddenEffects>
+            </a:ext>
+          </a:extLst>
+        </p:spPr>
+      </p:cxnSp>
+      <p:cxnSp>
+        <p:nvCxnSpPr>
+          <p:cNvPr id="39" name="AutoShape 21"/>
+          <p:cNvCxnSpPr>
+            <a:cxnSpLocks noChangeShapeType="1"/>
+            <a:stCxn id="13" idx="1"/>
+          </p:cNvCxnSpPr>
+          <p:nvPr/>
+        </p:nvCxnSpPr>
+        <p:spPr bwMode="auto">
+          <a:xfrm rot="10800000" flipV="1">
+            <a:off x="2883657" y="2174082"/>
+            <a:ext cx="5459413" cy="1665030"/>
+          </a:xfrm>
+          <a:prstGeom prst="curvedConnector3">
+            <a:avLst>
+              <a:gd name="adj1" fmla="val 50000"/>
+            </a:avLst>
+          </a:prstGeom>
+          <a:noFill/>
+          <a:ln w="25400" algn="ctr">
+            <a:solidFill>
+              <a:srgbClr val="000000"/>
+            </a:solidFill>
+            <a:round/>
+            <a:headEnd/>
+            <a:tailEnd type="triangle" w="med" len="med"/>
+          </a:ln>
+          <a:effectLst/>
+          <a:extLst>
+            <a:ext uri="{909E8E84-426E-40DD-AFC4-6F175D3DCCD1}">
+              <a14:hiddenFill xmlns:a14="http://schemas.microsoft.com/office/drawing/2010/main">
+                <a:noFill/>
+              </a14:hiddenFill>
+            </a:ext>
+            <a:ext uri="{AF507438-7753-43E0-B8FC-AC1667EBCBE1}">
+              <a14:hiddenEffects xmlns:a14="http://schemas.microsoft.com/office/drawing/2010/main">
+                <a:effectLst>
+                  <a:outerShdw dist="35921" dir="2700000" algn="ctr" rotWithShape="0">
+                    <a:srgbClr val="CCCCCC"/>
+                  </a:outerShdw>
+                </a:effectLst>
+              </a14:hiddenEffects>
+            </a:ext>
+          </a:extLst>
+        </p:spPr>
+      </p:cxnSp>
+      <p:cxnSp>
+        <p:nvCxnSpPr>
+          <p:cNvPr id="43" name="AutoShape 14"/>
+          <p:cNvCxnSpPr>
+            <a:cxnSpLocks noChangeShapeType="1"/>
+          </p:cNvCxnSpPr>
+          <p:nvPr/>
+        </p:nvCxnSpPr>
+        <p:spPr bwMode="auto">
+          <a:xfrm>
+            <a:off x="9145587" y="1495425"/>
+            <a:ext cx="0" cy="195263"/>
+          </a:xfrm>
+          <a:prstGeom prst="straightConnector1">
+            <a:avLst/>
+          </a:prstGeom>
+          <a:noFill/>
+          <a:ln w="25400" algn="ctr">
+            <a:solidFill>
+              <a:srgbClr val="000000"/>
+            </a:solidFill>
+            <a:round/>
+            <a:headEnd/>
+            <a:tailEnd type="triangle" w="med" len="med"/>
+          </a:ln>
+          <a:effectLst/>
+          <a:extLst>
+            <a:ext uri="{909E8E84-426E-40DD-AFC4-6F175D3DCCD1}">
+              <a14:hiddenFill xmlns:a14="http://schemas.microsoft.com/office/drawing/2010/main">
+                <a:noFill/>
+              </a14:hiddenFill>
+            </a:ext>
+            <a:ext uri="{AF507438-7753-43E0-B8FC-AC1667EBCBE1}">
+              <a14:hiddenEffects xmlns:a14="http://schemas.microsoft.com/office/drawing/2010/main">
+                <a:effectLst>
+                  <a:outerShdw dist="35921" dir="2700000" algn="ctr" rotWithShape="0">
+                    <a:srgbClr val="CCCCCC"/>
+                  </a:outerShdw>
+                </a:effectLst>
+              </a14:hiddenEffects>
+            </a:ext>
+          </a:extLst>
+        </p:spPr>
+      </p:cxnSp>
+    </p:spTree>
+    <p:extLst>
+      <p:ext uri="{BB962C8B-B14F-4D97-AF65-F5344CB8AC3E}">
+        <p14:creationId xmlns:p14="http://schemas.microsoft.com/office/powerpoint/2010/main" val="1767735238"/>
+      </p:ext>
+    </p:extLst>
+  </p:cSld>
+  <p:clrMapOvr>
+    <a:masterClrMapping/>
+  </p:clrMapOvr>
+  <p:timing>
+    <p:tnLst>
+      <p:par>
+        <p:cTn id="1" dur="indefinite" restart="never" nodeType="tmRoot"/>
+      </p:par>
+    </p:tnLst>
+  </p:timing>
+</p:sld>
+</file>
+
+<file path=ppt/slides/slide5.xml><?xml version="1.0" encoding="utf-8"?>
+<p:sld xmlns:a="http://schemas.openxmlformats.org/drawingml/2006/main" xmlns:r="http://schemas.openxmlformats.org/officeDocument/2006/relationships" xmlns:p="http://schemas.openxmlformats.org/presentationml/2006/main">
+  <p:cSld>
+    <p:spTree>
+      <p:nvGrpSpPr>
+        <p:cNvPr id="1" name=""/>
+        <p:cNvGrpSpPr/>
+        <p:nvPr/>
+      </p:nvGrpSpPr>
+      <p:grpSpPr>
+        <a:xfrm>
+          <a:off x="0" y="0"/>
+          <a:ext cx="0" cy="0"/>
+          <a:chOff x="0" y="0"/>
+          <a:chExt cx="0" cy="0"/>
+        </a:xfrm>
+      </p:grpSpPr>
+      <p:sp>
+        <p:nvSpPr>
+          <p:cNvPr id="2" name="Titel 1">
+            <a:extLst>
+              <a:ext uri="{FF2B5EF4-FFF2-40B4-BE49-F238E27FC236}">
+                <a16:creationId xmlns:a16="http://schemas.microsoft.com/office/drawing/2014/main" id="{CD125071-366C-496B-B333-6A301847477B}"/>
+              </a:ext>
+            </a:extLst>
+          </p:cNvPr>
+          <p:cNvSpPr>
+            <a:spLocks noGrp="1"/>
+          </p:cNvSpPr>
+          <p:nvPr>
+            <p:ph type="title"/>
+          </p:nvPr>
+        </p:nvSpPr>
+        <p:spPr/>
+        <p:txBody>
+          <a:bodyPr/>
+          <a:lstStyle/>
+          <a:p>
+            <a:pPr algn="ctr"/>
+            <a:r>
+              <a:rPr lang="de-AT" dirty="0"/>
+              <a:t>Test Case</a:t>
+            </a:r>
+          </a:p>
+        </p:txBody>
+      </p:sp>
+      <p:sp>
+        <p:nvSpPr>
+          <p:cNvPr id="3" name="Inhaltsplatzhalter 2">
+            <a:extLst>
+              <a:ext uri="{FF2B5EF4-FFF2-40B4-BE49-F238E27FC236}">
+                <a16:creationId xmlns:a16="http://schemas.microsoft.com/office/drawing/2014/main" id="{72571CD3-37A9-4B5C-B541-D64C9B9CD76D}"/>
+              </a:ext>
+            </a:extLst>
+          </p:cNvPr>
+          <p:cNvSpPr>
+            <a:spLocks noGrp="1"/>
+          </p:cNvSpPr>
+          <p:nvPr>
+            <p:ph idx="1"/>
+          </p:nvPr>
+        </p:nvSpPr>
+        <p:spPr/>
+        <p:txBody>
+          <a:bodyPr/>
+          <a:lstStyle/>
+          <a:p>
+            <a:pPr marL="457200" lvl="1" indent="0">
+              <a:buNone/>
+            </a:pPr>
+            <a:r>
+              <a:rPr lang="de-AT" dirty="0"/>
+              <a:t>	</a:t>
+            </a:r>
+          </a:p>
+        </p:txBody>
+      </p:sp>
+      <p:sp>
+        <p:nvSpPr>
+          <p:cNvPr id="4" name="Foliennummernplatzhalter 3">
+            <a:extLst>
+              <a:ext uri="{FF2B5EF4-FFF2-40B4-BE49-F238E27FC236}">
+                <a16:creationId xmlns:a16="http://schemas.microsoft.com/office/drawing/2014/main" id="{E054BE5B-2C66-468F-9D0E-E3AE828B83F1}"/>
+              </a:ext>
+            </a:extLst>
+          </p:cNvPr>
+          <p:cNvSpPr>
+            <a:spLocks noGrp="1"/>
+          </p:cNvSpPr>
+          <p:nvPr>
+            <p:ph type="sldNum" sz="quarter" idx="12"/>
+          </p:nvPr>
+        </p:nvSpPr>
+        <p:spPr/>
+        <p:txBody>
+          <a:bodyPr/>
+          <a:lstStyle/>
+          <a:p>
+            <a:fld id="{07D37939-05EA-4A19-9D44-5A085DB3A996}" type="slidenum">
+              <a:rPr lang="de-AT" smtClean="0"/>
+              <a:t>5</a:t>
+            </a:fld>
+            <a:endParaRPr lang="de-AT"/>
+          </a:p>
+        </p:txBody>
+      </p:sp>
+      <p:cxnSp>
+        <p:nvCxnSpPr>
+          <p:cNvPr id="6" name="Gerader Verbinder 5">
+            <a:extLst>
+              <a:ext uri="{FF2B5EF4-FFF2-40B4-BE49-F238E27FC236}">
+                <a16:creationId xmlns:a16="http://schemas.microsoft.com/office/drawing/2014/main" id="{8C79C4A6-A48B-4A83-95FE-DA20DB4E5DED}"/>
+              </a:ext>
+            </a:extLst>
+          </p:cNvPr>
+          <p:cNvCxnSpPr>
+            <a:cxnSpLocks/>
+          </p:cNvCxnSpPr>
+          <p:nvPr/>
+        </p:nvCxnSpPr>
+        <p:spPr>
+          <a:xfrm>
+            <a:off x="518160" y="1495425"/>
+            <a:ext cx="11155680" cy="0"/>
+          </a:xfrm>
+          <a:prstGeom prst="line">
+            <a:avLst/>
+          </a:prstGeom>
+          <a:ln w="19050"/>
+        </p:spPr>
+        <p:style>
+          <a:lnRef idx="1">
+            <a:schemeClr val="accent1"/>
+          </a:lnRef>
+          <a:fillRef idx="0">
+            <a:schemeClr val="accent1"/>
+          </a:fillRef>
+          <a:effectRef idx="0">
+            <a:schemeClr val="accent1"/>
+          </a:effectRef>
+          <a:fontRef idx="minor">
+            <a:schemeClr val="tx1"/>
+          </a:fontRef>
+        </p:style>
+      </p:cxnSp>
+      <p:sp>
+        <p:nvSpPr>
+          <p:cNvPr id="5" name="Textfeld 4">
+            <a:extLst>
+              <a:ext uri="{FF2B5EF4-FFF2-40B4-BE49-F238E27FC236}">
+                <a16:creationId xmlns:a16="http://schemas.microsoft.com/office/drawing/2014/main" id="{14BD8392-B980-4F5E-BDE9-1674099FE9A1}"/>
+              </a:ext>
+            </a:extLst>
+          </p:cNvPr>
+          <p:cNvSpPr txBox="1"/>
+          <p:nvPr/>
+        </p:nvSpPr>
+        <p:spPr>
+          <a:xfrm>
+            <a:off x="518160" y="6356350"/>
+            <a:ext cx="741997" cy="369332"/>
+          </a:xfrm>
+          <a:prstGeom prst="rect">
+            <a:avLst/>
+          </a:prstGeom>
+          <a:noFill/>
+        </p:spPr>
+        <p:txBody>
+          <a:bodyPr wrap="square" rtlCol="0">
+            <a:spAutoFit/>
+          </a:bodyPr>
+          <a:lstStyle/>
+          <a:p>
+            <a:r>
+              <a:rPr lang="de-AT" dirty="0"/>
+              <a:t>[2]</a:t>
+            </a:r>
+          </a:p>
+        </p:txBody>
+      </p:sp>
+      <p:pic>
+        <p:nvPicPr>
+          <p:cNvPr id="10" name="Grafik 9">
+            <a:extLst>
+              <a:ext uri="{FF2B5EF4-FFF2-40B4-BE49-F238E27FC236}">
+                <a16:creationId xmlns:a16="http://schemas.microsoft.com/office/drawing/2014/main" id="{CD342BAE-F61A-844D-8F18-0EB610850CBC}"/>
+              </a:ext>
+            </a:extLst>
+          </p:cNvPr>
+          <p:cNvPicPr>
+            <a:picLocks noChangeAspect="1"/>
+          </p:cNvPicPr>
+          <p:nvPr/>
+        </p:nvPicPr>
+        <p:blipFill rotWithShape="1">
+          <a:blip r:embed="rId2">
+            <a:extLst>
+              <a:ext uri="{28A0092B-C50C-407E-A947-70E740481C1C}">
+                <a14:useLocalDpi xmlns:a14="http://schemas.microsoft.com/office/drawing/2010/main" val="0"/>
+              </a:ext>
+            </a:extLst>
+          </a:blip>
+          <a:srcRect l="1090" t="2985" r="1090" b="3757"/>
+          <a:stretch/>
+        </p:blipFill>
+        <p:spPr>
+          <a:xfrm>
+            <a:off x="636104" y="1825625"/>
+            <a:ext cx="10919792" cy="4216380"/>
+          </a:xfrm>
+          <a:prstGeom prst="rect">
+            <a:avLst/>
+          </a:prstGeom>
+        </p:spPr>
+      </p:pic>
+    </p:spTree>
+    <p:extLst>
+      <p:ext uri="{BB962C8B-B14F-4D97-AF65-F5344CB8AC3E}">
+        <p14:creationId xmlns:p14="http://schemas.microsoft.com/office/powerpoint/2010/main" val="3090546444"/>
+      </p:ext>
+    </p:extLst>
+  </p:cSld>
+  <p:clrMapOvr>
+    <a:masterClrMapping/>
+  </p:clrMapOvr>
+  <p:timing>
+    <p:tnLst>
+      <p:par>
+        <p:cTn id="1" dur="indefinite" restart="never" nodeType="tmRoot"/>
+      </p:par>
+    </p:tnLst>
+  </p:timing>
+</p:sld>
+</file>
+
+<file path=ppt/slides/slide6.xml><?xml version="1.0" encoding="utf-8"?>
+<p:sld xmlns:a="http://schemas.openxmlformats.org/drawingml/2006/main" xmlns:r="http://schemas.openxmlformats.org/officeDocument/2006/relationships" xmlns:p="http://schemas.openxmlformats.org/presentationml/2006/main">
+  <p:cSld>
+    <p:spTree>
+      <p:nvGrpSpPr>
+        <p:cNvPr id="1" name=""/>
+        <p:cNvGrpSpPr/>
+        <p:nvPr/>
+      </p:nvGrpSpPr>
+      <p:grpSpPr>
+        <a:xfrm>
+          <a:off x="0" y="0"/>
+          <a:ext cx="0" cy="0"/>
+          <a:chOff x="0" y="0"/>
+          <a:chExt cx="0" cy="0"/>
+        </a:xfrm>
+      </p:grpSpPr>
+      <p:sp>
+        <p:nvSpPr>
+          <p:cNvPr id="2" name="Titel 1">
+            <a:extLst>
+              <a:ext uri="{FF2B5EF4-FFF2-40B4-BE49-F238E27FC236}">
+                <a16:creationId xmlns:a16="http://schemas.microsoft.com/office/drawing/2014/main" id="{CD125071-366C-496B-B333-6A301847477B}"/>
+              </a:ext>
+            </a:extLst>
+          </p:cNvPr>
+          <p:cNvSpPr>
+            <a:spLocks noGrp="1"/>
+          </p:cNvSpPr>
+          <p:nvPr>
+            <p:ph type="title"/>
+          </p:nvPr>
+        </p:nvSpPr>
+        <p:spPr/>
+        <p:txBody>
+          <a:bodyPr vert="horz" lIns="91440" tIns="45720" rIns="91440" bIns="45720" rtlCol="0" anchor="ctr">
+            <a:normAutofit/>
+          </a:bodyPr>
+          <a:lstStyle/>
+          <a:p>
+            <a:pPr algn="ctr"/>
+            <a:r>
+              <a:rPr lang="de-AT" dirty="0" err="1"/>
+              <a:t>Results</a:t>
+            </a:r>
+            <a:r>
+              <a:rPr lang="de-AT" dirty="0"/>
+              <a:t> HPP</a:t>
+            </a:r>
+          </a:p>
+        </p:txBody>
+      </p:sp>
+      <p:sp>
+        <p:nvSpPr>
+          <p:cNvPr id="3" name="Inhaltsplatzhalter 2">
+            <a:extLst>
+              <a:ext uri="{FF2B5EF4-FFF2-40B4-BE49-F238E27FC236}">
+                <a16:creationId xmlns:a16="http://schemas.microsoft.com/office/drawing/2014/main" id="{72571CD3-37A9-4B5C-B541-D64C9B9CD76D}"/>
+              </a:ext>
+            </a:extLst>
+          </p:cNvPr>
+          <p:cNvSpPr>
+            <a:spLocks noGrp="1"/>
+          </p:cNvSpPr>
+          <p:nvPr>
+            <p:ph idx="1"/>
+          </p:nvPr>
+        </p:nvSpPr>
+        <p:spPr/>
+        <p:txBody>
+          <a:bodyPr/>
+          <a:lstStyle/>
+          <a:p>
+            <a:pPr marL="457200" lvl="1" indent="0">
+              <a:buNone/>
+            </a:pPr>
+            <a:r>
+              <a:rPr lang="de-AT" dirty="0"/>
+              <a:t>	</a:t>
+            </a:r>
+          </a:p>
+        </p:txBody>
+      </p:sp>
+      <p:sp>
+        <p:nvSpPr>
+          <p:cNvPr id="4" name="Foliennummernplatzhalter 3">
+            <a:extLst>
+              <a:ext uri="{FF2B5EF4-FFF2-40B4-BE49-F238E27FC236}">
+                <a16:creationId xmlns:a16="http://schemas.microsoft.com/office/drawing/2014/main" id="{E054BE5B-2C66-468F-9D0E-E3AE828B83F1}"/>
+              </a:ext>
+            </a:extLst>
+          </p:cNvPr>
+          <p:cNvSpPr>
+            <a:spLocks noGrp="1"/>
+          </p:cNvSpPr>
+          <p:nvPr>
+            <p:ph type="sldNum" sz="quarter" idx="12"/>
+          </p:nvPr>
+        </p:nvSpPr>
+        <p:spPr/>
+        <p:txBody>
+          <a:bodyPr/>
+          <a:lstStyle/>
+          <a:p>
+            <a:fld id="{07D37939-05EA-4A19-9D44-5A085DB3A996}" type="slidenum">
+              <a:rPr lang="de-AT" smtClean="0"/>
+              <a:t>6</a:t>
+            </a:fld>
+            <a:endParaRPr lang="de-AT"/>
+          </a:p>
+        </p:txBody>
+      </p:sp>
+      <p:cxnSp>
+        <p:nvCxnSpPr>
+          <p:cNvPr id="6" name="Gerader Verbinder 5">
+            <a:extLst>
+              <a:ext uri="{FF2B5EF4-FFF2-40B4-BE49-F238E27FC236}">
+                <a16:creationId xmlns:a16="http://schemas.microsoft.com/office/drawing/2014/main" id="{8C79C4A6-A48B-4A83-95FE-DA20DB4E5DED}"/>
+              </a:ext>
+            </a:extLst>
+          </p:cNvPr>
+          <p:cNvCxnSpPr>
+            <a:cxnSpLocks/>
+          </p:cNvCxnSpPr>
+          <p:nvPr/>
+        </p:nvCxnSpPr>
+        <p:spPr>
+          <a:xfrm>
+            <a:off x="518160" y="1495425"/>
+            <a:ext cx="11155680" cy="0"/>
+          </a:xfrm>
+          <a:prstGeom prst="line">
+            <a:avLst/>
+          </a:prstGeom>
+          <a:ln w="19050"/>
+        </p:spPr>
+        <p:style>
+          <a:lnRef idx="1">
+            <a:schemeClr val="accent1"/>
+          </a:lnRef>
+          <a:fillRef idx="0">
+            <a:schemeClr val="accent1"/>
+          </a:fillRef>
+          <a:effectRef idx="0">
+            <a:schemeClr val="accent1"/>
+          </a:effectRef>
+          <a:fontRef idx="minor">
+            <a:schemeClr val="tx1"/>
+          </a:fontRef>
+        </p:style>
+      </p:cxnSp>
+      <p:pic>
+        <p:nvPicPr>
+          <p:cNvPr id="8" name="Grafik 7">
+            <a:extLst>
+              <a:ext uri="{FF2B5EF4-FFF2-40B4-BE49-F238E27FC236}">
+                <a16:creationId xmlns:a16="http://schemas.microsoft.com/office/drawing/2014/main" id="{BB6F7008-5927-624A-9F81-327856CF2BA4}"/>
+              </a:ext>
+            </a:extLst>
+          </p:cNvPr>
+          <p:cNvPicPr>
+            <a:picLocks noChangeAspect="1"/>
+          </p:cNvPicPr>
+          <p:nvPr/>
+        </p:nvPicPr>
+        <p:blipFill>
+          <a:blip r:embed="rId2">
+            <a:extLst>
+              <a:ext uri="{28A0092B-C50C-407E-A947-70E740481C1C}">
+                <a14:useLocalDpi xmlns:a14="http://schemas.microsoft.com/office/drawing/2010/main" val="0"/>
+              </a:ext>
+            </a:extLst>
+          </a:blip>
+          <a:stretch>
+            <a:fillRect/>
+          </a:stretch>
+        </p:blipFill>
+        <p:spPr>
+          <a:xfrm>
+            <a:off x="259080" y="2078355"/>
+            <a:ext cx="11673840" cy="4643120"/>
+          </a:xfrm>
+          <a:prstGeom prst="rect">
+            <a:avLst/>
+          </a:prstGeom>
+        </p:spPr>
+      </p:pic>
+      <p:sp>
+        <p:nvSpPr>
+          <p:cNvPr id="9" name="Textfeld 8">
+            <a:extLst>
+              <a:ext uri="{FF2B5EF4-FFF2-40B4-BE49-F238E27FC236}">
+                <a16:creationId xmlns:a16="http://schemas.microsoft.com/office/drawing/2014/main" id="{079C391C-393E-E64E-9E84-3190ACF99572}"/>
+              </a:ext>
+            </a:extLst>
+          </p:cNvPr>
+          <p:cNvSpPr txBox="1"/>
+          <p:nvPr/>
+        </p:nvSpPr>
+        <p:spPr>
+          <a:xfrm>
+            <a:off x="2388704" y="1194925"/>
+            <a:ext cx="7414591" cy="1350299"/>
+          </a:xfrm>
+          <a:prstGeom prst="rect">
+            <a:avLst/>
+          </a:prstGeom>
+        </p:spPr>
+        <p:txBody>
+          <a:bodyPr vert="horz" lIns="91440" tIns="45720" rIns="91440" bIns="45720" rtlCol="0" anchor="ctr">
+            <a:normAutofit/>
+          </a:bodyPr>
+          <a:lstStyle>
+            <a:lvl1pPr algn="ctr">
+              <a:lnSpc>
+                <a:spcPct val="90000"/>
+              </a:lnSpc>
+              <a:spcBef>
+                <a:spcPct val="0"/>
+              </a:spcBef>
+              <a:buNone/>
+              <a:defRPr sz="4400">
+                <a:latin typeface="+mj-lt"/>
+                <a:ea typeface="+mj-ea"/>
+                <a:cs typeface="+mj-cs"/>
+              </a:defRPr>
+            </a:lvl1pPr>
+          </a:lstStyle>
+          <a:p>
+            <a:r>
+              <a:rPr lang="de-DE" sz="2800" dirty="0" err="1"/>
+              <a:t>Particle</a:t>
+            </a:r>
+            <a:r>
+              <a:rPr lang="de-DE" sz="2800" dirty="0"/>
+              <a:t> </a:t>
+            </a:r>
+            <a:r>
+              <a:rPr lang="de-DE" sz="2800" dirty="0" err="1"/>
+              <a:t>density</a:t>
+            </a:r>
+            <a:r>
+              <a:rPr lang="de-DE" sz="2800" dirty="0"/>
+              <a:t> </a:t>
+            </a:r>
+            <a:r>
+              <a:rPr lang="de-DE" sz="2800" dirty="0" err="1"/>
+              <a:t>Contour</a:t>
+            </a:r>
+            <a:r>
+              <a:rPr lang="de-DE" sz="2800" dirty="0"/>
+              <a:t> </a:t>
+            </a:r>
+            <a:r>
+              <a:rPr lang="de-DE" sz="2800" dirty="0" err="1"/>
+              <a:t>with</a:t>
+            </a:r>
+            <a:r>
+              <a:rPr lang="de-DE" sz="2800" dirty="0"/>
+              <a:t> </a:t>
+            </a:r>
+            <a:r>
+              <a:rPr lang="de-DE" sz="2800" dirty="0" err="1"/>
+              <a:t>velocity</a:t>
+            </a:r>
+            <a:r>
+              <a:rPr lang="de-DE" sz="2800" dirty="0"/>
+              <a:t> </a:t>
+            </a:r>
+            <a:r>
+              <a:rPr lang="de-DE" sz="2800" dirty="0" err="1"/>
+              <a:t>vectors</a:t>
+            </a:r>
+            <a:endParaRPr lang="de-DE" sz="2800" dirty="0"/>
+          </a:p>
+        </p:txBody>
+      </p:sp>
+    </p:spTree>
+    <p:extLst>
+      <p:ext uri="{BB962C8B-B14F-4D97-AF65-F5344CB8AC3E}">
+        <p14:creationId xmlns:p14="http://schemas.microsoft.com/office/powerpoint/2010/main" val="1430022808"/>
+      </p:ext>
+    </p:extLst>
+  </p:cSld>
+  <p:clrMapOvr>
+    <a:masterClrMapping/>
+  </p:clrMapOvr>
+</p:sld>
+</file>
+
+<file path=ppt/slides/slide7.xml><?xml version="1.0" encoding="utf-8"?>
+<p:sld xmlns:a="http://schemas.openxmlformats.org/drawingml/2006/main" xmlns:r="http://schemas.openxmlformats.org/officeDocument/2006/relationships" xmlns:p="http://schemas.openxmlformats.org/presentationml/2006/main">
+  <p:cSld>
+    <p:spTree>
+      <p:nvGrpSpPr>
+        <p:cNvPr id="1" name=""/>
+        <p:cNvGrpSpPr/>
+        <p:nvPr/>
+      </p:nvGrpSpPr>
+      <p:grpSpPr>
+        <a:xfrm>
+          <a:off x="0" y="0"/>
+          <a:ext cx="0" cy="0"/>
+          <a:chOff x="0" y="0"/>
+          <a:chExt cx="0" cy="0"/>
+        </a:xfrm>
+      </p:grpSpPr>
+      <p:sp>
+        <p:nvSpPr>
+          <p:cNvPr id="2" name="Titel 1">
+            <a:extLst>
+              <a:ext uri="{FF2B5EF4-FFF2-40B4-BE49-F238E27FC236}">
+                <a16:creationId xmlns:a16="http://schemas.microsoft.com/office/drawing/2014/main" id="{CD125071-366C-496B-B333-6A301847477B}"/>
+              </a:ext>
+            </a:extLst>
+          </p:cNvPr>
+          <p:cNvSpPr>
+            <a:spLocks noGrp="1"/>
+          </p:cNvSpPr>
+          <p:nvPr>
+            <p:ph type="title"/>
+          </p:nvPr>
+        </p:nvSpPr>
+        <p:spPr/>
+        <p:txBody>
+          <a:bodyPr vert="horz" lIns="91440" tIns="45720" rIns="91440" bIns="45720" rtlCol="0" anchor="ctr">
+            <a:normAutofit/>
+          </a:bodyPr>
+          <a:lstStyle/>
+          <a:p>
+            <a:pPr algn="ctr"/>
+            <a:r>
+              <a:rPr lang="de-AT" dirty="0" err="1"/>
+              <a:t>Results</a:t>
+            </a:r>
+            <a:r>
+              <a:rPr lang="de-AT" dirty="0"/>
+              <a:t> HPP</a:t>
+            </a:r>
+          </a:p>
+        </p:txBody>
+      </p:sp>
+      <p:sp>
+        <p:nvSpPr>
+          <p:cNvPr id="3" name="Inhaltsplatzhalter 2">
+            <a:extLst>
+              <a:ext uri="{FF2B5EF4-FFF2-40B4-BE49-F238E27FC236}">
+                <a16:creationId xmlns:a16="http://schemas.microsoft.com/office/drawing/2014/main" id="{72571CD3-37A9-4B5C-B541-D64C9B9CD76D}"/>
+              </a:ext>
+            </a:extLst>
+          </p:cNvPr>
+          <p:cNvSpPr>
+            <a:spLocks noGrp="1"/>
+          </p:cNvSpPr>
+          <p:nvPr>
+            <p:ph idx="1"/>
+          </p:nvPr>
+        </p:nvSpPr>
+        <p:spPr/>
+        <p:txBody>
+          <a:bodyPr/>
+          <a:lstStyle/>
+          <a:p>
+            <a:pPr marL="457200" lvl="1" indent="0">
+              <a:buNone/>
+            </a:pPr>
+            <a:r>
+              <a:rPr lang="de-AT" dirty="0"/>
+              <a:t>	</a:t>
+            </a:r>
+          </a:p>
+        </p:txBody>
+      </p:sp>
+      <p:sp>
+        <p:nvSpPr>
+          <p:cNvPr id="4" name="Foliennummernplatzhalter 3">
+            <a:extLst>
+              <a:ext uri="{FF2B5EF4-FFF2-40B4-BE49-F238E27FC236}">
+                <a16:creationId xmlns:a16="http://schemas.microsoft.com/office/drawing/2014/main" id="{E054BE5B-2C66-468F-9D0E-E3AE828B83F1}"/>
+              </a:ext>
+            </a:extLst>
+          </p:cNvPr>
+          <p:cNvSpPr>
+            <a:spLocks noGrp="1"/>
+          </p:cNvSpPr>
+          <p:nvPr>
+            <p:ph type="sldNum" sz="quarter" idx="12"/>
+          </p:nvPr>
+        </p:nvSpPr>
+        <p:spPr/>
+        <p:txBody>
+          <a:bodyPr/>
+          <a:lstStyle/>
+          <a:p>
+            <a:fld id="{07D37939-05EA-4A19-9D44-5A085DB3A996}" type="slidenum">
+              <a:rPr lang="de-AT" smtClean="0"/>
+              <a:t>7</a:t>
+            </a:fld>
+            <a:endParaRPr lang="de-AT"/>
+          </a:p>
+        </p:txBody>
+      </p:sp>
+      <p:cxnSp>
+        <p:nvCxnSpPr>
+          <p:cNvPr id="6" name="Gerader Verbinder 5">
+            <a:extLst>
+              <a:ext uri="{FF2B5EF4-FFF2-40B4-BE49-F238E27FC236}">
+                <a16:creationId xmlns:a16="http://schemas.microsoft.com/office/drawing/2014/main" id="{8C79C4A6-A48B-4A83-95FE-DA20DB4E5DED}"/>
+              </a:ext>
+            </a:extLst>
+          </p:cNvPr>
+          <p:cNvCxnSpPr>
+            <a:cxnSpLocks/>
+          </p:cNvCxnSpPr>
+          <p:nvPr/>
+        </p:nvCxnSpPr>
+        <p:spPr>
+          <a:xfrm>
+            <a:off x="518160" y="1495425"/>
+            <a:ext cx="11155680" cy="0"/>
+          </a:xfrm>
+          <a:prstGeom prst="line">
+            <a:avLst/>
+          </a:prstGeom>
+          <a:ln w="19050"/>
+        </p:spPr>
+        <p:style>
+          <a:lnRef idx="1">
+            <a:schemeClr val="accent1"/>
+          </a:lnRef>
+          <a:fillRef idx="0">
+            <a:schemeClr val="accent1"/>
+          </a:fillRef>
+          <a:effectRef idx="0">
+            <a:schemeClr val="accent1"/>
+          </a:effectRef>
+          <a:fontRef idx="minor">
+            <a:schemeClr val="tx1"/>
+          </a:fontRef>
+        </p:style>
+      </p:cxnSp>
+      <p:sp>
+        <p:nvSpPr>
+          <p:cNvPr id="9" name="Textfeld 8">
+            <a:extLst>
+              <a:ext uri="{FF2B5EF4-FFF2-40B4-BE49-F238E27FC236}">
+                <a16:creationId xmlns:a16="http://schemas.microsoft.com/office/drawing/2014/main" id="{079C391C-393E-E64E-9E84-3190ACF99572}"/>
+              </a:ext>
+            </a:extLst>
+          </p:cNvPr>
+          <p:cNvSpPr txBox="1"/>
+          <p:nvPr/>
+        </p:nvSpPr>
+        <p:spPr>
+          <a:xfrm>
+            <a:off x="2388704" y="1194925"/>
+            <a:ext cx="7414591" cy="1350299"/>
+          </a:xfrm>
+          <a:prstGeom prst="rect">
+            <a:avLst/>
+          </a:prstGeom>
+        </p:spPr>
+        <p:txBody>
+          <a:bodyPr vert="horz" lIns="91440" tIns="45720" rIns="91440" bIns="45720" rtlCol="0" anchor="ctr">
+            <a:normAutofit/>
+          </a:bodyPr>
+          <a:lstStyle>
+            <a:lvl1pPr algn="ctr">
+              <a:lnSpc>
+                <a:spcPct val="90000"/>
+              </a:lnSpc>
+              <a:spcBef>
+                <a:spcPct val="0"/>
+              </a:spcBef>
+              <a:buNone/>
+              <a:defRPr sz="4400">
+                <a:latin typeface="+mj-lt"/>
+                <a:ea typeface="+mj-ea"/>
+                <a:cs typeface="+mj-cs"/>
+              </a:defRPr>
+            </a:lvl1pPr>
+          </a:lstStyle>
+          <a:p>
+            <a:r>
+              <a:rPr lang="de-DE" sz="2800" dirty="0" err="1"/>
+              <a:t>Velocity</a:t>
+            </a:r>
+            <a:r>
+              <a:rPr lang="de-DE" sz="2800" dirty="0"/>
+              <a:t> </a:t>
+            </a:r>
+            <a:r>
+              <a:rPr lang="de-DE" sz="2800" dirty="0" err="1"/>
+              <a:t>Contour</a:t>
+            </a:r>
+            <a:r>
+              <a:rPr lang="de-DE" sz="2800" dirty="0"/>
+              <a:t> </a:t>
+            </a:r>
+            <a:r>
+              <a:rPr lang="de-DE" sz="2800" dirty="0" err="1"/>
+              <a:t>with</a:t>
+            </a:r>
+            <a:r>
+              <a:rPr lang="de-DE" sz="2800" dirty="0"/>
+              <a:t> </a:t>
+            </a:r>
+            <a:r>
+              <a:rPr lang="de-DE" sz="2800" dirty="0" err="1"/>
+              <a:t>Streamlines</a:t>
+            </a:r>
+            <a:endParaRPr lang="de-DE" sz="2800" dirty="0"/>
+          </a:p>
+        </p:txBody>
+      </p:sp>
+      <p:pic>
+        <p:nvPicPr>
+          <p:cNvPr id="7" name="Grafik 6">
+            <a:extLst>
+              <a:ext uri="{FF2B5EF4-FFF2-40B4-BE49-F238E27FC236}">
+                <a16:creationId xmlns:a16="http://schemas.microsoft.com/office/drawing/2014/main" id="{75C5EF16-D5FE-F445-8F01-D58BBF28F084}"/>
+              </a:ext>
+            </a:extLst>
+          </p:cNvPr>
+          <p:cNvPicPr>
+            <a:picLocks noChangeAspect="1"/>
+          </p:cNvPicPr>
+          <p:nvPr/>
+        </p:nvPicPr>
+        <p:blipFill>
+          <a:blip r:embed="rId2">
+            <a:extLst>
+              <a:ext uri="{28A0092B-C50C-407E-A947-70E740481C1C}">
+                <a14:useLocalDpi xmlns:a14="http://schemas.microsoft.com/office/drawing/2010/main" val="0"/>
+              </a:ext>
+            </a:extLst>
+          </a:blip>
+          <a:stretch>
+            <a:fillRect/>
+          </a:stretch>
+        </p:blipFill>
+        <p:spPr>
+          <a:xfrm>
+            <a:off x="125895" y="2053169"/>
+            <a:ext cx="11940209" cy="4829980"/>
+          </a:xfrm>
+          <a:prstGeom prst="rect">
+            <a:avLst/>
+          </a:prstGeom>
+        </p:spPr>
+      </p:pic>
+    </p:spTree>
+    <p:extLst>
+      <p:ext uri="{BB962C8B-B14F-4D97-AF65-F5344CB8AC3E}">
+        <p14:creationId xmlns:p14="http://schemas.microsoft.com/office/powerpoint/2010/main" val="237487526"/>
+      </p:ext>
+    </p:extLst>
+  </p:cSld>
+  <p:clrMapOvr>
+    <a:masterClrMapping/>
+  </p:clrMapOvr>
+</p:sld>
+</file>
+
+<file path=ppt/slides/slide8.xml><?xml version="1.0" encoding="utf-8"?>
+<p:sld xmlns:a="http://schemas.openxmlformats.org/drawingml/2006/main" xmlns:r="http://schemas.openxmlformats.org/officeDocument/2006/relationships" xmlns:p="http://schemas.openxmlformats.org/presentationml/2006/main">
+  <p:cSld>
+    <p:spTree>
+      <p:nvGrpSpPr>
+        <p:cNvPr id="1" name=""/>
+        <p:cNvGrpSpPr/>
+        <p:nvPr/>
+      </p:nvGrpSpPr>
+      <p:grpSpPr>
+        <a:xfrm>
+          <a:off x="0" y="0"/>
+          <a:ext cx="0" cy="0"/>
+          <a:chOff x="0" y="0"/>
+          <a:chExt cx="0" cy="0"/>
+        </a:xfrm>
+      </p:grpSpPr>
+      <p:sp>
+        <p:nvSpPr>
+          <p:cNvPr id="2" name="Titel 1">
+            <a:extLst>
+              <a:ext uri="{FF2B5EF4-FFF2-40B4-BE49-F238E27FC236}">
+                <a16:creationId xmlns:a16="http://schemas.microsoft.com/office/drawing/2014/main" id="{CD125071-366C-496B-B333-6A301847477B}"/>
+              </a:ext>
+            </a:extLst>
+          </p:cNvPr>
+          <p:cNvSpPr>
+            <a:spLocks noGrp="1"/>
+          </p:cNvSpPr>
+          <p:nvPr>
+            <p:ph type="title"/>
+          </p:nvPr>
+        </p:nvSpPr>
+        <p:spPr/>
+        <p:txBody>
+          <a:bodyPr/>
+          <a:lstStyle/>
+          <a:p>
+            <a:pPr algn="ctr"/>
+            <a:r>
+              <a:rPr lang="de-AT" dirty="0" err="1"/>
+              <a:t>Results</a:t>
+            </a:r>
+            <a:r>
+              <a:rPr lang="de-AT" dirty="0"/>
+              <a:t> FHP</a:t>
+            </a:r>
+          </a:p>
+        </p:txBody>
+      </p:sp>
+      <p:sp>
+        <p:nvSpPr>
+          <p:cNvPr id="3" name="Inhaltsplatzhalter 2">
+            <a:extLst>
+              <a:ext uri="{FF2B5EF4-FFF2-40B4-BE49-F238E27FC236}">
+                <a16:creationId xmlns:a16="http://schemas.microsoft.com/office/drawing/2014/main" id="{72571CD3-37A9-4B5C-B541-D64C9B9CD76D}"/>
+              </a:ext>
+            </a:extLst>
+          </p:cNvPr>
+          <p:cNvSpPr>
+            <a:spLocks noGrp="1"/>
+          </p:cNvSpPr>
+          <p:nvPr>
+            <p:ph idx="1"/>
+          </p:nvPr>
+        </p:nvSpPr>
+        <p:spPr/>
+        <p:txBody>
+          <a:bodyPr/>
+          <a:lstStyle/>
+          <a:p>
+            <a:pPr marL="457200" lvl="1" indent="0">
+              <a:buNone/>
+            </a:pPr>
+            <a:r>
+              <a:rPr lang="de-AT" dirty="0"/>
+              <a:t>	</a:t>
+            </a:r>
+          </a:p>
+        </p:txBody>
+      </p:sp>
+      <p:sp>
+        <p:nvSpPr>
+          <p:cNvPr id="4" name="Foliennummernplatzhalter 3">
+            <a:extLst>
+              <a:ext uri="{FF2B5EF4-FFF2-40B4-BE49-F238E27FC236}">
+                <a16:creationId xmlns:a16="http://schemas.microsoft.com/office/drawing/2014/main" id="{E054BE5B-2C66-468F-9D0E-E3AE828B83F1}"/>
+              </a:ext>
+            </a:extLst>
+          </p:cNvPr>
+          <p:cNvSpPr>
+            <a:spLocks noGrp="1"/>
+          </p:cNvSpPr>
+          <p:nvPr>
+            <p:ph type="sldNum" sz="quarter" idx="12"/>
+          </p:nvPr>
+        </p:nvSpPr>
+        <p:spPr/>
+        <p:txBody>
+          <a:bodyPr/>
+          <a:lstStyle/>
+          <a:p>
+            <a:fld id="{07D37939-05EA-4A19-9D44-5A085DB3A996}" type="slidenum">
+              <a:rPr lang="de-AT" smtClean="0"/>
+              <a:t>8</a:t>
+            </a:fld>
+            <a:endParaRPr lang="de-AT"/>
+          </a:p>
+        </p:txBody>
+      </p:sp>
+      <p:cxnSp>
+        <p:nvCxnSpPr>
+          <p:cNvPr id="6" name="Gerader Verbinder 5">
+            <a:extLst>
+              <a:ext uri="{FF2B5EF4-FFF2-40B4-BE49-F238E27FC236}">
+                <a16:creationId xmlns:a16="http://schemas.microsoft.com/office/drawing/2014/main" id="{8C79C4A6-A48B-4A83-95FE-DA20DB4E5DED}"/>
+              </a:ext>
+            </a:extLst>
+          </p:cNvPr>
+          <p:cNvCxnSpPr>
+            <a:cxnSpLocks/>
+          </p:cNvCxnSpPr>
+          <p:nvPr/>
+        </p:nvCxnSpPr>
+        <p:spPr>
+          <a:xfrm>
+            <a:off x="518160" y="1495425"/>
+            <a:ext cx="11155680" cy="0"/>
+          </a:xfrm>
+          <a:prstGeom prst="line">
+            <a:avLst/>
+          </a:prstGeom>
+          <a:ln w="19050"/>
+        </p:spPr>
+        <p:style>
+          <a:lnRef idx="1">
+            <a:schemeClr val="accent1"/>
+          </a:lnRef>
+          <a:fillRef idx="0">
+            <a:schemeClr val="accent1"/>
+          </a:fillRef>
+          <a:effectRef idx="0">
+            <a:schemeClr val="accent1"/>
+          </a:effectRef>
+          <a:fontRef idx="minor">
+            <a:schemeClr val="tx1"/>
+          </a:fontRef>
+        </p:style>
+      </p:cxnSp>
+      <p:sp>
+        <p:nvSpPr>
+          <p:cNvPr id="5" name="Textfeld 4">
+            <a:extLst>
+              <a:ext uri="{FF2B5EF4-FFF2-40B4-BE49-F238E27FC236}">
+                <a16:creationId xmlns:a16="http://schemas.microsoft.com/office/drawing/2014/main" id="{14BD8392-B980-4F5E-BDE9-1674099FE9A1}"/>
+              </a:ext>
+            </a:extLst>
+          </p:cNvPr>
+          <p:cNvSpPr txBox="1"/>
+          <p:nvPr/>
+        </p:nvSpPr>
+        <p:spPr>
+          <a:xfrm>
+            <a:off x="518160" y="6356350"/>
+            <a:ext cx="741997" cy="369332"/>
+          </a:xfrm>
+          <a:prstGeom prst="rect">
+            <a:avLst/>
+          </a:prstGeom>
+          <a:noFill/>
+        </p:spPr>
+        <p:txBody>
+          <a:bodyPr wrap="square" rtlCol="0">
+            <a:spAutoFit/>
+          </a:bodyPr>
+          <a:lstStyle/>
+          <a:p>
+            <a:r>
+              <a:rPr lang="de-AT" dirty="0"/>
+              <a:t>[2]</a:t>
+            </a:r>
+          </a:p>
+        </p:txBody>
+      </p:sp>
+    </p:spTree>
+    <p:extLst>
+      <p:ext uri="{BB962C8B-B14F-4D97-AF65-F5344CB8AC3E}">
+        <p14:creationId xmlns:p14="http://schemas.microsoft.com/office/powerpoint/2010/main" val="158937242"/>
+      </p:ext>
+    </p:extLst>
+  </p:cSld>
+  <p:clrMapOvr>
+    <a:masterClrMapping/>
+  </p:clrMapOvr>
+</p:sld>
+</file>
+
+<file path=ppt/slides/slide9.xml><?xml version="1.0" encoding="utf-8"?>
+<p:sld xmlns:a="http://schemas.openxmlformats.org/drawingml/2006/main" xmlns:r="http://schemas.openxmlformats.org/officeDocument/2006/relationships" xmlns:p="http://schemas.openxmlformats.org/presentationml/2006/main">
+  <p:cSld>
+    <p:spTree>
+      <p:nvGrpSpPr>
+        <p:cNvPr id="1" name=""/>
+        <p:cNvGrpSpPr/>
+        <p:nvPr/>
+      </p:nvGrpSpPr>
+      <p:grpSpPr>
+        <a:xfrm>
+          <a:off x="0" y="0"/>
+          <a:ext cx="0" cy="0"/>
+          <a:chOff x="0" y="0"/>
+          <a:chExt cx="0" cy="0"/>
+        </a:xfrm>
+      </p:grpSpPr>
+      <p:sp>
+        <p:nvSpPr>
+          <p:cNvPr id="2" name="Titel 1">
+            <a:extLst>
+              <a:ext uri="{FF2B5EF4-FFF2-40B4-BE49-F238E27FC236}">
+                <a16:creationId xmlns:a16="http://schemas.microsoft.com/office/drawing/2014/main" id="{CD125071-366C-496B-B333-6A301847477B}"/>
+              </a:ext>
+            </a:extLst>
+          </p:cNvPr>
+          <p:cNvSpPr>
+            <a:spLocks noGrp="1"/>
+          </p:cNvSpPr>
+          <p:nvPr>
+            <p:ph type="title"/>
+          </p:nvPr>
+        </p:nvSpPr>
+        <p:spPr/>
+        <p:txBody>
+          <a:bodyPr/>
+          <a:lstStyle/>
+          <a:p>
+            <a:pPr algn="ctr"/>
+            <a:r>
+              <a:rPr lang="de-AT" dirty="0"/>
+              <a:t>Karman </a:t>
+            </a:r>
+            <a:r>
+              <a:rPr lang="de-AT" dirty="0" err="1"/>
+              <a:t>Vortex</a:t>
+            </a:r>
+            <a:r>
+              <a:rPr lang="de-AT" dirty="0"/>
+              <a:t> Street</a:t>
+            </a:r>
+          </a:p>
+        </p:txBody>
+      </p:sp>
+      <p:sp>
+        <p:nvSpPr>
+          <p:cNvPr id="3" name="Inhaltsplatzhalter 2">
+            <a:extLst>
+              <a:ext uri="{FF2B5EF4-FFF2-40B4-BE49-F238E27FC236}">
+                <a16:creationId xmlns:a16="http://schemas.microsoft.com/office/drawing/2014/main" id="{72571CD3-37A9-4B5C-B541-D64C9B9CD76D}"/>
+              </a:ext>
+            </a:extLst>
+          </p:cNvPr>
+          <p:cNvSpPr>
+            <a:spLocks noGrp="1"/>
+          </p:cNvSpPr>
+          <p:nvPr>
+            <p:ph idx="1"/>
+          </p:nvPr>
+        </p:nvSpPr>
+        <p:spPr/>
+        <p:txBody>
+          <a:bodyPr/>
+          <a:lstStyle/>
+          <a:p>
+            <a:pPr marL="457200" lvl="1" indent="0">
+              <a:buNone/>
+            </a:pPr>
+            <a:r>
+              <a:rPr lang="de-AT" dirty="0"/>
+              <a:t>	</a:t>
+            </a:r>
+          </a:p>
+        </p:txBody>
+      </p:sp>
+      <p:sp>
+        <p:nvSpPr>
+          <p:cNvPr id="4" name="Foliennummernplatzhalter 3">
+            <a:extLst>
+              <a:ext uri="{FF2B5EF4-FFF2-40B4-BE49-F238E27FC236}">
+                <a16:creationId xmlns:a16="http://schemas.microsoft.com/office/drawing/2014/main" id="{E054BE5B-2C66-468F-9D0E-E3AE828B83F1}"/>
+              </a:ext>
+            </a:extLst>
+          </p:cNvPr>
+          <p:cNvSpPr>
+            <a:spLocks noGrp="1"/>
+          </p:cNvSpPr>
+          <p:nvPr>
+            <p:ph type="sldNum" sz="quarter" idx="12"/>
+          </p:nvPr>
+        </p:nvSpPr>
+        <p:spPr/>
+        <p:txBody>
+          <a:bodyPr/>
+          <a:lstStyle/>
+          <a:p>
+            <a:fld id="{07D37939-05EA-4A19-9D44-5A085DB3A996}" type="slidenum">
+              <a:rPr lang="de-AT" smtClean="0"/>
+              <a:t>9</a:t>
+            </a:fld>
+            <a:endParaRPr lang="de-AT"/>
+          </a:p>
+        </p:txBody>
+      </p:sp>
+      <p:cxnSp>
+        <p:nvCxnSpPr>
+          <p:cNvPr id="6" name="Gerader Verbinder 5">
+            <a:extLst>
+              <a:ext uri="{FF2B5EF4-FFF2-40B4-BE49-F238E27FC236}">
+                <a16:creationId xmlns:a16="http://schemas.microsoft.com/office/drawing/2014/main" id="{8C79C4A6-A48B-4A83-95FE-DA20DB4E5DED}"/>
+              </a:ext>
+            </a:extLst>
+          </p:cNvPr>
+          <p:cNvCxnSpPr>
+            <a:cxnSpLocks/>
+          </p:cNvCxnSpPr>
+          <p:nvPr/>
+        </p:nvCxnSpPr>
+        <p:spPr>
+          <a:xfrm>
+            <a:off x="518160" y="1495425"/>
+            <a:ext cx="11155680" cy="0"/>
+          </a:xfrm>
+          <a:prstGeom prst="line">
+            <a:avLst/>
+          </a:prstGeom>
+          <a:ln w="19050"/>
+        </p:spPr>
+        <p:style>
+          <a:lnRef idx="1">
+            <a:schemeClr val="accent1"/>
+          </a:lnRef>
+          <a:fillRef idx="0">
+            <a:schemeClr val="accent1"/>
+          </a:fillRef>
+          <a:effectRef idx="0">
+            <a:schemeClr val="accent1"/>
+          </a:effectRef>
+          <a:fontRef idx="minor">
+            <a:schemeClr val="tx1"/>
+          </a:fontRef>
+        </p:style>
+      </p:cxnSp>
+      <p:sp>
+        <p:nvSpPr>
+          <p:cNvPr id="5" name="Textfeld 4">
+            <a:extLst>
+              <a:ext uri="{FF2B5EF4-FFF2-40B4-BE49-F238E27FC236}">
+                <a16:creationId xmlns:a16="http://schemas.microsoft.com/office/drawing/2014/main" id="{14BD8392-B980-4F5E-BDE9-1674099FE9A1}"/>
+              </a:ext>
+            </a:extLst>
+          </p:cNvPr>
+          <p:cNvSpPr txBox="1"/>
+          <p:nvPr/>
+        </p:nvSpPr>
+        <p:spPr>
+          <a:xfrm>
+            <a:off x="518160" y="6356350"/>
+            <a:ext cx="741997" cy="369332"/>
+          </a:xfrm>
+          <a:prstGeom prst="rect">
+            <a:avLst/>
+          </a:prstGeom>
+          <a:noFill/>
+        </p:spPr>
+        <p:txBody>
+          <a:bodyPr wrap="square" rtlCol="0">
+            <a:spAutoFit/>
+          </a:bodyPr>
+          <a:lstStyle/>
+          <a:p>
+            <a:r>
+              <a:rPr lang="de-AT" dirty="0"/>
+              <a:t>[2]</a:t>
+            </a:r>
+          </a:p>
+        </p:txBody>
+      </p:sp>
+    </p:spTree>
+    <p:extLst>
+      <p:ext uri="{BB962C8B-B14F-4D97-AF65-F5344CB8AC3E}">
+        <p14:creationId xmlns:p14="http://schemas.microsoft.com/office/powerpoint/2010/main" val="2234163290"/>
       </p:ext>
     </p:extLst>
   </p:cSld>
